--- a/online_3.pptx
+++ b/online_3.pptx
@@ -6,14 +6,13 @@
   </p:sldMasterIdLst>
   <p:sldIdLst>
     <p:sldId id="257" r:id="rId2"/>
-    <p:sldId id="262" r:id="rId3"/>
-    <p:sldId id="258" r:id="rId4"/>
-    <p:sldId id="259" r:id="rId5"/>
-    <p:sldId id="260" r:id="rId6"/>
-    <p:sldId id="261" r:id="rId7"/>
+    <p:sldId id="258" r:id="rId3"/>
+    <p:sldId id="259" r:id="rId4"/>
+    <p:sldId id="260" r:id="rId5"/>
+    <p:sldId id="261" r:id="rId6"/>
   </p:sldIdLst>
   <p:sldSz cx="9144000" cy="6858000" type="screen4x3"/>
-  <p:notesSz cx="7010400" cy="9296400"/>
+  <p:notesSz cx="6858000" cy="9144000"/>
   <p:defaultTextStyle>
     <a:defPPr>
       <a:defRPr lang="en-US"/>
@@ -109,79 +108,7 @@
       </a:defRPr>
     </a:lvl9pPr>
   </p:defaultTextStyle>
-  <p:extLst>
-    <p:ext uri="{EFAFB233-063F-42B5-8137-9DF3F51BA10A}">
-      <p15:sldGuideLst xmlns:p15="http://schemas.microsoft.com/office/powerpoint/2012/main" xmlns="">
-        <p15:guide id="1" orient="horz" pos="2160">
-          <p15:clr>
-            <a:srgbClr val="A4A3A4"/>
-          </p15:clr>
-        </p15:guide>
-        <p15:guide id="2" pos="2880">
-          <p15:clr>
-            <a:srgbClr val="A4A3A4"/>
-          </p15:clr>
-        </p15:guide>
-      </p15:sldGuideLst>
-    </p:ext>
-  </p:extLst>
 </p:presentation>
-</file>
-
-<file path=ppt/ink/ink1.xml><?xml version="1.0" encoding="utf-8"?>
-<inkml:ink xmlns:inkml="http://www.w3.org/2003/InkML">
-  <inkml:definitions>
-    <inkml:context xml:id="ctx0">
-      <inkml:inkSource xml:id="inkSrc0">
-        <inkml:traceFormat>
-          <inkml:channel name="X" type="integer" min="-2.14748E9" max="2.14748E9" units="cm"/>
-          <inkml:channel name="Y" type="integer" min="-2.14748E9" max="2.14748E9" units="cm"/>
-          <inkml:channel name="F" type="integer" max="32767" units="dev"/>
-        </inkml:traceFormat>
-        <inkml:channelProperties>
-          <inkml:channelProperty channel="X" name="resolution" value="1000" units="1/cm"/>
-          <inkml:channelProperty channel="Y" name="resolution" value="1000" units="1/cm"/>
-          <inkml:channelProperty channel="F" name="resolution" value="0" units="1/dev"/>
-        </inkml:channelProperties>
-      </inkml:inkSource>
-      <inkml:timestamp xml:id="ts0" timeString="2020-05-12T00:51:09.384"/>
-    </inkml:context>
-    <inkml:brush xml:id="br0">
-      <inkml:brushProperty name="width" value="0.1" units="cm"/>
-      <inkml:brushProperty name="height" value="0.1" units="cm"/>
-      <inkml:brushProperty name="color" value="#FF0066"/>
-    </inkml:brush>
-  </inkml:definitions>
-  <inkml:trace contextRef="#ctx0" brushRef="#br0">94 8 2872,'25'-8'2480,"-33"21"3091,-16 17-2077,16-19-2815,0 1 1,1 0-1,0 0 0,1 0 0,-1 3-679,1 1 25,-1 1-1,2 0 0,-3 14-24,2 1 137,1 0 0,1 0 0,2 0 0,1 1 1,2-1-1,1 0 0,2 1 0,1-1 0,1-1 0,2 1 0,10 27-137,-3-13-10,-2 2 1,3 31 9,-4-22 327,-6-24-379,-2 1 0,-1 8 52,-1-14 113,1 0 0,1 0 0,7 22-113,-6-32-35,7 20 11,-2 1 0,-2 1 0,-1-1 0,1 34 24,4 130 49,-3-35 327,0-4-325,-6-97-354,8 39 303,-1-4 166,4 32-355,-4-47 498,-3 21-309,-5-71 24,3 0 1,1-1 0,2 5-25,0-7-146,-2 1 0,-2-1 0,0 24 146,-14 186 223,4-130-150,1 3-91,-5 101-76,-21 91 94,19-195 443,4 14-443,0 1 169,-2-18-201,0-9-66,4 33 98,-2 186 416,-14 67-269,2-108-316,8-123 232,-1 30-164,10-38 179,6-1 0,7 1 0,10 32-78,-15-152 176,4 31-13,2 0 0,3 0-1,3-2 1,11 25-163,-20-65 18,0 0 0,2-1 0,0 0 0,1 0 0,0-1 0,1-1 0,4 3-18,-6-8 48,0-1-1,0 0 1,1 0 0,0-1-1,1-1 1,0 0 0,0-1-1,0 0 1,1-1-1,0 0 1,0-1-48,15 4 16,0-2 0,0-2-1,1 0 1,-1-2 0,16-1-16,47-4 551,8-4-551,10-1 111,47-7 160,47-14-271,34-4 43,-3 3 203,-62 6-198,1 8-1,22 7-47,245-1 167,-130 17-13,-289-6-118,-1 1-1,1 1 0,3 1-35,-4 0 35,1-1-1,-1 0 1,5-2-35,-16-1-8,-1 1 1,1 0-1,0 0 1,-1 1-1,4 1 8,17 1 543,-13-5 168,-27-5-597,0 0 0,-1 1 0,0 0 1,-4-1-115,-27-11 100,-51-25 133,40 19-310,2-3 0,-27-17 77,12 1 377,-2 3 0,-47-18-377,-2 13-480,208 81-17,100 50 473,-39-19-53,119 56 131,-257-120 38,-7-2-68,-1 0-1,1 0 1,0 1-1,-1-1 1,1 1 0,-1 1-1,0-1 1,0 1-1,2 1-23,-7-3 24,1 0 0,-1 0-1,0-1 1,0 1-1,0 0 1,0 0 0,0-1-1,0 1 1,0 0 0,-1 0-1,1-1 1,-1 1 0,1 0-1,-1-1 1,0 1 0,1 0-1,-1-1 1,0 1 0,0-1-1,0 1 1,0-1 0,-1 0-1,0 2-23,-37 41-532,31-36 435,-149 142 754,101-101-394,3 3 0,1 2 0,-19 30-263,52-60-90,0-2 0,-2 0-1,0-1 1,-8 4 90,20-18 771,3-5-2688,5-5-4963,1 1-5445</inkml:trace>
-</inkml:ink>
-</file>
-
-<file path=ppt/ink/ink2.xml><?xml version="1.0" encoding="utf-8"?>
-<inkml:ink xmlns:inkml="http://www.w3.org/2003/InkML">
-  <inkml:definitions>
-    <inkml:context xml:id="ctx0">
-      <inkml:inkSource xml:id="inkSrc0">
-        <inkml:traceFormat>
-          <inkml:channel name="X" type="integer" min="-2.14748E9" max="2.14748E9" units="cm"/>
-          <inkml:channel name="Y" type="integer" min="-2.14748E9" max="2.14748E9" units="cm"/>
-          <inkml:channel name="F" type="integer" max="32767" units="dev"/>
-        </inkml:traceFormat>
-        <inkml:channelProperties>
-          <inkml:channelProperty channel="X" name="resolution" value="1000" units="1/cm"/>
-          <inkml:channelProperty channel="Y" name="resolution" value="1000" units="1/cm"/>
-          <inkml:channelProperty channel="F" name="resolution" value="0" units="1/dev"/>
-        </inkml:channelProperties>
-      </inkml:inkSource>
-      <inkml:timestamp xml:id="ts0" timeString="2020-05-12T00:51:18.118"/>
-    </inkml:context>
-    <inkml:brush xml:id="br0">
-      <inkml:brushProperty name="width" value="0.1" units="cm"/>
-      <inkml:brushProperty name="height" value="0.1" units="cm"/>
-      <inkml:brushProperty name="color" value="#FF0066"/>
-    </inkml:brush>
-  </inkml:definitions>
-  <inkml:trace contextRef="#ctx0" brushRef="#br0">11190 27 5024,'10'-2'762,"14"-4"1980,-32 1 91,-13-1-961,13 4-944,-6-3 2448,12 14-1187,2-7-2083,0 0 0,0 0 0,0 0-1,0 0 1,0 0 0,-1 0 0,1 0 0,-1 0-1,0 0 1,1-1 0,-2 2-106,0 1 214,1 0 0,-1-1-1,1 1 1,-1 0 0,1 0 0,0 0-1,1 0 1,-1 0 0,1 0 0,0 1 0,-1-1-1,2 4-213,-4-6 56,2-2-49,1 0 1,-1 1-1,0-1 0,0 1 1,1-1-1,-1 1 1,0-1-1,1 1 0,-1-1 1,1 1-1,-1-1 0,1 1 1,-1 0-1,1-1 1,-1 1-1,1 0 0,0 0 1,-1-1-1,1 1 0,0 0 1,-1 0-1,1-1 1,0 2-8,0 6 28,0 0 1,-1 1 0,0-1 0,0 1 0,-1-1 0,0 0-1,0 0 1,-3 5-29,2 1-3,0 1 1,1-1-1,0 1 0,1 0 0,1 0 1,0 7 2,0-12-5,20 365 159,-13-282-311,-2 71 79,-3-83-14,-9 453 118,0-279 48,-2 24 107,6-156-287,6 42 106,1-38 313,-8 27-313,-1-105-107,3-29 115,0-1-1,1 1 0,1 0 0,2 7-7,1 10 177,-2 29-177,-1-49 47,0-15-47,-1 0-1,1 0 1,-1 0 0,1 0-1,-1 0 1,0-1-1,0 1 1,0 0 0,0 0-1,0 0 1,0-1-1,0 1 1,0-1-1,-1 1 1,1-1 0,-1 1 0,-6 1 13,1 0 0,-1 0 0,0-1 1,0 0-1,0-1 0,-6 1-13,4-1 48,1 0 1,-1 1-1,1 0 1,-9 4-49,-28 11-116,0-3 1,-1-1 0,-44 5 115,-151 13 59,90-14-47,-384 39-130,279-32 117,86-6 10,-305 38-58,171-17 35,-455 55 11,219-45-87,-107 6 154,-21 3 12,288-33-52,-150-19-24,149-3 8,-243-1 88,-238 7-246,764-5 121,-106 3 60,-20-9-31,-142 5 388,87 2-380,261-5 5,-888-33 158,668 17-125,-196-21 298,383 32-380,0 2-1,-1 3 1,-41 5 36,68-4 31,-22 3-181,45-3 134,0 0 0,1 0 1,-1 0-1,0 0 1,1 0-1,-1 1 0,1-1 1,-1 1-1,1 0 1,0 0-1,0 0 0,0 0 1,0 0-1,0 0 1,-2 2 15,0 4 17,0 1 0,0-1 1,1 1-1,0 0 1,0-1-1,1 1 0,1 1 1,-2 6-18,-9 38 133,8-37-134,0 0 0,2 1 1,-1-1-1,2 14 1,-5 28-213,-4 32 162,3 1 1,5 0 0,6 55 50,17 82 106,11 8-106,8 72 235,-38-291-251,17 160 688,23 84-672,-6-144 928,-36-118-941,0 0 1,0 1-1,0-1 0,0 0 1,0 0-1,0 0 0,0 0 0,1 0 1,-1 1-1,0-1 0,0 0 1,0 0-1,0 0 0,0 0 1,0 0-1,0 0 0,0 1 0,1-1 1,-1 0-1,0 0 0,0 0 1,0 0-1,0 0 0,0 0 0,0 0 1,1 0-1,-1 0 0,0 0 1,0 0-1,0 0 0,0 0 0,1 0 1,-1 0-1,0 0 0,0 0 1,0 0-1,0 0 0,0 0 0,1 0 1,-1 0-1,0 0 0,0 0 1,0 0-1,0 0 0,0 0 0,1 0 1,-1 0-1,0 0 0,0 0 1,0 0-1,0-1 0,0 1 0,0 0 1,1 0-1,-1 0 0,0 0 1,0 0-1,0 0 13,0 0 4,0 0 1,0 0-1,0 0 0,-1 0 1,1 1-1,0-1 1,0 0-1,0 0 0,0 0 1,0 0-1,0 1 1,0-1-1,0 0 0,0 0 1,0 0-1,0 1 0,0-1 1,0 0-1,0 0 1,0 0-1,0 1 0,0-1 1,0 0-1,1 0 1,-1 0-1,0 0 0,0 1 1,0-1-1,0 0 1,0 0-1,0 0 0,0 0 1,1 0-1,-1 1 1,0-1-1,0 0 0,0 0 1,0 0-1,1 0 1,-1 0-1,0 0 0,0 0 1,0 0-1,0 0 0,1 0 1,-1 0-1,0 0 1,0 0-1,0 0 0,1 0 1,-1 0-1,0 0 1,0 0-1,0 0 0,1 0 1,-1 0-1,0 0 1,0 0-1,0 0 0,0 0 1,1 0-1,-1 0 1,0 0-1,0 0 0,0-1 1,0 1-1,1 0 0,-1 0-3,0 1-1,0 0 0,0 0 0,0 0 0,0 0 0,0-1 0,0 1 0,1 0 0,-1 0 0,0 0 0,1 0 0,-1 0 0,0-1 0,1 1 0,-1 0 0,1 0 0,-1-1 0,1 1 0,0 0 0,-1-1 1,1 1-1,0 0 0,-1-1 0,1 1 0,0-1 0,0 1 0,0-1 0,-1 0 0,1 1 0,0-1 0,0 0 0,0 1 0,0-1 0,0 0 0,0 0 0,0 0 0,-1 0 0,1 0 0,0 0 0,0 0 0,0 0 1,0 0-1,0-1 0,0 1 0,10-2-40,0 0 0,-1-1 0,1 0 0,2-2 40,19-4 360,2 4-432,-1 1 0,2 2 1,-1 1-1,0 2 0,9 2 72,62 11-504,4 4 504,99 13 609,18-8-698,314 20-266,-357-34 656,-61-1-108,0-5 1,21-7-194,-133 4 71,0 0 1,0 1-1,-1 0 0,1 0 1,1 2-72,12 0 243,-22-2-231,0 0 1,0 0 0,-1 0 0,1 0-1,0 0 1,-1 0 0,1 0 0,0 1-1,-1-1 1,1 0 0,-1 0 0,0 0-1,1 1 1,-1-1 0,0 0 0,0 0-1,0 1 1,0-1 0,0 0 0,0 0-1,0 1 1,0-1 0,-1 0 0,1 0-1,-1 2-12,1 5-101,0-8 122,0 0 39,0 0-80,-13-18 147,13 27-207,0-14-325,0 5 421,0 0 41,0 0-114,0 0 47,0 0 292,-1-5 116,1 14-270,0-8-128,0-1 0,0 1 1,-1-1-1,1 0 0,0 1 0,0-1 0,-1 0 0,1 1 0,0-1 1,-1 0-1,1 1 0,-1-1 0,1 0 0,0 0 0,-1 1 0,1-1 1,-1 0-1,1 0 0,-1 0 0,1 0 0,-1 0 0,1 0 0,0 0 1,-1 1-1,1-1 0,-1-1 0,1 1 0,-1 0 0,1 0 0,-1 0 1,1 0-1,-1 0 0,1 0 0,0 0 0,-1-1 0,1 1 0,-1 0 1,1 0-1,0-1 0,-1 1 0,1 0 0,-22-12-25,19 10 18,-60-40 419,-51-46-412,73 54 24,-1 2 0,-1 2 1,-2 2-1,-44-21-24,62 37 20,-71-29-274,83 39 90,26 11-85,27 13 129,120 51-82,167 68 112,-253-98 255,-59-34-126,-13-9-36,1 0 0,-1 1 0,1-1-1,-1 0 1,1 0 0,-1 1 0,1-1 0,-1 0-1,1 0 1,-1 0 0,1 0 0,-1 0 0,1 0 0,-1 0-1,1 0 1,-1 0 0,1 0 0,0 0 0,-1 0-1,1 0 1,-1 0 0,1 0 0,-1 0 0,1-1-1,-1 1 1,0 0 0,1 0 0,-1-1 0,1 1-1,-1 0 1,1-1 0,-1 1 0,0 0 0,1-1 0,-1 1-1,0-1 1,1 1 0,-1-1 0,0 1 0,0 0-1,1-1 1,-1 1 0,0-1 0,0 1 0,0-1-1,0 1 1,0-1 0,1 0-3,3-6-17,3 15 287,-8-4-283,0 0 1,0-1-1,0 1 0,-1 0 0,1-1 0,-1 0 0,0 1 1,0-1-1,-2 2 13,3-2-20,-8 10 14,-1 0 0,0 0 0,0-1 0,-1 0 0,-1-1 0,-4 3 6,-81 59 322,42-34-353,-243 168 575,292-203-575,1-1 0,-1 1 0,0-1-1,0-1 1,0 1 0,-1-1 0,1 0 0,0-1-1,-1 1 1,-4-1 31,5 3 433,3 2-3746,7-18-5641,-1-4-1267</inkml:trace>
-</inkml:ink>
 </file>
 
 <file path=ppt/slideLayouts/slideLayout1.xml><?xml version="1.0" encoding="utf-8"?>
@@ -222,7 +149,7 @@
           <a:lstStyle/>
           <a:p>
             <a:r>
-              <a:rPr lang="ko-KR" altLang="en-US"/>
+              <a:rPr lang="ko-KR" altLang="en-US" smtClean="0"/>
               <a:t>마스터 제목 스타일 편집</a:t>
             </a:r>
             <a:endParaRPr lang="en-US"/>
@@ -341,7 +268,7 @@
           </a:lstStyle>
           <a:p>
             <a:r>
-              <a:rPr lang="ko-KR" altLang="en-US"/>
+              <a:rPr lang="ko-KR" altLang="en-US" smtClean="0"/>
               <a:t>마스터 부제목 스타일 편집</a:t>
             </a:r>
             <a:endParaRPr lang="en-US"/>
@@ -365,7 +292,7 @@
           <a:p>
             <a:fld id="{A3035209-1ACD-4FE6-9ECE-AFEFC10EF97B}" type="datetimeFigureOut">
               <a:rPr lang="en-US" smtClean="0"/>
-              <a:t>5/12/2020</a:t>
+              <a:t>5/11/2020</a:t>
             </a:fld>
             <a:endParaRPr lang="en-US"/>
           </a:p>
@@ -459,7 +386,7 @@
           <a:lstStyle/>
           <a:p>
             <a:r>
-              <a:rPr lang="ko-KR" altLang="en-US"/>
+              <a:rPr lang="ko-KR" altLang="en-US" smtClean="0"/>
               <a:t>마스터 제목 스타일 편집</a:t>
             </a:r>
             <a:endParaRPr lang="en-US"/>
@@ -483,35 +410,35 @@
           <a:p>
             <a:pPr lvl="0"/>
             <a:r>
-              <a:rPr lang="ko-KR" altLang="en-US"/>
+              <a:rPr lang="ko-KR" altLang="en-US" smtClean="0"/>
               <a:t>마스터 텍스트 스타일을 편집합니다</a:t>
             </a:r>
           </a:p>
           <a:p>
             <a:pPr lvl="1"/>
             <a:r>
-              <a:rPr lang="ko-KR" altLang="en-US"/>
+              <a:rPr lang="ko-KR" altLang="en-US" smtClean="0"/>
               <a:t>둘째 수준</a:t>
             </a:r>
           </a:p>
           <a:p>
             <a:pPr lvl="2"/>
             <a:r>
-              <a:rPr lang="ko-KR" altLang="en-US"/>
+              <a:rPr lang="ko-KR" altLang="en-US" smtClean="0"/>
               <a:t>셋째 수준</a:t>
             </a:r>
           </a:p>
           <a:p>
             <a:pPr lvl="3"/>
             <a:r>
-              <a:rPr lang="ko-KR" altLang="en-US"/>
+              <a:rPr lang="ko-KR" altLang="en-US" smtClean="0"/>
               <a:t>넷째 수준</a:t>
             </a:r>
           </a:p>
           <a:p>
             <a:pPr lvl="4"/>
             <a:r>
-              <a:rPr lang="ko-KR" altLang="en-US"/>
+              <a:rPr lang="ko-KR" altLang="en-US" smtClean="0"/>
               <a:t>다섯째 수준</a:t>
             </a:r>
             <a:endParaRPr lang="en-US"/>
@@ -535,7 +462,7 @@
           <a:p>
             <a:fld id="{A3035209-1ACD-4FE6-9ECE-AFEFC10EF97B}" type="datetimeFigureOut">
               <a:rPr lang="en-US" smtClean="0"/>
-              <a:t>5/12/2020</a:t>
+              <a:t>5/11/2020</a:t>
             </a:fld>
             <a:endParaRPr lang="en-US"/>
           </a:p>
@@ -634,7 +561,7 @@
           <a:lstStyle/>
           <a:p>
             <a:r>
-              <a:rPr lang="ko-KR" altLang="en-US"/>
+              <a:rPr lang="ko-KR" altLang="en-US" smtClean="0"/>
               <a:t>마스터 제목 스타일 편집</a:t>
             </a:r>
             <a:endParaRPr lang="en-US"/>
@@ -663,35 +590,35 @@
           <a:p>
             <a:pPr lvl="0"/>
             <a:r>
-              <a:rPr lang="ko-KR" altLang="en-US"/>
+              <a:rPr lang="ko-KR" altLang="en-US" smtClean="0"/>
               <a:t>마스터 텍스트 스타일을 편집합니다</a:t>
             </a:r>
           </a:p>
           <a:p>
             <a:pPr lvl="1"/>
             <a:r>
-              <a:rPr lang="ko-KR" altLang="en-US"/>
+              <a:rPr lang="ko-KR" altLang="en-US" smtClean="0"/>
               <a:t>둘째 수준</a:t>
             </a:r>
           </a:p>
           <a:p>
             <a:pPr lvl="2"/>
             <a:r>
-              <a:rPr lang="ko-KR" altLang="en-US"/>
+              <a:rPr lang="ko-KR" altLang="en-US" smtClean="0"/>
               <a:t>셋째 수준</a:t>
             </a:r>
           </a:p>
           <a:p>
             <a:pPr lvl="3"/>
             <a:r>
-              <a:rPr lang="ko-KR" altLang="en-US"/>
+              <a:rPr lang="ko-KR" altLang="en-US" smtClean="0"/>
               <a:t>넷째 수준</a:t>
             </a:r>
           </a:p>
           <a:p>
             <a:pPr lvl="4"/>
             <a:r>
-              <a:rPr lang="ko-KR" altLang="en-US"/>
+              <a:rPr lang="ko-KR" altLang="en-US" smtClean="0"/>
               <a:t>다섯째 수준</a:t>
             </a:r>
             <a:endParaRPr lang="en-US"/>
@@ -715,7 +642,7 @@
           <a:p>
             <a:fld id="{A3035209-1ACD-4FE6-9ECE-AFEFC10EF97B}" type="datetimeFigureOut">
               <a:rPr lang="en-US" smtClean="0"/>
-              <a:t>5/12/2020</a:t>
+              <a:t>5/11/2020</a:t>
             </a:fld>
             <a:endParaRPr lang="en-US"/>
           </a:p>
@@ -809,7 +736,7 @@
           <a:lstStyle/>
           <a:p>
             <a:r>
-              <a:rPr lang="ko-KR" altLang="en-US"/>
+              <a:rPr lang="ko-KR" altLang="en-US" smtClean="0"/>
               <a:t>마스터 제목 스타일 편집</a:t>
             </a:r>
             <a:endParaRPr lang="en-US"/>
@@ -833,35 +760,35 @@
           <a:p>
             <a:pPr lvl="0"/>
             <a:r>
-              <a:rPr lang="ko-KR" altLang="en-US"/>
+              <a:rPr lang="ko-KR" altLang="en-US" smtClean="0"/>
               <a:t>마스터 텍스트 스타일을 편집합니다</a:t>
             </a:r>
           </a:p>
           <a:p>
             <a:pPr lvl="1"/>
             <a:r>
-              <a:rPr lang="ko-KR" altLang="en-US"/>
+              <a:rPr lang="ko-KR" altLang="en-US" smtClean="0"/>
               <a:t>둘째 수준</a:t>
             </a:r>
           </a:p>
           <a:p>
             <a:pPr lvl="2"/>
             <a:r>
-              <a:rPr lang="ko-KR" altLang="en-US"/>
+              <a:rPr lang="ko-KR" altLang="en-US" smtClean="0"/>
               <a:t>셋째 수준</a:t>
             </a:r>
           </a:p>
           <a:p>
             <a:pPr lvl="3"/>
             <a:r>
-              <a:rPr lang="ko-KR" altLang="en-US"/>
+              <a:rPr lang="ko-KR" altLang="en-US" smtClean="0"/>
               <a:t>넷째 수준</a:t>
             </a:r>
           </a:p>
           <a:p>
             <a:pPr lvl="4"/>
             <a:r>
-              <a:rPr lang="ko-KR" altLang="en-US"/>
+              <a:rPr lang="ko-KR" altLang="en-US" smtClean="0"/>
               <a:t>다섯째 수준</a:t>
             </a:r>
             <a:endParaRPr lang="en-US"/>
@@ -885,7 +812,7 @@
           <a:p>
             <a:fld id="{A3035209-1ACD-4FE6-9ECE-AFEFC10EF97B}" type="datetimeFigureOut">
               <a:rPr lang="en-US" smtClean="0"/>
-              <a:t>5/12/2020</a:t>
+              <a:t>5/11/2020</a:t>
             </a:fld>
             <a:endParaRPr lang="en-US"/>
           </a:p>
@@ -988,7 +915,7 @@
           </a:lstStyle>
           <a:p>
             <a:r>
-              <a:rPr lang="ko-KR" altLang="en-US"/>
+              <a:rPr lang="ko-KR" altLang="en-US" smtClean="0"/>
               <a:t>마스터 제목 스타일 편집</a:t>
             </a:r>
             <a:endParaRPr lang="en-US"/>
@@ -1108,7 +1035,7 @@
           <a:p>
             <a:pPr lvl="0"/>
             <a:r>
-              <a:rPr lang="ko-KR" altLang="en-US"/>
+              <a:rPr lang="ko-KR" altLang="en-US" smtClean="0"/>
               <a:t>마스터 텍스트 스타일을 편집합니다</a:t>
             </a:r>
           </a:p>
@@ -1131,7 +1058,7 @@
           <a:p>
             <a:fld id="{A3035209-1ACD-4FE6-9ECE-AFEFC10EF97B}" type="datetimeFigureOut">
               <a:rPr lang="en-US" smtClean="0"/>
-              <a:t>5/12/2020</a:t>
+              <a:t>5/11/2020</a:t>
             </a:fld>
             <a:endParaRPr lang="en-US"/>
           </a:p>
@@ -1225,7 +1152,7 @@
           <a:lstStyle/>
           <a:p>
             <a:r>
-              <a:rPr lang="ko-KR" altLang="en-US"/>
+              <a:rPr lang="ko-KR" altLang="en-US" smtClean="0"/>
               <a:t>마스터 제목 스타일 편집</a:t>
             </a:r>
             <a:endParaRPr lang="en-US"/>
@@ -1282,35 +1209,35 @@
           <a:p>
             <a:pPr lvl="0"/>
             <a:r>
-              <a:rPr lang="ko-KR" altLang="en-US"/>
+              <a:rPr lang="ko-KR" altLang="en-US" smtClean="0"/>
               <a:t>마스터 텍스트 스타일을 편집합니다</a:t>
             </a:r>
           </a:p>
           <a:p>
             <a:pPr lvl="1"/>
             <a:r>
-              <a:rPr lang="ko-KR" altLang="en-US"/>
+              <a:rPr lang="ko-KR" altLang="en-US" smtClean="0"/>
               <a:t>둘째 수준</a:t>
             </a:r>
           </a:p>
           <a:p>
             <a:pPr lvl="2"/>
             <a:r>
-              <a:rPr lang="ko-KR" altLang="en-US"/>
+              <a:rPr lang="ko-KR" altLang="en-US" smtClean="0"/>
               <a:t>셋째 수준</a:t>
             </a:r>
           </a:p>
           <a:p>
             <a:pPr lvl="3"/>
             <a:r>
-              <a:rPr lang="ko-KR" altLang="en-US"/>
+              <a:rPr lang="ko-KR" altLang="en-US" smtClean="0"/>
               <a:t>넷째 수준</a:t>
             </a:r>
           </a:p>
           <a:p>
             <a:pPr lvl="4"/>
             <a:r>
-              <a:rPr lang="ko-KR" altLang="en-US"/>
+              <a:rPr lang="ko-KR" altLang="en-US" smtClean="0"/>
               <a:t>다섯째 수준</a:t>
             </a:r>
             <a:endParaRPr lang="en-US"/>
@@ -1367,35 +1294,35 @@
           <a:p>
             <a:pPr lvl="0"/>
             <a:r>
-              <a:rPr lang="ko-KR" altLang="en-US"/>
+              <a:rPr lang="ko-KR" altLang="en-US" smtClean="0"/>
               <a:t>마스터 텍스트 스타일을 편집합니다</a:t>
             </a:r>
           </a:p>
           <a:p>
             <a:pPr lvl="1"/>
             <a:r>
-              <a:rPr lang="ko-KR" altLang="en-US"/>
+              <a:rPr lang="ko-KR" altLang="en-US" smtClean="0"/>
               <a:t>둘째 수준</a:t>
             </a:r>
           </a:p>
           <a:p>
             <a:pPr lvl="2"/>
             <a:r>
-              <a:rPr lang="ko-KR" altLang="en-US"/>
+              <a:rPr lang="ko-KR" altLang="en-US" smtClean="0"/>
               <a:t>셋째 수준</a:t>
             </a:r>
           </a:p>
           <a:p>
             <a:pPr lvl="3"/>
             <a:r>
-              <a:rPr lang="ko-KR" altLang="en-US"/>
+              <a:rPr lang="ko-KR" altLang="en-US" smtClean="0"/>
               <a:t>넷째 수준</a:t>
             </a:r>
           </a:p>
           <a:p>
             <a:pPr lvl="4"/>
             <a:r>
-              <a:rPr lang="ko-KR" altLang="en-US"/>
+              <a:rPr lang="ko-KR" altLang="en-US" smtClean="0"/>
               <a:t>다섯째 수준</a:t>
             </a:r>
             <a:endParaRPr lang="en-US"/>
@@ -1419,7 +1346,7 @@
           <a:p>
             <a:fld id="{A3035209-1ACD-4FE6-9ECE-AFEFC10EF97B}" type="datetimeFigureOut">
               <a:rPr lang="en-US" smtClean="0"/>
-              <a:t>5/12/2020</a:t>
+              <a:t>5/11/2020</a:t>
             </a:fld>
             <a:endParaRPr lang="en-US"/>
           </a:p>
@@ -1517,7 +1444,7 @@
           </a:lstStyle>
           <a:p>
             <a:r>
-              <a:rPr lang="ko-KR" altLang="en-US"/>
+              <a:rPr lang="ko-KR" altLang="en-US" smtClean="0"/>
               <a:t>마스터 제목 스타일 편집</a:t>
             </a:r>
             <a:endParaRPr lang="en-US"/>
@@ -1583,7 +1510,7 @@
           <a:p>
             <a:pPr lvl="0"/>
             <a:r>
-              <a:rPr lang="ko-KR" altLang="en-US"/>
+              <a:rPr lang="ko-KR" altLang="en-US" smtClean="0"/>
               <a:t>마스터 텍스트 스타일을 편집합니다</a:t>
             </a:r>
           </a:p>
@@ -1639,35 +1566,35 @@
           <a:p>
             <a:pPr lvl="0"/>
             <a:r>
-              <a:rPr lang="ko-KR" altLang="en-US"/>
+              <a:rPr lang="ko-KR" altLang="en-US" smtClean="0"/>
               <a:t>마스터 텍스트 스타일을 편집합니다</a:t>
             </a:r>
           </a:p>
           <a:p>
             <a:pPr lvl="1"/>
             <a:r>
-              <a:rPr lang="ko-KR" altLang="en-US"/>
+              <a:rPr lang="ko-KR" altLang="en-US" smtClean="0"/>
               <a:t>둘째 수준</a:t>
             </a:r>
           </a:p>
           <a:p>
             <a:pPr lvl="2"/>
             <a:r>
-              <a:rPr lang="ko-KR" altLang="en-US"/>
+              <a:rPr lang="ko-KR" altLang="en-US" smtClean="0"/>
               <a:t>셋째 수준</a:t>
             </a:r>
           </a:p>
           <a:p>
             <a:pPr lvl="3"/>
             <a:r>
-              <a:rPr lang="ko-KR" altLang="en-US"/>
+              <a:rPr lang="ko-KR" altLang="en-US" smtClean="0"/>
               <a:t>넷째 수준</a:t>
             </a:r>
           </a:p>
           <a:p>
             <a:pPr lvl="4"/>
             <a:r>
-              <a:rPr lang="ko-KR" altLang="en-US"/>
+              <a:rPr lang="ko-KR" altLang="en-US" smtClean="0"/>
               <a:t>다섯째 수준</a:t>
             </a:r>
             <a:endParaRPr lang="en-US"/>
@@ -1733,7 +1660,7 @@
           <a:p>
             <a:pPr lvl="0"/>
             <a:r>
-              <a:rPr lang="ko-KR" altLang="en-US"/>
+              <a:rPr lang="ko-KR" altLang="en-US" smtClean="0"/>
               <a:t>마스터 텍스트 스타일을 편집합니다</a:t>
             </a:r>
           </a:p>
@@ -1789,35 +1716,35 @@
           <a:p>
             <a:pPr lvl="0"/>
             <a:r>
-              <a:rPr lang="ko-KR" altLang="en-US"/>
+              <a:rPr lang="ko-KR" altLang="en-US" smtClean="0"/>
               <a:t>마스터 텍스트 스타일을 편집합니다</a:t>
             </a:r>
           </a:p>
           <a:p>
             <a:pPr lvl="1"/>
             <a:r>
-              <a:rPr lang="ko-KR" altLang="en-US"/>
+              <a:rPr lang="ko-KR" altLang="en-US" smtClean="0"/>
               <a:t>둘째 수준</a:t>
             </a:r>
           </a:p>
           <a:p>
             <a:pPr lvl="2"/>
             <a:r>
-              <a:rPr lang="ko-KR" altLang="en-US"/>
+              <a:rPr lang="ko-KR" altLang="en-US" smtClean="0"/>
               <a:t>셋째 수준</a:t>
             </a:r>
           </a:p>
           <a:p>
             <a:pPr lvl="3"/>
             <a:r>
-              <a:rPr lang="ko-KR" altLang="en-US"/>
+              <a:rPr lang="ko-KR" altLang="en-US" smtClean="0"/>
               <a:t>넷째 수준</a:t>
             </a:r>
           </a:p>
           <a:p>
             <a:pPr lvl="4"/>
             <a:r>
-              <a:rPr lang="ko-KR" altLang="en-US"/>
+              <a:rPr lang="ko-KR" altLang="en-US" smtClean="0"/>
               <a:t>다섯째 수준</a:t>
             </a:r>
             <a:endParaRPr lang="en-US"/>
@@ -1841,7 +1768,7 @@
           <a:p>
             <a:fld id="{A3035209-1ACD-4FE6-9ECE-AFEFC10EF97B}" type="datetimeFigureOut">
               <a:rPr lang="en-US" smtClean="0"/>
-              <a:t>5/12/2020</a:t>
+              <a:t>5/11/2020</a:t>
             </a:fld>
             <a:endParaRPr lang="en-US"/>
           </a:p>
@@ -1935,7 +1862,7 @@
           <a:lstStyle/>
           <a:p>
             <a:r>
-              <a:rPr lang="ko-KR" altLang="en-US"/>
+              <a:rPr lang="ko-KR" altLang="en-US" smtClean="0"/>
               <a:t>마스터 제목 스타일 편집</a:t>
             </a:r>
             <a:endParaRPr lang="en-US"/>
@@ -1959,7 +1886,7 @@
           <a:p>
             <a:fld id="{A3035209-1ACD-4FE6-9ECE-AFEFC10EF97B}" type="datetimeFigureOut">
               <a:rPr lang="en-US" smtClean="0"/>
-              <a:t>5/12/2020</a:t>
+              <a:t>5/11/2020</a:t>
             </a:fld>
             <a:endParaRPr lang="en-US"/>
           </a:p>
@@ -2054,7 +1981,7 @@
           <a:p>
             <a:fld id="{A3035209-1ACD-4FE6-9ECE-AFEFC10EF97B}" type="datetimeFigureOut">
               <a:rPr lang="en-US" smtClean="0"/>
-              <a:t>5/12/2020</a:t>
+              <a:t>5/11/2020</a:t>
             </a:fld>
             <a:endParaRPr lang="en-US"/>
           </a:p>
@@ -2157,7 +2084,7 @@
           </a:lstStyle>
           <a:p>
             <a:r>
-              <a:rPr lang="ko-KR" altLang="en-US"/>
+              <a:rPr lang="ko-KR" altLang="en-US" smtClean="0"/>
               <a:t>마스터 제목 스타일 편집</a:t>
             </a:r>
             <a:endParaRPr lang="en-US"/>
@@ -2214,35 +2141,35 @@
           <a:p>
             <a:pPr lvl="0"/>
             <a:r>
-              <a:rPr lang="ko-KR" altLang="en-US"/>
+              <a:rPr lang="ko-KR" altLang="en-US" smtClean="0"/>
               <a:t>마스터 텍스트 스타일을 편집합니다</a:t>
             </a:r>
           </a:p>
           <a:p>
             <a:pPr lvl="1"/>
             <a:r>
-              <a:rPr lang="ko-KR" altLang="en-US"/>
+              <a:rPr lang="ko-KR" altLang="en-US" smtClean="0"/>
               <a:t>둘째 수준</a:t>
             </a:r>
           </a:p>
           <a:p>
             <a:pPr lvl="2"/>
             <a:r>
-              <a:rPr lang="ko-KR" altLang="en-US"/>
+              <a:rPr lang="ko-KR" altLang="en-US" smtClean="0"/>
               <a:t>셋째 수준</a:t>
             </a:r>
           </a:p>
           <a:p>
             <a:pPr lvl="3"/>
             <a:r>
-              <a:rPr lang="ko-KR" altLang="en-US"/>
+              <a:rPr lang="ko-KR" altLang="en-US" smtClean="0"/>
               <a:t>넷째 수준</a:t>
             </a:r>
           </a:p>
           <a:p>
             <a:pPr lvl="4"/>
             <a:r>
-              <a:rPr lang="ko-KR" altLang="en-US"/>
+              <a:rPr lang="ko-KR" altLang="en-US" smtClean="0"/>
               <a:t>다섯째 수준</a:t>
             </a:r>
             <a:endParaRPr lang="en-US"/>
@@ -2308,7 +2235,7 @@
           <a:p>
             <a:pPr lvl="0"/>
             <a:r>
-              <a:rPr lang="ko-KR" altLang="en-US"/>
+              <a:rPr lang="ko-KR" altLang="en-US" smtClean="0"/>
               <a:t>마스터 텍스트 스타일을 편집합니다</a:t>
             </a:r>
           </a:p>
@@ -2331,7 +2258,7 @@
           <a:p>
             <a:fld id="{A3035209-1ACD-4FE6-9ECE-AFEFC10EF97B}" type="datetimeFigureOut">
               <a:rPr lang="en-US" smtClean="0"/>
-              <a:t>5/12/2020</a:t>
+              <a:t>5/11/2020</a:t>
             </a:fld>
             <a:endParaRPr lang="en-US"/>
           </a:p>
@@ -2434,7 +2361,7 @@
           </a:lstStyle>
           <a:p>
             <a:r>
-              <a:rPr lang="ko-KR" altLang="en-US"/>
+              <a:rPr lang="ko-KR" altLang="en-US" smtClean="0"/>
               <a:t>마스터 제목 스타일 편집</a:t>
             </a:r>
             <a:endParaRPr lang="en-US"/>
@@ -2561,7 +2488,7 @@
           <a:p>
             <a:pPr lvl="0"/>
             <a:r>
-              <a:rPr lang="ko-KR" altLang="en-US"/>
+              <a:rPr lang="ko-KR" altLang="en-US" smtClean="0"/>
               <a:t>마스터 텍스트 스타일을 편집합니다</a:t>
             </a:r>
           </a:p>
@@ -2584,7 +2511,7 @@
           <a:p>
             <a:fld id="{A3035209-1ACD-4FE6-9ECE-AFEFC10EF97B}" type="datetimeFigureOut">
               <a:rPr lang="en-US" smtClean="0"/>
-              <a:t>5/12/2020</a:t>
+              <a:t>5/11/2020</a:t>
             </a:fld>
             <a:endParaRPr lang="en-US"/>
           </a:p>
@@ -2693,7 +2620,7 @@
           <a:lstStyle/>
           <a:p>
             <a:r>
-              <a:rPr lang="ko-KR" altLang="en-US"/>
+              <a:rPr lang="ko-KR" altLang="en-US" smtClean="0"/>
               <a:t>마스터 제목 스타일 편집</a:t>
             </a:r>
             <a:endParaRPr lang="en-US"/>
@@ -2727,35 +2654,35 @@
           <a:p>
             <a:pPr lvl="0"/>
             <a:r>
-              <a:rPr lang="ko-KR" altLang="en-US"/>
+              <a:rPr lang="ko-KR" altLang="en-US" smtClean="0"/>
               <a:t>마스터 텍스트 스타일을 편집합니다</a:t>
             </a:r>
           </a:p>
           <a:p>
             <a:pPr lvl="1"/>
             <a:r>
-              <a:rPr lang="ko-KR" altLang="en-US"/>
+              <a:rPr lang="ko-KR" altLang="en-US" smtClean="0"/>
               <a:t>둘째 수준</a:t>
             </a:r>
           </a:p>
           <a:p>
             <a:pPr lvl="2"/>
             <a:r>
-              <a:rPr lang="ko-KR" altLang="en-US"/>
+              <a:rPr lang="ko-KR" altLang="en-US" smtClean="0"/>
               <a:t>셋째 수준</a:t>
             </a:r>
           </a:p>
           <a:p>
             <a:pPr lvl="3"/>
             <a:r>
-              <a:rPr lang="ko-KR" altLang="en-US"/>
+              <a:rPr lang="ko-KR" altLang="en-US" smtClean="0"/>
               <a:t>넷째 수준</a:t>
             </a:r>
           </a:p>
           <a:p>
             <a:pPr lvl="4"/>
             <a:r>
-              <a:rPr lang="ko-KR" altLang="en-US"/>
+              <a:rPr lang="ko-KR" altLang="en-US" smtClean="0"/>
               <a:t>다섯째 수준</a:t>
             </a:r>
             <a:endParaRPr lang="en-US"/>
@@ -2797,7 +2724,7 @@
           <a:p>
             <a:fld id="{A3035209-1ACD-4FE6-9ECE-AFEFC10EF97B}" type="datetimeFigureOut">
               <a:rPr lang="en-US" smtClean="0"/>
-              <a:t>5/12/2020</a:t>
+              <a:t>5/11/2020</a:t>
             </a:fld>
             <a:endParaRPr lang="en-US"/>
           </a:p>
@@ -3197,7 +3124,7 @@
               <a:p>
                 <a:r>
                   <a:rPr lang="en-US" dirty="0" smtClean="0"/>
-                  <a:t>Optimal Linear Reconstruction of the State  (textbook. 4.1 ~4.4, Week_8~8_2)</a:t>
+                  <a:t>Optimal Linear Reconstruction of the State  (textbook. 4.1 ~4.3, Week_8~8_2)</a:t>
                 </a:r>
               </a:p>
               <a:p>
@@ -3205,20 +3132,24 @@
                   <a:buAutoNum type="arabicPeriod"/>
                 </a:pPr>
                 <a:r>
-                  <a:rPr lang="en-US" dirty="0"/>
+                  <a:rPr lang="en-US" dirty="0" smtClean="0"/>
                   <a:t>Problem</a:t>
                 </a:r>
               </a:p>
               <a:p>
                 <a:r>
                   <a:rPr lang="en-US" dirty="0"/>
-                  <a:t>  - Deterministic system </a:t>
+                  <a:t> </a:t>
+                </a:r>
+                <a:r>
+                  <a:rPr lang="en-US" dirty="0" smtClean="0"/>
+                  <a:t> - Deterministic system </a:t>
                 </a:r>
               </a:p>
               <a:p>
                 <a:pPr latinLnBrk="1"/>
                 <a:r>
-                  <a:rPr lang="en-US" dirty="0"/>
+                  <a:rPr lang="en-US" dirty="0" smtClean="0"/>
                   <a:t>                                                    </a:t>
                 </a:r>
                 <a14:m>
@@ -3319,12 +3250,12 @@
                     </m:d>
                   </m:oMath>
                 </a14:m>
-                <a:endParaRPr lang="en-US" b="0" dirty="0"/>
+                <a:endParaRPr lang="en-US" b="0" dirty="0" smtClean="0"/>
               </a:p>
               <a:p>
                 <a:pPr latinLnBrk="1"/>
                 <a:r>
-                  <a:rPr lang="en-US" b="0" dirty="0"/>
+                  <a:rPr lang="en-US" b="0" dirty="0" smtClean="0"/>
                   <a:t>                                                    </a:t>
                 </a:r>
                 <a14:m>
@@ -3355,7 +3286,7 @@
                     </m:r>
                   </m:oMath>
                 </a14:m>
-                <a:endParaRPr lang="en-US" dirty="0"/>
+                <a:endParaRPr lang="en-US" dirty="0" smtClean="0"/>
               </a:p>
               <a:p>
                 <a:pPr latinLnBrk="1"/>
@@ -3364,7 +3295,7 @@
               <a:p>
                 <a:pPr latinLnBrk="1"/>
                 <a:r>
-                  <a:rPr lang="en-US" dirty="0"/>
+                  <a:rPr lang="en-US" dirty="0" smtClean="0"/>
                   <a:t>         in general </a:t>
                 </a:r>
               </a:p>
@@ -3542,7 +3473,7 @@
               <a:p>
                 <a:pPr latinLnBrk="1"/>
                 <a:r>
-                  <a:rPr lang="en-US" dirty="0"/>
+                  <a:rPr lang="en-US" dirty="0" smtClean="0"/>
                   <a:t> </a:t>
                 </a:r>
               </a:p>
@@ -3550,10 +3481,14 @@
                 <a:pPr latinLnBrk="1"/>
                 <a:r>
                   <a:rPr lang="en-US" dirty="0"/>
-                  <a:t>    Design the </a:t>
+                  <a:t> </a:t>
                 </a:r>
                 <a:r>
-                  <a:rPr lang="en-US" b="1" dirty="0">
+                  <a:rPr lang="en-US" dirty="0" smtClean="0"/>
+                  <a:t>   Design the </a:t>
+                </a:r>
+                <a:r>
+                  <a:rPr lang="en-US" b="1" dirty="0" smtClean="0">
                     <a:solidFill>
                       <a:srgbClr val="FF0000"/>
                     </a:solidFill>
@@ -3611,7 +3546,7 @@
                   </m:oMath>
                 </a14:m>
                 <a:r>
-                  <a:rPr lang="en-US" dirty="0"/>
+                  <a:rPr lang="en-US" dirty="0" smtClean="0"/>
                   <a:t>given </a:t>
                 </a:r>
                 <a14:m>
@@ -3647,7 +3582,7 @@
                     </m:r>
                   </m:oMath>
                 </a14:m>
-                <a:endParaRPr lang="en-US" b="0" dirty="0"/>
+                <a:endParaRPr lang="en-US" b="0" dirty="0" smtClean="0"/>
               </a:p>
               <a:p>
                 <a:pPr latinLnBrk="1"/>
@@ -3934,22 +3869,22 @@
                     </m:oMath>
                   </m:oMathPara>
                 </a14:m>
-                <a:endParaRPr lang="en-US" dirty="0"/>
+                <a:endParaRPr lang="en-US" dirty="0" smtClean="0"/>
               </a:p>
               <a:p>
                 <a:pPr latinLnBrk="1"/>
-                <a:endParaRPr lang="en-US" dirty="0"/>
+                <a:endParaRPr lang="en-US" dirty="0" smtClean="0"/>
               </a:p>
               <a:p>
                 <a:r>
-                  <a:rPr lang="en-US" dirty="0"/>
+                  <a:rPr lang="en-US" dirty="0" smtClean="0"/>
                   <a:t> - Stochastic  system </a:t>
                 </a:r>
               </a:p>
               <a:p>
                 <a:pPr latinLnBrk="1"/>
                 <a:r>
-                  <a:rPr lang="en-US" dirty="0"/>
+                  <a:rPr lang="en-US" dirty="0" smtClean="0"/>
                   <a:t>                                                    </a:t>
                 </a:r>
                 <a14:m>
@@ -4046,18 +3981,18 @@
                           <a:rPr lang="en-US" b="0" i="1" smtClean="0">
                             <a:latin typeface="Cambria Math"/>
                           </a:rPr>
-                          <m:t>3</m:t>
+                          <m:t>1</m:t>
                         </m:r>
                       </m:e>
                     </m:d>
                   </m:oMath>
                 </a14:m>
-                <a:endParaRPr lang="en-US" b="0" dirty="0"/>
+                <a:endParaRPr lang="en-US" b="0" dirty="0" smtClean="0"/>
               </a:p>
               <a:p>
                 <a:pPr latinLnBrk="1"/>
                 <a:r>
-                  <a:rPr lang="en-US" b="0" dirty="0"/>
+                  <a:rPr lang="en-US" b="0" dirty="0" smtClean="0"/>
                   <a:t>                                                    </a:t>
                 </a:r>
                 <a14:m>
@@ -4115,19 +4050,7 @@
                       <a:rPr lang="en-US" b="0" i="1" smtClean="0">
                         <a:latin typeface="Cambria Math"/>
                       </a:rPr>
-                      <m:t>                               (</m:t>
-                    </m:r>
-                    <m:r>
-                      <a:rPr lang="en-US" b="0" i="1" smtClean="0">
-                        <a:latin typeface="Cambria Math"/>
-                      </a:rPr>
-                      <m:t>4</m:t>
-                    </m:r>
-                    <m:r>
-                      <a:rPr lang="en-US" b="0" i="1" smtClean="0">
-                        <a:latin typeface="Cambria Math"/>
-                      </a:rPr>
-                      <m:t>)</m:t>
+                      <m:t>                               (2)</m:t>
                     </m:r>
                   </m:oMath>
                 </a14:m>
@@ -4136,7 +4059,7 @@
               <a:p>
                 <a:pPr latinLnBrk="1"/>
                 <a:r>
-                  <a:rPr lang="en-US" dirty="0"/>
+                  <a:rPr lang="en-US" dirty="0" smtClean="0"/>
                   <a:t> </a:t>
                 </a:r>
               </a:p>
@@ -4144,10 +4067,14 @@
                 <a:pPr latinLnBrk="1"/>
                 <a:r>
                   <a:rPr lang="en-US" dirty="0"/>
-                  <a:t>    Design the </a:t>
+                  <a:t> </a:t>
                 </a:r>
                 <a:r>
-                  <a:rPr lang="en-US" b="1" dirty="0">
+                  <a:rPr lang="en-US" dirty="0" smtClean="0"/>
+                  <a:t>   Design the </a:t>
+                </a:r>
+                <a:r>
+                  <a:rPr lang="en-US" b="1" dirty="0" smtClean="0">
                     <a:solidFill>
                       <a:srgbClr val="FF0000"/>
                     </a:solidFill>
@@ -4200,7 +4127,7 @@
                   </m:oMath>
                 </a14:m>
                 <a:r>
-                  <a:rPr lang="en-US" dirty="0"/>
+                  <a:rPr lang="en-US" dirty="0" smtClean="0"/>
                   <a:t>  given </a:t>
                 </a:r>
                 <a14:m>
@@ -4248,7 +4175,7 @@
                     </m:r>
                   </m:oMath>
                 </a14:m>
-                <a:endParaRPr lang="en-US" dirty="0"/>
+                <a:endParaRPr lang="en-US" dirty="0" smtClean="0"/>
               </a:p>
               <a:p>
                 <a:pPr latinLnBrk="1"/>
@@ -4428,7 +4355,7 @@
               </a:p>
               <a:p>
                 <a:pPr latinLnBrk="1"/>
-                <a:endParaRPr lang="en-US" dirty="0"/>
+                <a:endParaRPr lang="en-US" dirty="0" smtClean="0"/>
               </a:p>
             </p:txBody>
           </p:sp>
@@ -4509,1409 +4436,8 @@
           <a:chExt cx="0" cy="0"/>
         </a:xfrm>
       </p:grpSpPr>
-      <p:sp>
-        <p:nvSpPr>
-          <p:cNvPr id="2" name="사각형: 둥근 모서리 1">
-            <a:extLst>
-              <a:ext uri="{FF2B5EF4-FFF2-40B4-BE49-F238E27FC236}">
-                <a16:creationId xmlns:a16="http://schemas.microsoft.com/office/drawing/2014/main" xmlns="" id="{3A9A611E-E853-4149-8BEF-D2D422288D39}"/>
-              </a:ext>
-            </a:extLst>
-          </p:cNvPr>
-          <p:cNvSpPr/>
-          <p:nvPr/>
-        </p:nvSpPr>
-        <p:spPr>
-          <a:xfrm>
-            <a:off x="2895600" y="2036802"/>
-            <a:ext cx="2133600" cy="990600"/>
-          </a:xfrm>
-          <a:prstGeom prst="roundRect">
-            <a:avLst/>
-          </a:prstGeom>
-          <a:noFill/>
-        </p:spPr>
-        <p:style>
-          <a:lnRef idx="2">
-            <a:schemeClr val="accent1">
-              <a:shade val="50000"/>
-            </a:schemeClr>
-          </a:lnRef>
-          <a:fillRef idx="1">
-            <a:schemeClr val="accent1"/>
-          </a:fillRef>
-          <a:effectRef idx="0">
-            <a:schemeClr val="accent1"/>
-          </a:effectRef>
-          <a:fontRef idx="minor">
-            <a:schemeClr val="lt1"/>
-          </a:fontRef>
-        </p:style>
-        <p:txBody>
-          <a:bodyPr rtlCol="0" anchor="ctr"/>
-          <a:lstStyle/>
-          <a:p>
-            <a:pPr algn="ctr"/>
-            <a:endParaRPr lang="x-none"/>
-          </a:p>
-        </p:txBody>
-      </p:sp>
-      <p:sp>
-        <p:nvSpPr>
-          <p:cNvPr id="3" name="TextBox 2">
-            <a:extLst>
-              <a:ext uri="{FF2B5EF4-FFF2-40B4-BE49-F238E27FC236}">
-                <a16:creationId xmlns:a16="http://schemas.microsoft.com/office/drawing/2014/main" xmlns="" id="{E4FCF665-0FF9-4C11-8A4E-1757D9D28007}"/>
-              </a:ext>
-            </a:extLst>
-          </p:cNvPr>
-          <p:cNvSpPr txBox="1"/>
-          <p:nvPr/>
-        </p:nvSpPr>
-        <p:spPr>
-          <a:xfrm>
-            <a:off x="3304842" y="2341602"/>
-            <a:ext cx="1086516" cy="369332"/>
-          </a:xfrm>
-          <a:prstGeom prst="rect">
-            <a:avLst/>
-          </a:prstGeom>
-          <a:noFill/>
-        </p:spPr>
-        <p:txBody>
-          <a:bodyPr wrap="none" rtlCol="0">
-            <a:spAutoFit/>
-          </a:bodyPr>
-          <a:lstStyle/>
-          <a:p>
-            <a:r>
-              <a:rPr lang="en-US" dirty="0"/>
-              <a:t>DC motor</a:t>
-            </a:r>
-            <a:endParaRPr lang="x-none" dirty="0"/>
-          </a:p>
-        </p:txBody>
-      </p:sp>
-      <p:sp>
-        <p:nvSpPr>
-          <p:cNvPr id="8" name="TextBox 7">
-            <a:extLst>
-              <a:ext uri="{FF2B5EF4-FFF2-40B4-BE49-F238E27FC236}">
-                <a16:creationId xmlns:a16="http://schemas.microsoft.com/office/drawing/2014/main" xmlns="" id="{9C49AEDF-38DE-44EC-A086-9CCFBC2B5661}"/>
-              </a:ext>
-            </a:extLst>
-          </p:cNvPr>
-          <p:cNvSpPr txBox="1"/>
-          <p:nvPr/>
-        </p:nvSpPr>
-        <p:spPr>
-          <a:xfrm>
-            <a:off x="433898" y="1972270"/>
-            <a:ext cx="1451038" cy="369332"/>
-          </a:xfrm>
-          <a:prstGeom prst="rect">
-            <a:avLst/>
-          </a:prstGeom>
-          <a:noFill/>
-        </p:spPr>
-        <p:txBody>
-          <a:bodyPr wrap="none" rtlCol="0">
-            <a:spAutoFit/>
-          </a:bodyPr>
-          <a:lstStyle/>
-          <a:p>
-            <a:r>
-              <a:rPr lang="en-US" dirty="0" err="1"/>
-              <a:t>Input:Voltage</a:t>
-            </a:r>
-            <a:endParaRPr lang="x-none" dirty="0"/>
-          </a:p>
-        </p:txBody>
-      </p:sp>
       <mc:AlternateContent xmlns:mc="http://schemas.openxmlformats.org/markup-compatibility/2006">
         <mc:Choice xmlns:a14="http://schemas.microsoft.com/office/drawing/2010/main" Requires="a14">
-          <p:sp>
-            <p:nvSpPr>
-              <p:cNvPr id="11" name="직사각형 10">
-                <a:extLst>
-                  <a:ext uri="{FF2B5EF4-FFF2-40B4-BE49-F238E27FC236}">
-                    <a16:creationId xmlns:a16="http://schemas.microsoft.com/office/drawing/2014/main" xmlns="" id="{33EB1651-DC53-46F2-A027-224B5CC5E295}"/>
-                  </a:ext>
-                </a:extLst>
-              </p:cNvPr>
-              <p:cNvSpPr/>
-              <p:nvPr/>
-            </p:nvSpPr>
-            <p:spPr>
-              <a:xfrm>
-                <a:off x="883504" y="1095531"/>
-                <a:ext cx="2014334" cy="404983"/>
-              </a:xfrm>
-              <a:prstGeom prst="rect">
-                <a:avLst/>
-              </a:prstGeom>
-            </p:spPr>
-            <p:txBody>
-              <a:bodyPr wrap="none">
-                <a:spAutoFit/>
-              </a:bodyPr>
-              <a:lstStyle/>
-              <a:p>
-                <a14:m>
-                  <m:oMath xmlns:m="http://schemas.openxmlformats.org/officeDocument/2006/math">
-                    <m:d>
-                      <m:dPr>
-                        <m:begChr m:val=""/>
-                        <m:ctrlPr>
-                          <a:rPr lang="x-none" i="1">
-                            <a:latin typeface="Cambria Math"/>
-                          </a:rPr>
-                        </m:ctrlPr>
-                      </m:dPr>
-                      <m:e>
-                        <m:r>
-                          <a:rPr lang="x-none" i="1">
-                            <a:latin typeface="Cambria Math" panose="02040503050406030204" pitchFamily="18" charset="0"/>
-                          </a:rPr>
-                          <m:t>𝐽</m:t>
-                        </m:r>
-                        <m:acc>
-                          <m:accPr>
-                            <m:chr m:val="̈"/>
-                            <m:ctrlPr>
-                              <a:rPr lang="x-none" i="1">
-                                <a:latin typeface="Cambria Math"/>
-                              </a:rPr>
-                            </m:ctrlPr>
-                          </m:accPr>
-                          <m:e>
-                            <m:r>
-                              <a:rPr lang="x-none" i="1">
-                                <a:latin typeface="Cambria Math" panose="02040503050406030204" pitchFamily="18" charset="0"/>
-                              </a:rPr>
-                              <m:t>𝜃</m:t>
-                            </m:r>
-                            <m:r>
-                              <a:rPr lang="x-none" i="0">
-                                <a:latin typeface="Cambria Math" panose="02040503050406030204" pitchFamily="18" charset="0"/>
-                              </a:rPr>
-                              <m:t> </m:t>
-                            </m:r>
-                          </m:e>
-                        </m:acc>
-                        <m:r>
-                          <a:rPr lang="x-none" i="0">
-                            <a:latin typeface="Cambria Math" panose="02040503050406030204" pitchFamily="18" charset="0"/>
-                          </a:rPr>
-                          <m:t>+</m:t>
-                        </m:r>
-                        <m:r>
-                          <a:rPr lang="x-none" i="1">
-                            <a:latin typeface="Cambria Math" panose="02040503050406030204" pitchFamily="18" charset="0"/>
-                          </a:rPr>
-                          <m:t>𝐵</m:t>
-                        </m:r>
-                        <m:acc>
-                          <m:accPr>
-                            <m:chr m:val="̇"/>
-                            <m:ctrlPr>
-                              <a:rPr lang="x-none" i="1">
-                                <a:latin typeface="Cambria Math"/>
-                              </a:rPr>
-                            </m:ctrlPr>
-                          </m:accPr>
-                          <m:e>
-                            <m:r>
-                              <a:rPr lang="x-none" i="1">
-                                <a:latin typeface="Cambria Math" panose="02040503050406030204" pitchFamily="18" charset="0"/>
-                              </a:rPr>
-                              <m:t>𝜃</m:t>
-                            </m:r>
-                            <m:r>
-                              <a:rPr lang="x-none" i="0">
-                                <a:latin typeface="Cambria Math" panose="02040503050406030204" pitchFamily="18" charset="0"/>
-                              </a:rPr>
-                              <m:t> </m:t>
-                            </m:r>
-                          </m:e>
-                        </m:acc>
-                        <m:r>
-                          <a:rPr lang="x-none" i="0">
-                            <a:latin typeface="Cambria Math" panose="02040503050406030204" pitchFamily="18" charset="0"/>
-                          </a:rPr>
-                          <m:t>=</m:t>
-                        </m:r>
-                        <m:r>
-                          <a:rPr lang="x-none" i="1">
-                            <a:latin typeface="Cambria Math" panose="02040503050406030204" pitchFamily="18" charset="0"/>
-                          </a:rPr>
-                          <m:t>𝜏</m:t>
-                        </m:r>
-                        <m:r>
-                          <a:rPr lang="x-none" i="0">
-                            <a:latin typeface="Cambria Math" panose="02040503050406030204" pitchFamily="18" charset="0"/>
-                          </a:rPr>
-                          <m:t>(</m:t>
-                        </m:r>
-                        <m:r>
-                          <a:rPr lang="x-none" i="1">
-                            <a:latin typeface="Cambria Math" panose="02040503050406030204" pitchFamily="18" charset="0"/>
-                          </a:rPr>
-                          <m:t>𝑉</m:t>
-                        </m:r>
-                      </m:e>
-                    </m:d>
-                  </m:oMath>
-                </a14:m>
-                <a:r>
-                  <a:rPr lang="en-US" dirty="0"/>
-                  <a:t>, </a:t>
-                </a:r>
-                <a:endParaRPr lang="x-none" dirty="0"/>
-              </a:p>
-            </p:txBody>
-          </p:sp>
-        </mc:Choice>
-        <mc:Fallback>
-          <p:sp>
-            <p:nvSpPr>
-              <p:cNvPr id="11" name="직사각형 10">
-                <a:extLst>
-                  <a:ext uri="{FF2B5EF4-FFF2-40B4-BE49-F238E27FC236}">
-                    <a16:creationId xmlns:a16="http://schemas.microsoft.com/office/drawing/2014/main" xmlns:a14="http://schemas.microsoft.com/office/drawing/2010/main" xmlns="" id="{33EB1651-DC53-46F2-A027-224B5CC5E295}"/>
-                  </a:ext>
-                </a:extLst>
-              </p:cNvPr>
-              <p:cNvSpPr>
-                <a:spLocks noRot="1" noChangeAspect="1" noMove="1" noResize="1" noEditPoints="1" noAdjustHandles="1" noChangeArrowheads="1" noChangeShapeType="1" noTextEdit="1"/>
-              </p:cNvSpPr>
-              <p:nvPr/>
-            </p:nvSpPr>
-            <p:spPr>
-              <a:xfrm>
-                <a:off x="883504" y="1095531"/>
-                <a:ext cx="2014334" cy="404983"/>
-              </a:xfrm>
-              <a:prstGeom prst="rect">
-                <a:avLst/>
-              </a:prstGeom>
-              <a:blipFill rotWithShape="1">
-                <a:blip r:embed="rId2"/>
-                <a:stretch>
-                  <a:fillRect l="-606" t="-156061" r="-24242" b="-233333"/>
-                </a:stretch>
-              </a:blipFill>
-            </p:spPr>
-            <p:txBody>
-              <a:bodyPr/>
-              <a:lstStyle/>
-              <a:p>
-                <a:r>
-                  <a:rPr lang="en-US">
-                    <a:noFill/>
-                  </a:rPr>
-                  <a:t> </a:t>
-                </a:r>
-              </a:p>
-            </p:txBody>
-          </p:sp>
-        </mc:Fallback>
-      </mc:AlternateContent>
-      <mc:AlternateContent xmlns:mc="http://schemas.openxmlformats.org/markup-compatibility/2006">
-        <mc:Choice xmlns:a14="http://schemas.microsoft.com/office/drawing/2010/main" Requires="a14">
-          <p:sp>
-            <p:nvSpPr>
-              <p:cNvPr id="13" name="직사각형 12">
-                <a:extLst>
-                  <a:ext uri="{FF2B5EF4-FFF2-40B4-BE49-F238E27FC236}">
-                    <a16:creationId xmlns:a16="http://schemas.microsoft.com/office/drawing/2014/main" xmlns="" id="{B378B954-4B3F-43CA-ABAE-CD22BD64BB6A}"/>
-                  </a:ext>
-                </a:extLst>
-              </p:cNvPr>
-              <p:cNvSpPr/>
-              <p:nvPr/>
-            </p:nvSpPr>
-            <p:spPr>
-              <a:xfrm>
-                <a:off x="4666236" y="954518"/>
-                <a:ext cx="3621528" cy="912686"/>
-              </a:xfrm>
-              <a:prstGeom prst="rect">
-                <a:avLst/>
-              </a:prstGeom>
-            </p:spPr>
-            <p:txBody>
-              <a:bodyPr wrap="square">
-                <a:spAutoFit/>
-              </a:bodyPr>
-              <a:lstStyle/>
-              <a:p>
-                <a:pPr algn="just" latinLnBrk="1">
-                  <a:lnSpc>
-                    <a:spcPct val="107000"/>
-                  </a:lnSpc>
-                  <a:spcAft>
-                    <a:spcPts val="800"/>
-                  </a:spcAft>
-                </a:pPr>
-                <a:r>
-                  <a:rPr lang="en-US" kern="100" dirty="0">
-                    <a:latin typeface="맑은 고딕" panose="020B0503020000020004" pitchFamily="50" charset="-127"/>
-                    <a:ea typeface="맑은 고딕" panose="020B0503020000020004" pitchFamily="50" charset="-127"/>
-                    <a:cs typeface="Times New Roman" panose="02020603050405020304" pitchFamily="18" charset="0"/>
-                  </a:rPr>
-                  <a:t>Measured  </a:t>
-                </a:r>
-                <a14:m>
-                  <m:oMath xmlns:m="http://schemas.openxmlformats.org/officeDocument/2006/math">
-                    <m:r>
-                      <a:rPr lang="en-US" i="1" kern="100">
-                        <a:latin typeface="Cambria Math" panose="02040503050406030204" pitchFamily="18" charset="0"/>
-                        <a:ea typeface="맑은 고딕" panose="020B0503020000020004" pitchFamily="50" charset="-127"/>
-                        <a:cs typeface="Times New Roman" panose="02020603050405020304" pitchFamily="18" charset="0"/>
-                      </a:rPr>
-                      <m:t>𝜃</m:t>
-                    </m:r>
-                    <m:r>
-                      <a:rPr lang="en-US" i="1" kern="100">
-                        <a:latin typeface="Cambria Math" panose="02040503050406030204" pitchFamily="18" charset="0"/>
-                        <a:ea typeface="맑은 고딕" panose="020B0503020000020004" pitchFamily="50" charset="-127"/>
-                        <a:cs typeface="Times New Roman" panose="02020603050405020304" pitchFamily="18" charset="0"/>
-                      </a:rPr>
-                      <m:t> </m:t>
-                    </m:r>
-                  </m:oMath>
-                </a14:m>
-                <a:r>
-                  <a:rPr lang="en-US" kern="100" dirty="0">
-                    <a:latin typeface="맑은 고딕" panose="020B0503020000020004" pitchFamily="50" charset="-127"/>
-                    <a:ea typeface="맑은 고딕" panose="020B0503020000020004" pitchFamily="50" charset="-127"/>
-                    <a:cs typeface="Times New Roman" panose="02020603050405020304" pitchFamily="18" charset="0"/>
-                  </a:rPr>
-                  <a:t>, find </a:t>
-                </a:r>
-                <a14:m>
-                  <m:oMath xmlns:m="http://schemas.openxmlformats.org/officeDocument/2006/math">
-                    <m:acc>
-                      <m:accPr>
-                        <m:chr m:val="̂"/>
-                        <m:ctrlPr>
-                          <a:rPr lang="x-none" i="1">
-                            <a:latin typeface="Cambria Math"/>
-                          </a:rPr>
-                        </m:ctrlPr>
-                      </m:accPr>
-                      <m:e>
-                        <m:acc>
-                          <m:accPr>
-                            <m:chr m:val="̇"/>
-                            <m:ctrlPr>
-                              <a:rPr lang="x-none" i="1">
-                                <a:latin typeface="Cambria Math"/>
-                              </a:rPr>
-                            </m:ctrlPr>
-                          </m:accPr>
-                          <m:e>
-                            <m:r>
-                              <a:rPr lang="x-none" i="1">
-                                <a:latin typeface="Cambria Math" panose="02040503050406030204" pitchFamily="18" charset="0"/>
-                              </a:rPr>
-                              <m:t>𝜃</m:t>
-                            </m:r>
-                          </m:e>
-                        </m:acc>
-                      </m:e>
-                    </m:acc>
-                    <m:r>
-                      <a:rPr lang="x-none">
-                        <a:latin typeface="Cambria Math" panose="02040503050406030204" pitchFamily="18" charset="0"/>
-                      </a:rPr>
-                      <m:t>, </m:t>
-                    </m:r>
-                    <m:acc>
-                      <m:accPr>
-                        <m:chr m:val="̂"/>
-                        <m:ctrlPr>
-                          <a:rPr lang="x-none" i="1">
-                            <a:latin typeface="Cambria Math"/>
-                          </a:rPr>
-                        </m:ctrlPr>
-                      </m:accPr>
-                      <m:e>
-                        <m:acc>
-                          <m:accPr>
-                            <m:chr m:val="̈"/>
-                            <m:ctrlPr>
-                              <a:rPr lang="x-none" i="1">
-                                <a:latin typeface="Cambria Math"/>
-                              </a:rPr>
-                            </m:ctrlPr>
-                          </m:accPr>
-                          <m:e>
-                            <m:r>
-                              <a:rPr lang="x-none" i="1">
-                                <a:latin typeface="Cambria Math" panose="02040503050406030204" pitchFamily="18" charset="0"/>
-                              </a:rPr>
-                              <m:t>𝜃</m:t>
-                            </m:r>
-                          </m:e>
-                        </m:acc>
-                        <m:r>
-                          <a:rPr lang="x-none">
-                            <a:latin typeface="Cambria Math" panose="02040503050406030204" pitchFamily="18" charset="0"/>
-                          </a:rPr>
-                          <m:t> </m:t>
-                        </m:r>
-                      </m:e>
-                    </m:acc>
-                    <m:r>
-                      <a:rPr lang="x-none" i="1">
-                        <a:latin typeface="Cambria Math" panose="02040503050406030204" pitchFamily="18" charset="0"/>
-                      </a:rPr>
-                      <m:t> </m:t>
-                    </m:r>
-                    <m:r>
-                      <a:rPr lang="en-US" b="0" i="1" smtClean="0">
-                        <a:latin typeface="Cambria Math" panose="02040503050406030204" pitchFamily="18" charset="0"/>
-                      </a:rPr>
-                      <m:t> ~</m:t>
-                    </m:r>
-                    <m:acc>
-                      <m:accPr>
-                        <m:chr m:val="̇"/>
-                        <m:ctrlPr>
-                          <a:rPr lang="x-none" i="1" kern="100">
-                            <a:latin typeface="Cambria Math"/>
-                            <a:ea typeface="맑은 고딕" panose="020B0503020000020004" pitchFamily="50" charset="-127"/>
-                            <a:cs typeface="Times New Roman" panose="02020603050405020304" pitchFamily="18" charset="0"/>
-                          </a:rPr>
-                        </m:ctrlPr>
-                      </m:accPr>
-                      <m:e>
-                        <m:r>
-                          <a:rPr lang="en-US" i="1" kern="100">
-                            <a:latin typeface="Cambria Math" panose="02040503050406030204" pitchFamily="18" charset="0"/>
-                            <a:ea typeface="맑은 고딕" panose="020B0503020000020004" pitchFamily="50" charset="-127"/>
-                            <a:cs typeface="Times New Roman" panose="02020603050405020304" pitchFamily="18" charset="0"/>
-                          </a:rPr>
-                          <m:t>𝜃</m:t>
-                        </m:r>
-                      </m:e>
-                    </m:acc>
-                    <m:r>
-                      <a:rPr lang="en-US" i="1" kern="100">
-                        <a:latin typeface="Cambria Math" panose="02040503050406030204" pitchFamily="18" charset="0"/>
-                        <a:ea typeface="맑은 고딕" panose="020B0503020000020004" pitchFamily="50" charset="-127"/>
-                        <a:cs typeface="Times New Roman" panose="02020603050405020304" pitchFamily="18" charset="0"/>
-                      </a:rPr>
-                      <m:t> , </m:t>
-                    </m:r>
-                    <m:acc>
-                      <m:accPr>
-                        <m:chr m:val="̈"/>
-                        <m:ctrlPr>
-                          <a:rPr lang="x-none" i="1" kern="100">
-                            <a:latin typeface="Cambria Math"/>
-                            <a:ea typeface="맑은 고딕" panose="020B0503020000020004" pitchFamily="50" charset="-127"/>
-                            <a:cs typeface="Times New Roman" panose="02020603050405020304" pitchFamily="18" charset="0"/>
-                          </a:rPr>
-                        </m:ctrlPr>
-                      </m:accPr>
-                      <m:e>
-                        <m:r>
-                          <a:rPr lang="en-US" i="1" kern="100">
-                            <a:latin typeface="Cambria Math" panose="02040503050406030204" pitchFamily="18" charset="0"/>
-                            <a:ea typeface="맑은 고딕" panose="020B0503020000020004" pitchFamily="50" charset="-127"/>
-                            <a:cs typeface="Times New Roman" panose="02020603050405020304" pitchFamily="18" charset="0"/>
-                          </a:rPr>
-                          <m:t>𝜃</m:t>
-                        </m:r>
-                      </m:e>
-                    </m:acc>
-                  </m:oMath>
-                </a14:m>
-                <a:endParaRPr lang="x-none" kern="100" dirty="0">
-                  <a:latin typeface="맑은 고딕" panose="020B0503020000020004" pitchFamily="50" charset="-127"/>
-                  <a:ea typeface="맑은 고딕" panose="020B0503020000020004" pitchFamily="50" charset="-127"/>
-                  <a:cs typeface="Times New Roman" panose="02020603050405020304" pitchFamily="18" charset="0"/>
-                </a:endParaRPr>
-              </a:p>
-              <a:p>
-                <a:pPr algn="just" latinLnBrk="1">
-                  <a:lnSpc>
-                    <a:spcPct val="107000"/>
-                  </a:lnSpc>
-                  <a:spcAft>
-                    <a:spcPts val="800"/>
-                  </a:spcAft>
-                </a:pPr>
-                <a:r>
-                  <a:rPr lang="en-US" kern="100" dirty="0">
-                    <a:latin typeface="맑은 고딕" panose="020B0503020000020004" pitchFamily="50" charset="-127"/>
-                    <a:ea typeface="맑은 고딕" panose="020B0503020000020004" pitchFamily="50" charset="-127"/>
-                    <a:cs typeface="Times New Roman" panose="02020603050405020304" pitchFamily="18" charset="0"/>
-                  </a:rPr>
-                  <a:t>Measured  </a:t>
-                </a:r>
-                <a14:m>
-                  <m:oMath xmlns:m="http://schemas.openxmlformats.org/officeDocument/2006/math">
-                    <m:acc>
-                      <m:accPr>
-                        <m:chr m:val="̇"/>
-                        <m:ctrlPr>
-                          <a:rPr lang="x-none" i="1" kern="100">
-                            <a:latin typeface="Cambria Math"/>
-                            <a:ea typeface="맑은 고딕" panose="020B0503020000020004" pitchFamily="50" charset="-127"/>
-                            <a:cs typeface="Times New Roman" panose="02020603050405020304" pitchFamily="18" charset="0"/>
-                          </a:rPr>
-                        </m:ctrlPr>
-                      </m:accPr>
-                      <m:e>
-                        <m:r>
-                          <a:rPr lang="en-US" i="1" kern="100">
-                            <a:latin typeface="Cambria Math" panose="02040503050406030204" pitchFamily="18" charset="0"/>
-                            <a:ea typeface="맑은 고딕" panose="020B0503020000020004" pitchFamily="50" charset="-127"/>
-                            <a:cs typeface="Times New Roman" panose="02020603050405020304" pitchFamily="18" charset="0"/>
-                          </a:rPr>
-                          <m:t>𝜃</m:t>
-                        </m:r>
-                      </m:e>
-                    </m:acc>
-                  </m:oMath>
-                </a14:m>
-                <a:r>
-                  <a:rPr lang="en-US" kern="100" dirty="0">
-                    <a:latin typeface="맑은 고딕" panose="020B0503020000020004" pitchFamily="50" charset="-127"/>
-                    <a:ea typeface="맑은 고딕" panose="020B0503020000020004" pitchFamily="50" charset="-127"/>
-                    <a:cs typeface="Times New Roman" panose="02020603050405020304" pitchFamily="18" charset="0"/>
-                  </a:rPr>
-                  <a:t> </a:t>
-                </a:r>
-                <a14:m>
-                  <m:oMath xmlns:m="http://schemas.openxmlformats.org/officeDocument/2006/math">
-                    <m:r>
-                      <a:rPr lang="en-US" i="1" kern="100">
-                        <a:latin typeface="Cambria Math" panose="02040503050406030204" pitchFamily="18" charset="0"/>
-                        <a:ea typeface="맑은 고딕" panose="020B0503020000020004" pitchFamily="50" charset="-127"/>
-                        <a:cs typeface="Times New Roman" panose="02020603050405020304" pitchFamily="18" charset="0"/>
-                      </a:rPr>
-                      <m:t> </m:t>
-                    </m:r>
-                  </m:oMath>
-                </a14:m>
-                <a:r>
-                  <a:rPr lang="en-US" kern="100" dirty="0">
-                    <a:latin typeface="맑은 고딕" panose="020B0503020000020004" pitchFamily="50" charset="-127"/>
-                    <a:ea typeface="맑은 고딕" panose="020B0503020000020004" pitchFamily="50" charset="-127"/>
-                    <a:cs typeface="Times New Roman" panose="02020603050405020304" pitchFamily="18" charset="0"/>
-                  </a:rPr>
-                  <a:t>, find </a:t>
-                </a:r>
-                <a14:m>
-                  <m:oMath xmlns:m="http://schemas.openxmlformats.org/officeDocument/2006/math">
-                    <m:acc>
-                      <m:accPr>
-                        <m:chr m:val="̂"/>
-                        <m:ctrlPr>
-                          <a:rPr lang="x-none" i="1">
-                            <a:latin typeface="Cambria Math"/>
-                          </a:rPr>
-                        </m:ctrlPr>
-                      </m:accPr>
-                      <m:e>
-                        <m:r>
-                          <a:rPr lang="x-none" i="1">
-                            <a:latin typeface="Cambria Math" panose="02040503050406030204" pitchFamily="18" charset="0"/>
-                          </a:rPr>
-                          <m:t>𝜃</m:t>
-                        </m:r>
-                      </m:e>
-                    </m:acc>
-                    <m:r>
-                      <a:rPr lang="x-none">
-                        <a:latin typeface="Cambria Math" panose="02040503050406030204" pitchFamily="18" charset="0"/>
-                      </a:rPr>
-                      <m:t>, </m:t>
-                    </m:r>
-                    <m:acc>
-                      <m:accPr>
-                        <m:chr m:val="̂"/>
-                        <m:ctrlPr>
-                          <a:rPr lang="x-none" i="1">
-                            <a:latin typeface="Cambria Math"/>
-                          </a:rPr>
-                        </m:ctrlPr>
-                      </m:accPr>
-                      <m:e>
-                        <m:acc>
-                          <m:accPr>
-                            <m:chr m:val="̈"/>
-                            <m:ctrlPr>
-                              <a:rPr lang="x-none" i="1">
-                                <a:latin typeface="Cambria Math"/>
-                              </a:rPr>
-                            </m:ctrlPr>
-                          </m:accPr>
-                          <m:e>
-                            <m:r>
-                              <a:rPr lang="x-none" i="1">
-                                <a:latin typeface="Cambria Math" panose="02040503050406030204" pitchFamily="18" charset="0"/>
-                              </a:rPr>
-                              <m:t>𝜃</m:t>
-                            </m:r>
-                          </m:e>
-                        </m:acc>
-                        <m:r>
-                          <a:rPr lang="x-none">
-                            <a:latin typeface="Cambria Math" panose="02040503050406030204" pitchFamily="18" charset="0"/>
-                          </a:rPr>
-                          <m:t> </m:t>
-                        </m:r>
-                      </m:e>
-                    </m:acc>
-                    <m:r>
-                      <a:rPr lang="en-US" b="0" i="1" smtClean="0">
-                        <a:latin typeface="Cambria Math" panose="02040503050406030204" pitchFamily="18" charset="0"/>
-                      </a:rPr>
-                      <m:t> ~ </m:t>
-                    </m:r>
-                    <m:r>
-                      <a:rPr lang="en-US" i="1" kern="100">
-                        <a:latin typeface="Cambria Math" panose="02040503050406030204" pitchFamily="18" charset="0"/>
-                        <a:ea typeface="맑은 고딕" panose="020B0503020000020004" pitchFamily="50" charset="-127"/>
-                        <a:cs typeface="Times New Roman" panose="02020603050405020304" pitchFamily="18" charset="0"/>
-                      </a:rPr>
-                      <m:t>𝜃</m:t>
-                    </m:r>
-                    <m:r>
-                      <a:rPr lang="en-US" i="1" kern="100">
-                        <a:latin typeface="Cambria Math" panose="02040503050406030204" pitchFamily="18" charset="0"/>
-                        <a:ea typeface="맑은 고딕" panose="020B0503020000020004" pitchFamily="50" charset="-127"/>
-                        <a:cs typeface="Times New Roman" panose="02020603050405020304" pitchFamily="18" charset="0"/>
-                      </a:rPr>
-                      <m:t> , </m:t>
-                    </m:r>
-                    <m:acc>
-                      <m:accPr>
-                        <m:chr m:val="̈"/>
-                        <m:ctrlPr>
-                          <a:rPr lang="x-none" i="1" kern="100">
-                            <a:latin typeface="Cambria Math"/>
-                            <a:ea typeface="맑은 고딕" panose="020B0503020000020004" pitchFamily="50" charset="-127"/>
-                            <a:cs typeface="Times New Roman" panose="02020603050405020304" pitchFamily="18" charset="0"/>
-                          </a:rPr>
-                        </m:ctrlPr>
-                      </m:accPr>
-                      <m:e>
-                        <m:r>
-                          <a:rPr lang="en-US" i="1" kern="100">
-                            <a:latin typeface="Cambria Math" panose="02040503050406030204" pitchFamily="18" charset="0"/>
-                            <a:ea typeface="맑은 고딕" panose="020B0503020000020004" pitchFamily="50" charset="-127"/>
-                            <a:cs typeface="Times New Roman" panose="02020603050405020304" pitchFamily="18" charset="0"/>
-                          </a:rPr>
-                          <m:t>𝜃</m:t>
-                        </m:r>
-                      </m:e>
-                    </m:acc>
-                  </m:oMath>
-                </a14:m>
-                <a:endParaRPr lang="x-none" kern="100" dirty="0">
-                  <a:latin typeface="맑은 고딕" panose="020B0503020000020004" pitchFamily="50" charset="-127"/>
-                  <a:ea typeface="맑은 고딕" panose="020B0503020000020004" pitchFamily="50" charset="-127"/>
-                  <a:cs typeface="Times New Roman" panose="02020603050405020304" pitchFamily="18" charset="0"/>
-                </a:endParaRPr>
-              </a:p>
-            </p:txBody>
-          </p:sp>
-        </mc:Choice>
-        <mc:Fallback>
-          <p:sp>
-            <p:nvSpPr>
-              <p:cNvPr id="13" name="직사각형 12">
-                <a:extLst>
-                  <a:ext uri="{FF2B5EF4-FFF2-40B4-BE49-F238E27FC236}">
-                    <a16:creationId xmlns:a16="http://schemas.microsoft.com/office/drawing/2014/main" xmlns:a14="http://schemas.microsoft.com/office/drawing/2010/main" xmlns="" id="{B378B954-4B3F-43CA-ABAE-CD22BD64BB6A}"/>
-                  </a:ext>
-                </a:extLst>
-              </p:cNvPr>
-              <p:cNvSpPr>
-                <a:spLocks noRot="1" noChangeAspect="1" noMove="1" noResize="1" noEditPoints="1" noAdjustHandles="1" noChangeArrowheads="1" noChangeShapeType="1" noTextEdit="1"/>
-              </p:cNvSpPr>
-              <p:nvPr/>
-            </p:nvSpPr>
-            <p:spPr>
-              <a:xfrm>
-                <a:off x="4666236" y="954518"/>
-                <a:ext cx="3621528" cy="912686"/>
-              </a:xfrm>
-              <a:prstGeom prst="rect">
-                <a:avLst/>
-              </a:prstGeom>
-              <a:blipFill rotWithShape="1">
-                <a:blip r:embed="rId3"/>
-                <a:stretch>
-                  <a:fillRect l="-1345" t="-3356" b="-6040"/>
-                </a:stretch>
-              </a:blipFill>
-            </p:spPr>
-            <p:txBody>
-              <a:bodyPr/>
-              <a:lstStyle/>
-              <a:p>
-                <a:r>
-                  <a:rPr lang="en-US">
-                    <a:noFill/>
-                  </a:rPr>
-                  <a:t> </a:t>
-                </a:r>
-              </a:p>
-            </p:txBody>
-          </p:sp>
-        </mc:Fallback>
-      </mc:AlternateContent>
-      <p:sp>
-        <p:nvSpPr>
-          <p:cNvPr id="14" name="사각형: 둥근 모서리 13">
-            <a:extLst>
-              <a:ext uri="{FF2B5EF4-FFF2-40B4-BE49-F238E27FC236}">
-                <a16:creationId xmlns:a16="http://schemas.microsoft.com/office/drawing/2014/main" xmlns="" id="{CCAC9448-6120-4B56-89D2-FF4247C5DAC3}"/>
-              </a:ext>
-            </a:extLst>
-          </p:cNvPr>
-          <p:cNvSpPr/>
-          <p:nvPr/>
-        </p:nvSpPr>
-        <p:spPr>
-          <a:xfrm>
-            <a:off x="2897838" y="4419600"/>
-            <a:ext cx="2133600" cy="990600"/>
-          </a:xfrm>
-          <a:prstGeom prst="roundRect">
-            <a:avLst/>
-          </a:prstGeom>
-          <a:noFill/>
-        </p:spPr>
-        <p:style>
-          <a:lnRef idx="2">
-            <a:schemeClr val="accent1">
-              <a:shade val="50000"/>
-            </a:schemeClr>
-          </a:lnRef>
-          <a:fillRef idx="1">
-            <a:schemeClr val="accent1"/>
-          </a:fillRef>
-          <a:effectRef idx="0">
-            <a:schemeClr val="accent1"/>
-          </a:effectRef>
-          <a:fontRef idx="minor">
-            <a:schemeClr val="lt1"/>
-          </a:fontRef>
-        </p:style>
-        <p:txBody>
-          <a:bodyPr rtlCol="0" anchor="ctr"/>
-          <a:lstStyle/>
-          <a:p>
-            <a:pPr algn="ctr"/>
-            <a:endParaRPr lang="x-none"/>
-          </a:p>
-        </p:txBody>
-      </p:sp>
-      <p:sp>
-        <p:nvSpPr>
-          <p:cNvPr id="15" name="TextBox 14">
-            <a:extLst>
-              <a:ext uri="{FF2B5EF4-FFF2-40B4-BE49-F238E27FC236}">
-                <a16:creationId xmlns:a16="http://schemas.microsoft.com/office/drawing/2014/main" xmlns="" id="{EDCCED22-374B-48B6-A48B-B050E0053C26}"/>
-              </a:ext>
-            </a:extLst>
-          </p:cNvPr>
-          <p:cNvSpPr txBox="1"/>
-          <p:nvPr/>
-        </p:nvSpPr>
-        <p:spPr>
-          <a:xfrm>
-            <a:off x="3124200" y="4730234"/>
-            <a:ext cx="1854354" cy="646331"/>
-          </a:xfrm>
-          <a:prstGeom prst="rect">
-            <a:avLst/>
-          </a:prstGeom>
-          <a:noFill/>
-        </p:spPr>
-        <p:txBody>
-          <a:bodyPr wrap="none" rtlCol="0">
-            <a:spAutoFit/>
-          </a:bodyPr>
-          <a:lstStyle/>
-          <a:p>
-            <a:r>
-              <a:rPr lang="en-US" dirty="0"/>
-              <a:t>DC motor  Model </a:t>
-            </a:r>
-          </a:p>
-          <a:p>
-            <a:r>
-              <a:rPr lang="en-US" dirty="0"/>
-              <a:t>Observer</a:t>
-            </a:r>
-            <a:endParaRPr lang="x-none" dirty="0"/>
-          </a:p>
-        </p:txBody>
-      </p:sp>
-      <p:sp>
-        <p:nvSpPr>
-          <p:cNvPr id="30" name="화살표: 오른쪽 29">
-            <a:extLst>
-              <a:ext uri="{FF2B5EF4-FFF2-40B4-BE49-F238E27FC236}">
-                <a16:creationId xmlns:a16="http://schemas.microsoft.com/office/drawing/2014/main" xmlns="" id="{A02591B6-37B7-4241-A008-D5D078D21ACB}"/>
-              </a:ext>
-            </a:extLst>
-          </p:cNvPr>
-          <p:cNvSpPr/>
-          <p:nvPr/>
-        </p:nvSpPr>
-        <p:spPr>
-          <a:xfrm>
-            <a:off x="1066800" y="2590800"/>
-            <a:ext cx="1524000" cy="120134"/>
-          </a:xfrm>
-          <a:prstGeom prst="rightArrow">
-            <a:avLst/>
-          </a:prstGeom>
-        </p:spPr>
-        <p:style>
-          <a:lnRef idx="2">
-            <a:schemeClr val="accent1">
-              <a:shade val="50000"/>
-            </a:schemeClr>
-          </a:lnRef>
-          <a:fillRef idx="1">
-            <a:schemeClr val="accent1"/>
-          </a:fillRef>
-          <a:effectRef idx="0">
-            <a:schemeClr val="accent1"/>
-          </a:effectRef>
-          <a:fontRef idx="minor">
-            <a:schemeClr val="lt1"/>
-          </a:fontRef>
-        </p:style>
-        <p:txBody>
-          <a:bodyPr rtlCol="0" anchor="ctr"/>
-          <a:lstStyle/>
-          <a:p>
-            <a:pPr algn="ctr"/>
-            <a:endParaRPr lang="x-none"/>
-          </a:p>
-        </p:txBody>
-      </p:sp>
-      <p:sp>
-        <p:nvSpPr>
-          <p:cNvPr id="31" name="화살표: 오른쪽 30">
-            <a:extLst>
-              <a:ext uri="{FF2B5EF4-FFF2-40B4-BE49-F238E27FC236}">
-                <a16:creationId xmlns:a16="http://schemas.microsoft.com/office/drawing/2014/main" xmlns="" id="{84940079-84AB-4A20-AF2E-F82B4322BA35}"/>
-              </a:ext>
-            </a:extLst>
-          </p:cNvPr>
-          <p:cNvSpPr/>
-          <p:nvPr/>
-        </p:nvSpPr>
-        <p:spPr>
-          <a:xfrm>
-            <a:off x="5257800" y="2590800"/>
-            <a:ext cx="1219200" cy="120124"/>
-          </a:xfrm>
-          <a:prstGeom prst="rightArrow">
-            <a:avLst/>
-          </a:prstGeom>
-        </p:spPr>
-        <p:style>
-          <a:lnRef idx="2">
-            <a:schemeClr val="accent1">
-              <a:shade val="50000"/>
-            </a:schemeClr>
-          </a:lnRef>
-          <a:fillRef idx="1">
-            <a:schemeClr val="accent1"/>
-          </a:fillRef>
-          <a:effectRef idx="0">
-            <a:schemeClr val="accent1"/>
-          </a:effectRef>
-          <a:fontRef idx="minor">
-            <a:schemeClr val="lt1"/>
-          </a:fontRef>
-        </p:style>
-        <p:txBody>
-          <a:bodyPr rtlCol="0" anchor="ctr"/>
-          <a:lstStyle/>
-          <a:p>
-            <a:pPr algn="ctr"/>
-            <a:endParaRPr lang="x-none"/>
-          </a:p>
-        </p:txBody>
-      </p:sp>
-      <p:sp>
-        <p:nvSpPr>
-          <p:cNvPr id="32" name="화살표: 오른쪽 31">
-            <a:extLst>
-              <a:ext uri="{FF2B5EF4-FFF2-40B4-BE49-F238E27FC236}">
-                <a16:creationId xmlns:a16="http://schemas.microsoft.com/office/drawing/2014/main" xmlns="" id="{F5AAB0EF-DC72-4506-9F1D-15F0A3F4BEDE}"/>
-              </a:ext>
-            </a:extLst>
-          </p:cNvPr>
-          <p:cNvSpPr/>
-          <p:nvPr/>
-        </p:nvSpPr>
-        <p:spPr>
-          <a:xfrm>
-            <a:off x="5257800" y="4814828"/>
-            <a:ext cx="1219200" cy="120124"/>
-          </a:xfrm>
-          <a:prstGeom prst="rightArrow">
-            <a:avLst/>
-          </a:prstGeom>
-        </p:spPr>
-        <p:style>
-          <a:lnRef idx="2">
-            <a:schemeClr val="accent1">
-              <a:shade val="50000"/>
-            </a:schemeClr>
-          </a:lnRef>
-          <a:fillRef idx="1">
-            <a:schemeClr val="accent1"/>
-          </a:fillRef>
-          <a:effectRef idx="0">
-            <a:schemeClr val="accent1"/>
-          </a:effectRef>
-          <a:fontRef idx="minor">
-            <a:schemeClr val="lt1"/>
-          </a:fontRef>
-        </p:style>
-        <p:txBody>
-          <a:bodyPr rtlCol="0" anchor="ctr"/>
-          <a:lstStyle/>
-          <a:p>
-            <a:pPr algn="ctr"/>
-            <a:endParaRPr lang="x-none"/>
-          </a:p>
-        </p:txBody>
-      </p:sp>
-      <mc:AlternateContent xmlns:mc="http://schemas.openxmlformats.org/markup-compatibility/2006" xmlns:p14="http://schemas.microsoft.com/office/powerpoint/2010/main">
-        <mc:Choice Requires="p14">
-          <p:contentPart p14:bwMode="auto" r:id="rId4">
-            <p14:nvContentPartPr>
-              <p14:cNvPr id="36" name="잉크 35">
-                <a:extLst>
-                  <a:ext uri="{FF2B5EF4-FFF2-40B4-BE49-F238E27FC236}">
-                    <a16:creationId xmlns:a16="http://schemas.microsoft.com/office/drawing/2014/main" xmlns="" id="{67F6F53D-A9B4-425C-B62A-D6C7D78FAF2D}"/>
-                  </a:ext>
-                </a:extLst>
-              </p14:cNvPr>
-              <p14:cNvContentPartPr/>
-              <p14:nvPr/>
-            </p14:nvContentPartPr>
-            <p14:xfrm>
-              <a:off x="1516320" y="2636712"/>
-              <a:ext cx="1207080" cy="2702880"/>
-            </p14:xfrm>
-          </p:contentPart>
-        </mc:Choice>
-        <mc:Fallback xmlns="">
-          <p:pic>
-            <p:nvPicPr>
-              <p:cNvPr id="36" name="잉크 35">
-                <a:extLst>
-                  <a:ext uri="{FF2B5EF4-FFF2-40B4-BE49-F238E27FC236}">
-                    <a16:creationId xmlns:a16="http://schemas.microsoft.com/office/drawing/2014/main" id="{67F6F53D-A9B4-425C-B62A-D6C7D78FAF2D}"/>
-                  </a:ext>
-                </a:extLst>
-              </p:cNvPr>
-              <p:cNvPicPr/>
-              <p:nvPr/>
-            </p:nvPicPr>
-            <p:blipFill>
-              <a:blip r:embed="rId5"/>
-              <a:stretch>
-                <a:fillRect/>
-              </a:stretch>
-            </p:blipFill>
-            <p:spPr>
-              <a:xfrm>
-                <a:off x="1498320" y="2618712"/>
-                <a:ext cx="1242720" cy="2738520"/>
-              </a:xfrm>
-              <a:prstGeom prst="rect">
-                <a:avLst/>
-              </a:prstGeom>
-            </p:spPr>
-          </p:pic>
-        </mc:Fallback>
-      </mc:AlternateContent>
-      <mc:AlternateContent xmlns:mc="http://schemas.openxmlformats.org/markup-compatibility/2006" xmlns:p14="http://schemas.microsoft.com/office/powerpoint/2010/main">
-        <mc:Choice Requires="p14">
-          <p:contentPart p14:bwMode="auto" r:id="rId6">
-            <p14:nvContentPartPr>
-              <p14:cNvPr id="37" name="잉크 36">
-                <a:extLst>
-                  <a:ext uri="{FF2B5EF4-FFF2-40B4-BE49-F238E27FC236}">
-                    <a16:creationId xmlns:a16="http://schemas.microsoft.com/office/drawing/2014/main" xmlns="" id="{CDFD2F78-32A4-453D-AF78-F5C9265F7391}"/>
-                  </a:ext>
-                </a:extLst>
-              </p14:cNvPr>
-              <p14:cNvContentPartPr/>
-              <p14:nvPr/>
-            </p14:nvContentPartPr>
-            <p14:xfrm>
-              <a:off x="1857600" y="2668032"/>
-              <a:ext cx="4040640" cy="2235600"/>
-            </p14:xfrm>
-          </p:contentPart>
-        </mc:Choice>
-        <mc:Fallback xmlns="">
-          <p:pic>
-            <p:nvPicPr>
-              <p:cNvPr id="37" name="잉크 36">
-                <a:extLst>
-                  <a:ext uri="{FF2B5EF4-FFF2-40B4-BE49-F238E27FC236}">
-                    <a16:creationId xmlns:a16="http://schemas.microsoft.com/office/drawing/2014/main" id="{CDFD2F78-32A4-453D-AF78-F5C9265F7391}"/>
-                  </a:ext>
-                </a:extLst>
-              </p:cNvPr>
-              <p:cNvPicPr/>
-              <p:nvPr/>
-            </p:nvPicPr>
-            <p:blipFill>
-              <a:blip r:embed="rId7"/>
-              <a:stretch>
-                <a:fillRect/>
-              </a:stretch>
-            </p:blipFill>
-            <p:spPr>
-              <a:xfrm>
-                <a:off x="1839960" y="2650392"/>
-                <a:ext cx="4076280" cy="2271240"/>
-              </a:xfrm>
-              <a:prstGeom prst="rect">
-                <a:avLst/>
-              </a:prstGeom>
-            </p:spPr>
-          </p:pic>
-        </mc:Fallback>
-      </mc:AlternateContent>
-      <mc:AlternateContent xmlns:mc="http://schemas.openxmlformats.org/markup-compatibility/2006" xmlns:a14="http://schemas.microsoft.com/office/drawing/2010/main">
-        <mc:Choice Requires="a14">
-          <p:sp>
-            <p:nvSpPr>
-              <p:cNvPr id="38" name="직사각형 37">
-                <a:extLst>
-                  <a:ext uri="{FF2B5EF4-FFF2-40B4-BE49-F238E27FC236}">
-                    <a16:creationId xmlns:a16="http://schemas.microsoft.com/office/drawing/2014/main" xmlns="" id="{3FDE9D69-8520-4F9A-97BB-1859A35DE8D4}"/>
-                  </a:ext>
-                </a:extLst>
-              </p:cNvPr>
-              <p:cNvSpPr/>
-              <p:nvPr/>
-            </p:nvSpPr>
-            <p:spPr>
-              <a:xfrm>
-                <a:off x="6036102" y="4188300"/>
-                <a:ext cx="1722266" cy="427809"/>
-              </a:xfrm>
-              <a:prstGeom prst="rect">
-                <a:avLst/>
-              </a:prstGeom>
-            </p:spPr>
-            <p:txBody>
-              <a:bodyPr wrap="none">
-                <a:spAutoFit/>
-              </a:bodyPr>
-              <a:lstStyle/>
-              <a:p>
-                <a:pPr/>
-                <a14:m>
-                  <m:oMathPara xmlns:m="http://schemas.openxmlformats.org/officeDocument/2006/math">
-                    <m:oMathParaPr>
-                      <m:jc m:val="centerGroup"/>
-                    </m:oMathParaPr>
-                    <m:oMath xmlns:m="http://schemas.openxmlformats.org/officeDocument/2006/math">
-                      <m:acc>
-                        <m:accPr>
-                          <m:chr m:val="̂"/>
-                          <m:ctrlPr>
-                            <a:rPr lang="x-none" i="1">
-                              <a:latin typeface="Cambria Math"/>
-                            </a:rPr>
-                          </m:ctrlPr>
-                        </m:accPr>
-                        <m:e>
-                          <m:r>
-                            <a:rPr lang="x-none" i="1">
-                              <a:latin typeface="Cambria Math" panose="02040503050406030204" pitchFamily="18" charset="0"/>
-                            </a:rPr>
-                            <m:t>𝜃</m:t>
-                          </m:r>
-                        </m:e>
-                      </m:acc>
-                      <m:r>
-                        <a:rPr lang="x-none" i="0">
-                          <a:latin typeface="Cambria Math" panose="02040503050406030204" pitchFamily="18" charset="0"/>
-                        </a:rPr>
-                        <m:t>, </m:t>
-                      </m:r>
-                      <m:acc>
-                        <m:accPr>
-                          <m:chr m:val="̂"/>
-                          <m:ctrlPr>
-                            <a:rPr lang="x-none" i="1">
-                              <a:latin typeface="Cambria Math"/>
-                            </a:rPr>
-                          </m:ctrlPr>
-                        </m:accPr>
-                        <m:e>
-                          <m:acc>
-                            <m:accPr>
-                              <m:chr m:val="̇"/>
-                              <m:ctrlPr>
-                                <a:rPr lang="x-none" i="1">
-                                  <a:latin typeface="Cambria Math"/>
-                                </a:rPr>
-                              </m:ctrlPr>
-                            </m:accPr>
-                            <m:e>
-                              <m:r>
-                                <a:rPr lang="x-none" i="1">
-                                  <a:latin typeface="Cambria Math" panose="02040503050406030204" pitchFamily="18" charset="0"/>
-                                </a:rPr>
-                                <m:t>𝜃</m:t>
-                              </m:r>
-                            </m:e>
-                          </m:acc>
-                        </m:e>
-                      </m:acc>
-                      <m:r>
-                        <a:rPr lang="x-none" i="0">
-                          <a:latin typeface="Cambria Math" panose="02040503050406030204" pitchFamily="18" charset="0"/>
-                        </a:rPr>
-                        <m:t>, </m:t>
-                      </m:r>
-                      <m:acc>
-                        <m:accPr>
-                          <m:chr m:val="̂"/>
-                          <m:ctrlPr>
-                            <a:rPr lang="x-none" i="1">
-                              <a:latin typeface="Cambria Math"/>
-                            </a:rPr>
-                          </m:ctrlPr>
-                        </m:accPr>
-                        <m:e>
-                          <m:acc>
-                            <m:accPr>
-                              <m:chr m:val="̈"/>
-                              <m:ctrlPr>
-                                <a:rPr lang="x-none" i="1">
-                                  <a:latin typeface="Cambria Math"/>
-                                </a:rPr>
-                              </m:ctrlPr>
-                            </m:accPr>
-                            <m:e>
-                              <m:r>
-                                <a:rPr lang="x-none" i="1">
-                                  <a:latin typeface="Cambria Math" panose="02040503050406030204" pitchFamily="18" charset="0"/>
-                                </a:rPr>
-                                <m:t>𝜃</m:t>
-                              </m:r>
-                            </m:e>
-                          </m:acc>
-                          <m:r>
-                            <a:rPr lang="x-none" i="0">
-                              <a:latin typeface="Cambria Math" panose="02040503050406030204" pitchFamily="18" charset="0"/>
-                            </a:rPr>
-                            <m:t> </m:t>
-                          </m:r>
-                        </m:e>
-                      </m:acc>
-                      <m:r>
-                        <a:rPr lang="x-none" i="0">
-                          <a:latin typeface="Cambria Math" panose="02040503050406030204" pitchFamily="18" charset="0"/>
-                        </a:rPr>
-                        <m:t> ~ </m:t>
-                      </m:r>
-                      <m:r>
-                        <a:rPr lang="x-none" i="1">
-                          <a:latin typeface="Cambria Math" panose="02040503050406030204" pitchFamily="18" charset="0"/>
-                        </a:rPr>
-                        <m:t>𝜃</m:t>
-                      </m:r>
-                      <m:r>
-                        <a:rPr lang="x-none" i="0">
-                          <a:latin typeface="Cambria Math" panose="02040503050406030204" pitchFamily="18" charset="0"/>
-                        </a:rPr>
-                        <m:t>, </m:t>
-                      </m:r>
-                      <m:acc>
-                        <m:accPr>
-                          <m:chr m:val="̇"/>
-                          <m:ctrlPr>
-                            <a:rPr lang="x-none" i="1">
-                              <a:latin typeface="Cambria Math"/>
-                            </a:rPr>
-                          </m:ctrlPr>
-                        </m:accPr>
-                        <m:e>
-                          <m:r>
-                            <a:rPr lang="x-none" i="1">
-                              <a:latin typeface="Cambria Math" panose="02040503050406030204" pitchFamily="18" charset="0"/>
-                            </a:rPr>
-                            <m:t>𝜃</m:t>
-                          </m:r>
-                        </m:e>
-                      </m:acc>
-                      <m:r>
-                        <a:rPr lang="x-none" i="0">
-                          <a:latin typeface="Cambria Math" panose="02040503050406030204" pitchFamily="18" charset="0"/>
-                        </a:rPr>
-                        <m:t>, </m:t>
-                      </m:r>
-                      <m:acc>
-                        <m:accPr>
-                          <m:chr m:val="̈"/>
-                          <m:ctrlPr>
-                            <a:rPr lang="x-none" i="1">
-                              <a:latin typeface="Cambria Math"/>
-                            </a:rPr>
-                          </m:ctrlPr>
-                        </m:accPr>
-                        <m:e>
-                          <m:r>
-                            <a:rPr lang="x-none" i="1">
-                              <a:latin typeface="Cambria Math" panose="02040503050406030204" pitchFamily="18" charset="0"/>
-                            </a:rPr>
-                            <m:t>𝜃</m:t>
-                          </m:r>
-                        </m:e>
-                      </m:acc>
-                    </m:oMath>
-                  </m:oMathPara>
-                </a14:m>
-                <a:endParaRPr lang="x-none" dirty="0"/>
-              </a:p>
-            </p:txBody>
-          </p:sp>
-        </mc:Choice>
-        <mc:Fallback xmlns="">
-          <p:sp>
-            <p:nvSpPr>
-              <p:cNvPr id="38" name="직사각형 37">
-                <a:extLst>
-                  <a:ext uri="{FF2B5EF4-FFF2-40B4-BE49-F238E27FC236}">
-                    <a16:creationId xmlns:a16="http://schemas.microsoft.com/office/drawing/2014/main" id="{3FDE9D69-8520-4F9A-97BB-1859A35DE8D4}"/>
-                  </a:ext>
-                </a:extLst>
-              </p:cNvPr>
-              <p:cNvSpPr>
-                <a:spLocks noRot="1" noChangeAspect="1" noMove="1" noResize="1" noEditPoints="1" noAdjustHandles="1" noChangeArrowheads="1" noChangeShapeType="1" noTextEdit="1"/>
-              </p:cNvSpPr>
-              <p:nvPr/>
-            </p:nvSpPr>
-            <p:spPr>
-              <a:xfrm>
-                <a:off x="6036102" y="4188300"/>
-                <a:ext cx="1722266" cy="427809"/>
-              </a:xfrm>
-              <a:prstGeom prst="rect">
-                <a:avLst/>
-              </a:prstGeom>
-              <a:blipFill>
-                <a:blip r:embed="rId8"/>
-                <a:stretch>
-                  <a:fillRect t="-5714" r="-11661"/>
-                </a:stretch>
-              </a:blipFill>
-            </p:spPr>
-            <p:txBody>
-              <a:bodyPr/>
-              <a:lstStyle/>
-              <a:p>
-                <a:r>
-                  <a:rPr lang="ko-KP">
-                    <a:noFill/>
-                  </a:rPr>
-                  <a:t> </a:t>
-                </a:r>
-              </a:p>
-            </p:txBody>
-          </p:sp>
-        </mc:Fallback>
-      </mc:AlternateContent>
-      <p:sp>
-        <p:nvSpPr>
-          <p:cNvPr id="4" name="TextBox 3"/>
-          <p:cNvSpPr txBox="1"/>
-          <p:nvPr/>
-        </p:nvSpPr>
-        <p:spPr>
-          <a:xfrm>
-            <a:off x="304800" y="457200"/>
-            <a:ext cx="1030090" cy="369332"/>
-          </a:xfrm>
-          <a:prstGeom prst="rect">
-            <a:avLst/>
-          </a:prstGeom>
-          <a:noFill/>
-        </p:spPr>
-        <p:txBody>
-          <a:bodyPr wrap="none" rtlCol="0">
-            <a:spAutoFit/>
-          </a:bodyPr>
-          <a:lstStyle/>
-          <a:p>
-            <a:r>
-              <a:rPr lang="en-US" dirty="0" smtClean="0"/>
-              <a:t>Example </a:t>
-            </a:r>
-            <a:endParaRPr lang="en-US" dirty="0"/>
-          </a:p>
-        </p:txBody>
-      </p:sp>
-    </p:spTree>
-    <p:extLst>
-      <p:ext uri="{BB962C8B-B14F-4D97-AF65-F5344CB8AC3E}">
-        <p14:creationId xmlns:p14="http://schemas.microsoft.com/office/powerpoint/2010/main" val="1859154579"/>
-      </p:ext>
-    </p:extLst>
-  </p:cSld>
-  <p:clrMapOvr>
-    <a:masterClrMapping/>
-  </p:clrMapOvr>
-  <p:timing>
-    <p:tnLst>
-      <p:par>
-        <p:cTn id="1" dur="indefinite" restart="never" nodeType="tmRoot"/>
-      </p:par>
-    </p:tnLst>
-  </p:timing>
-</p:sld>
-</file>
-
-<file path=ppt/slides/slide3.xml><?xml version="1.0" encoding="utf-8"?>
-<p:sld xmlns:a="http://schemas.openxmlformats.org/drawingml/2006/main" xmlns:r="http://schemas.openxmlformats.org/officeDocument/2006/relationships" xmlns:p="http://schemas.openxmlformats.org/presentationml/2006/main">
-  <p:cSld>
-    <p:spTree>
-      <p:nvGrpSpPr>
-        <p:cNvPr id="1" name=""/>
-        <p:cNvGrpSpPr/>
-        <p:nvPr/>
-      </p:nvGrpSpPr>
-      <p:grpSpPr>
-        <a:xfrm>
-          <a:off x="0" y="0"/>
-          <a:ext cx="0" cy="0"/>
-          <a:chOff x="0" y="0"/>
-          <a:chExt cx="0" cy="0"/>
-        </a:xfrm>
-      </p:grpSpPr>
-      <mc:AlternateContent xmlns:mc="http://schemas.openxmlformats.org/markup-compatibility/2006" xmlns:a14="http://schemas.microsoft.com/office/drawing/2010/main">
-        <mc:Choice Requires="a14">
           <p:sp>
             <p:nvSpPr>
               <p:cNvPr id="2" name="직사각형 1"/>
@@ -5934,23 +4460,32 @@
               <a:lstStyle/>
               <a:p>
                 <a:r>
-                  <a:rPr lang="en-US" dirty="0"/>
-                  <a:t>Optimal Linear Reconstruction of the State</a:t>
+                  <a:rPr lang="en-US" dirty="0" smtClean="0"/>
+                  <a:t>Optimal Linear Reconstruction of the </a:t>
                 </a:r>
+                <a:r>
+                  <a:rPr lang="en-US" dirty="0" smtClean="0"/>
+                  <a:t>State</a:t>
+                </a:r>
+                <a:endParaRPr lang="en-US" dirty="0" smtClean="0"/>
+              </a:p>
+              <a:p>
+                <a:r>
+                  <a:rPr lang="en-US" dirty="0" smtClean="0"/>
+                  <a:t>2. A Simple example  -  Observer? </a:t>
+                </a:r>
+              </a:p>
+              <a:p>
+                <a:endParaRPr lang="en-US" dirty="0" smtClean="0"/>
               </a:p>
               <a:p>
                 <a:r>
                   <a:rPr lang="en-US" dirty="0"/>
-                  <a:t>2. A Simple example  -  Observer? </a:t>
+                  <a:t> </a:t>
                 </a:r>
-              </a:p>
-              <a:p>
-                <a:endParaRPr lang="en-US" dirty="0"/>
-              </a:p>
-              <a:p>
                 <a:r>
-                  <a:rPr lang="en-US" dirty="0"/>
-                  <a:t>      a moving vehicle dynamic modeling;      </a:t>
+                  <a:rPr lang="en-US" dirty="0" smtClean="0"/>
+                  <a:t>     a moving vehicle dynamic modeling;      </a:t>
                 </a:r>
               </a:p>
               <a:p>
@@ -6149,12 +4684,12 @@
                     </m:oMath>
                   </m:oMathPara>
                 </a14:m>
-                <a:endParaRPr lang="en-US" b="0" i="1" dirty="0">
+                <a:endParaRPr lang="en-US" b="0" i="1" dirty="0" smtClean="0">
                   <a:latin typeface="Cambria Math"/>
                 </a:endParaRPr>
               </a:p>
               <a:p>
-                <a:endParaRPr lang="en-US" b="0" i="1" dirty="0">
+                <a:endParaRPr lang="en-US" b="0" i="1" dirty="0" smtClean="0">
                   <a:latin typeface="Cambria Math"/>
                 </a:endParaRPr>
               </a:p>
@@ -6537,13 +5072,13 @@
               </a:p>
               <a:p>
                 <a:r>
-                  <a:rPr lang="en-US" dirty="0"/>
+                  <a:rPr lang="en-US" dirty="0" smtClean="0"/>
                   <a:t> </a:t>
                 </a:r>
               </a:p>
               <a:p>
                 <a:r>
-                  <a:rPr lang="en-US" dirty="0"/>
+                  <a:rPr lang="en-US" dirty="0" smtClean="0"/>
                   <a:t>  1) A position measurement system</a:t>
                 </a:r>
               </a:p>
@@ -6576,15 +5111,19 @@
                     </m:oMath>
                   </m:oMathPara>
                 </a14:m>
-                <a:endParaRPr lang="en-US" dirty="0"/>
+                <a:endParaRPr lang="en-US" dirty="0" smtClean="0"/>
               </a:p>
               <a:p>
                 <a:r>
                   <a:rPr lang="en-US" dirty="0"/>
-                  <a:t>    </a:t>
+                  <a:t> </a:t>
                 </a:r>
                 <a:r>
-                  <a:rPr lang="en-US" dirty="0">
+                  <a:rPr lang="en-US" dirty="0" smtClean="0"/>
+                  <a:t>   </a:t>
+                </a:r>
+                <a:r>
+                  <a:rPr lang="en-US" dirty="0" smtClean="0">
                     <a:sym typeface="Wingdings" panose="05000000000000000000" pitchFamily="2" charset="2"/>
                   </a:rPr>
                   <a:t> given </a:t>
@@ -6662,7 +5201,7 @@
                   </m:oMath>
                 </a14:m>
                 <a:r>
-                  <a:rPr lang="en-US" dirty="0"/>
+                  <a:rPr lang="en-US" dirty="0" smtClean="0"/>
                   <a:t>for any  </a:t>
                 </a:r>
                 <a14:m>
@@ -6694,7 +5233,7 @@
                   </m:oMath>
                 </a14:m>
                 <a:r>
-                  <a:rPr lang="en-US" dirty="0"/>
+                  <a:rPr lang="en-US" dirty="0" smtClean="0"/>
                   <a:t>, you may observe / determine  </a:t>
                 </a:r>
                 <a14:m>
@@ -6770,16 +5309,17 @@
                   </m:oMath>
                 </a14:m>
                 <a:r>
-                  <a:rPr lang="en-US" dirty="0"/>
+                  <a:rPr lang="en-US" dirty="0" smtClean="0"/>
                   <a:t> </a:t>
                 </a:r>
+                <a:endParaRPr lang="en-US" dirty="0"/>
               </a:p>
               <a:p>
                 <a:endParaRPr lang="en-US" dirty="0"/>
               </a:p>
               <a:p>
                 <a:r>
-                  <a:rPr lang="en-US" dirty="0"/>
+                  <a:rPr lang="en-US" dirty="0" smtClean="0"/>
                   <a:t>   2) A velocity measurement system      </a:t>
                 </a:r>
               </a:p>
@@ -6815,7 +5355,7 @@
                     </m:oMath>
                   </m:oMathPara>
                 </a14:m>
-                <a:endParaRPr lang="en-US" dirty="0"/>
+                <a:endParaRPr lang="en-US" dirty="0" smtClean="0"/>
               </a:p>
               <a:p>
                 <a:endParaRPr lang="en-US" dirty="0"/>
@@ -6823,11 +5363,11 @@
               <a:p>
                 <a:pPr latinLnBrk="1"/>
                 <a:r>
-                  <a:rPr lang="en-US" dirty="0"/>
+                  <a:rPr lang="en-US" dirty="0" smtClean="0"/>
                   <a:t>   </a:t>
                 </a:r>
                 <a:r>
-                  <a:rPr lang="en-US" dirty="0">
+                  <a:rPr lang="en-US" dirty="0" smtClean="0">
                     <a:sym typeface="Wingdings" panose="05000000000000000000" pitchFamily="2" charset="2"/>
                   </a:rPr>
                   <a:t> given </a:t>
@@ -6905,7 +5445,7 @@
                   </m:oMath>
                 </a14:m>
                 <a:r>
-                  <a:rPr lang="en-US" dirty="0"/>
+                  <a:rPr lang="en-US" dirty="0" smtClean="0"/>
                   <a:t>for any  </a:t>
                 </a:r>
                 <a14:m>
@@ -6937,7 +5477,7 @@
                   </m:oMath>
                 </a14:m>
                 <a:r>
-                  <a:rPr lang="en-US" dirty="0"/>
+                  <a:rPr lang="en-US" dirty="0" smtClean="0"/>
                   <a:t>, you may  not observe / determine  </a:t>
                 </a:r>
                 <a14:m>
@@ -7012,7 +5552,7 @@
                     </m:r>
                   </m:oMath>
                 </a14:m>
-                <a:endParaRPr lang="en-US" dirty="0"/>
+                <a:endParaRPr lang="en-US" dirty="0" smtClean="0"/>
               </a:p>
               <a:p>
                 <a:pPr latinLnBrk="1"/>
@@ -7021,18 +5561,19 @@
               <a:p>
                 <a:pPr latinLnBrk="1"/>
                 <a:r>
-                  <a:rPr lang="en-US" dirty="0"/>
+                  <a:rPr lang="en-US" dirty="0" smtClean="0"/>
                   <a:t>  3)  which system (1) and (2) is observable? </a:t>
                 </a:r>
+                <a:endParaRPr lang="en-US" dirty="0"/>
               </a:p>
               <a:p>
                 <a:pPr latinLnBrk="1"/>
-                <a:endParaRPr lang="en-US" dirty="0"/>
+                <a:endParaRPr lang="en-US" dirty="0" smtClean="0"/>
               </a:p>
             </p:txBody>
           </p:sp>
         </mc:Choice>
-        <mc:Fallback xmlns="">
+        <mc:Fallback>
           <p:sp>
             <p:nvSpPr>
               <p:cNvPr id="2" name="직사각형 1"/>
@@ -7091,7 +5632,7 @@
 </p:sld>
 </file>
 
-<file path=ppt/slides/slide4.xml><?xml version="1.0" encoding="utf-8"?>
+<file path=ppt/slides/slide3.xml><?xml version="1.0" encoding="utf-8"?>
 <p:sld xmlns:a="http://schemas.openxmlformats.org/drawingml/2006/main" xmlns:r="http://schemas.openxmlformats.org/officeDocument/2006/relationships" xmlns:p="http://schemas.openxmlformats.org/presentationml/2006/main">
   <p:cSld>
     <p:spTree>
@@ -7116,10 +5657,10 @@
         </p:nvGrpSpPr>
         <p:grpSpPr>
           <a:xfrm>
-            <a:off x="431942" y="-7340"/>
-            <a:ext cx="8001000" cy="6363217"/>
-            <a:chOff x="431942" y="-7340"/>
-            <a:chExt cx="8001000" cy="6363217"/>
+            <a:off x="431942" y="-180081"/>
+            <a:ext cx="8001000" cy="6221640"/>
+            <a:chOff x="431942" y="-180081"/>
+            <a:chExt cx="8001000" cy="6221640"/>
           </a:xfrm>
         </p:grpSpPr>
         <mc:AlternateContent xmlns:mc="http://schemas.openxmlformats.org/markup-compatibility/2006">
@@ -7132,8 +5673,8 @@
               </p:nvSpPr>
               <p:spPr>
                 <a:xfrm>
-                  <a:off x="431942" y="-7340"/>
-                  <a:ext cx="8001000" cy="6363217"/>
+                  <a:off x="431942" y="-180081"/>
+                  <a:ext cx="8001000" cy="6221640"/>
                 </a:xfrm>
                 <a:prstGeom prst="rect">
                   <a:avLst/>
@@ -7146,41 +5687,60 @@
                 <a:lstStyle/>
                 <a:p>
                   <a:r>
-                    <a:rPr lang="en-US" dirty="0"/>
+                    <a:rPr lang="en-US" dirty="0" smtClean="0"/>
                     <a:t>Optimal Linear Reconstruction of the State</a:t>
                   </a:r>
+                  <a:endParaRPr lang="en-US" dirty="0" smtClean="0"/>
+                </a:p>
+                <a:p>
+                  <a:r>
+                    <a:rPr lang="en-US" dirty="0" smtClean="0"/>
+                    <a:t>2. A Simple example  -  </a:t>
+                  </a:r>
+                  <a:r>
+                    <a:rPr lang="en-US" dirty="0" smtClean="0"/>
+                    <a:t>Estimator – (github.com… / Identification Iden_Ch5, Ch_7) </a:t>
+                  </a:r>
+                  <a:endParaRPr lang="en-US" dirty="0" smtClean="0"/>
+                </a:p>
+                <a:p>
+                  <a:endParaRPr lang="en-US" dirty="0" smtClean="0"/>
                 </a:p>
                 <a:p>
                   <a:r>
                     <a:rPr lang="en-US" dirty="0"/>
-                    <a:t>2. A Simple example  -  Estimator – (github.com… / Identification Iden_Ch5, Ch_7) </a:t>
+                    <a:t> </a:t>
                   </a:r>
-                </a:p>
-                <a:p>
-                  <a:endParaRPr lang="en-US" dirty="0"/>
+                  <a:r>
+                    <a:rPr lang="en-US" dirty="0" smtClean="0"/>
+                    <a:t>    </a:t>
+                  </a:r>
+                  <a:r>
+                    <a:rPr lang="en-US" dirty="0" smtClean="0"/>
+                    <a:t>2.1 Linear regression  - A static case      </a:t>
+                  </a:r>
+                  <a:endParaRPr lang="en-US" dirty="0" smtClean="0"/>
                 </a:p>
                 <a:p>
                   <a:r>
-                    <a:rPr lang="en-US" dirty="0"/>
-                    <a:t>     2.1 Linear regression  - A static case      </a:t>
-                  </a:r>
-                </a:p>
-                <a:p>
-                  <a:r>
-                    <a:rPr lang="en-US" dirty="0"/>
+                    <a:rPr lang="en-US" dirty="0" smtClean="0"/>
                     <a:t>                                              </a:t>
                   </a:r>
                 </a:p>
                 <a:p>
                   <a:r>
-                    <a:rPr lang="en-US" dirty="0"/>
+                    <a:rPr lang="en-US" dirty="0" smtClean="0"/>
                     <a:t>          y                                                  1) Problem : given measurement sets as  </a:t>
                   </a:r>
                 </a:p>
                 <a:p>
                   <a:r>
                     <a:rPr lang="en-US" dirty="0"/>
-                    <a:t>                                                                            </a:t>
+                    <a:t> </a:t>
+                  </a:r>
+                  <a:r>
+                    <a:rPr lang="en-US" dirty="0" smtClean="0"/>
+                    <a:t>                                                                           </a:t>
                   </a:r>
                   <a14:m>
                     <m:oMath xmlns:m="http://schemas.openxmlformats.org/officeDocument/2006/math">
@@ -7283,15 +5843,19 @@
                       </m:r>
                     </m:oMath>
                   </a14:m>
-                  <a:endParaRPr lang="en-US" b="0" dirty="0"/>
+                  <a:endParaRPr lang="en-US" b="0" dirty="0" smtClean="0"/>
                 </a:p>
                 <a:p>
-                  <a:endParaRPr lang="en-US" dirty="0"/>
+                  <a:endParaRPr lang="en-US" dirty="0" smtClean="0"/>
                 </a:p>
                 <a:p>
                   <a:r>
                     <a:rPr lang="en-US" dirty="0"/>
-                    <a:t>                                                               find a relation  </a:t>
+                    <a:t> </a:t>
+                  </a:r>
+                  <a:r>
+                    <a:rPr lang="en-US" dirty="0" smtClean="0"/>
+                    <a:t>                                                              find a relation  </a:t>
                   </a:r>
                   <a14:m>
                     <m:oMath xmlns:m="http://schemas.openxmlformats.org/officeDocument/2006/math">
@@ -7310,7 +5874,7 @@
                     </m:oMath>
                   </a14:m>
                   <a:r>
-                    <a:rPr lang="en-US" dirty="0"/>
+                    <a:rPr lang="en-US" dirty="0" smtClean="0"/>
                     <a:t>  as </a:t>
                   </a:r>
                   <a14:m>
@@ -7354,8 +5918,14 @@
                     </m:oMath>
                   </a14:m>
                   <a:r>
-                    <a:rPr lang="en-US" dirty="0"/>
+                    <a:rPr lang="en-US" dirty="0" smtClean="0"/>
                     <a:t> with a constraint                                                            </a:t>
+                  </a:r>
+                </a:p>
+                <a:p>
+                  <a:r>
+                    <a:rPr lang="en-US" dirty="0" smtClean="0"/>
+                    <a:t> </a:t>
                   </a:r>
                 </a:p>
                 <a:p>
@@ -7363,31 +5933,33 @@
                     <a:rPr lang="en-US" dirty="0"/>
                     <a:t> </a:t>
                   </a:r>
-                </a:p>
-                <a:p>
-                  <a:r>
-                    <a:rPr lang="en-US" dirty="0"/>
-                    <a:t>       </a:t>
-                  </a:r>
                   <a:r>
                     <a:rPr lang="en-US" dirty="0" smtClean="0"/>
-                    <a:t>                                                       </a:t>
-                  </a:r>
-                  <a:r>
-                    <a:rPr lang="en-US" dirty="0"/>
-                    <a:t>x</a:t>
+                    <a:t>      </a:t>
                   </a:r>
                 </a:p>
                 <a:p>
                   <a:r>
-                    <a:rPr lang="en-US" dirty="0"/>
-                    <a:t>2) Assume a model as</a:t>
+                    <a:rPr lang="en-US" dirty="0" smtClean="0"/>
+                    <a:t>                                                       x</a:t>
                   </a:r>
+                  <a:endParaRPr lang="en-US" dirty="0"/>
                 </a:p>
                 <a:p>
                   <a:r>
-                    <a:rPr lang="en-US" dirty="0"/>
-                    <a:t>                     -. Linear :  </a:t>
+                    <a:rPr lang="en-US" dirty="0" smtClean="0"/>
+                    <a:t>2) Assume a model as a linear </a:t>
+                  </a:r>
+                  <a:r>
+                    <a:rPr lang="en-US" dirty="0" err="1" smtClean="0"/>
+                    <a:t>s.t.</a:t>
+                  </a:r>
+                  <a:endParaRPr lang="en-US" dirty="0"/>
+                </a:p>
+                <a:p>
+                  <a:r>
+                    <a:rPr lang="en-US" dirty="0" smtClean="0"/>
+                    <a:t>                     -.  </a:t>
                   </a:r>
                   <a14:m>
                     <m:oMath xmlns:m="http://schemas.openxmlformats.org/officeDocument/2006/math">
@@ -7457,141 +6029,174 @@
                         </a:rPr>
                         <m:t>, </m:t>
                       </m:r>
-                      <m:sSup>
-                        <m:sSupPr>
+                      <m:func>
+                        <m:funcPr>
                           <m:ctrlPr>
                             <a:rPr lang="en-US" b="0" i="1" smtClean="0">
                               <a:latin typeface="Cambria Math"/>
                             </a:rPr>
                           </m:ctrlPr>
-                        </m:sSupPr>
-                        <m:e>
-                          <m:func>
-                            <m:funcPr>
+                        </m:funcPr>
+                        <m:fName>
+                          <m:limLow>
+                            <m:limLowPr>
                               <m:ctrlPr>
                                 <a:rPr lang="en-US" b="0" i="1" smtClean="0">
                                   <a:latin typeface="Cambria Math"/>
                                 </a:rPr>
                               </m:ctrlPr>
-                            </m:funcPr>
-                            <m:fName>
-                              <m:limLow>
-                                <m:limLowPr>
+                            </m:limLowPr>
+                            <m:e>
+                              <m:r>
+                                <a:rPr lang="en-US" b="0" i="0" smtClean="0">
+                                  <a:latin typeface="Cambria Math"/>
+                                </a:rPr>
+                                <m:t>      </m:t>
+                              </m:r>
+                              <m:r>
+                                <m:rPr>
+                                  <m:sty m:val="p"/>
+                                </m:rPr>
+                                <a:rPr lang="en-US" b="0" i="0" smtClean="0">
+                                  <a:latin typeface="Cambria Math"/>
+                                </a:rPr>
+                                <m:t>min</m:t>
+                              </m:r>
+                            </m:e>
+                            <m:lim>
+                              <m:r>
+                                <a:rPr lang="en-US" b="0" i="1" smtClean="0">
+                                  <a:latin typeface="Cambria Math"/>
+                                </a:rPr>
+                                <m:t>(</m:t>
+                              </m:r>
+                              <m:r>
+                                <a:rPr lang="en-US" b="0" i="1" smtClean="0">
+                                  <a:latin typeface="Cambria Math"/>
+                                </a:rPr>
+                                <m:t>𝑎</m:t>
+                              </m:r>
+                              <m:r>
+                                <a:rPr lang="en-US" b="0" i="1" smtClean="0">
+                                  <a:latin typeface="Cambria Math"/>
+                                </a:rPr>
+                                <m:t>,</m:t>
+                              </m:r>
+                              <m:r>
+                                <a:rPr lang="en-US" b="0" i="1" smtClean="0">
+                                  <a:latin typeface="Cambria Math"/>
+                                </a:rPr>
+                                <m:t>𝑏</m:t>
+                              </m:r>
+                              <m:r>
+                                <a:rPr lang="en-US" b="0" i="1" smtClean="0">
+                                  <a:latin typeface="Cambria Math"/>
+                                </a:rPr>
+                                <m:t>)</m:t>
+                              </m:r>
+                            </m:lim>
+                          </m:limLow>
+                        </m:fName>
+                        <m:e>
+                          <m:nary>
+                            <m:naryPr>
+                              <m:chr m:val="∑"/>
+                              <m:limLoc m:val="subSup"/>
+                              <m:ctrlPr>
+                                <a:rPr lang="en-US" b="0" i="1" smtClean="0">
+                                  <a:latin typeface="Cambria Math"/>
+                                </a:rPr>
+                              </m:ctrlPr>
+                            </m:naryPr>
+                            <m:sub>
+                              <m:r>
+                                <m:rPr>
+                                  <m:brk m:alnAt="25"/>
+                                </m:rPr>
+                                <a:rPr lang="en-US" b="0" i="1" smtClean="0">
+                                  <a:latin typeface="Cambria Math"/>
+                                </a:rPr>
+                                <m:t>𝑖</m:t>
+                              </m:r>
+                              <m:r>
+                                <a:rPr lang="en-US" b="0" i="1" smtClean="0">
+                                  <a:latin typeface="Cambria Math"/>
+                                </a:rPr>
+                                <m:t>=1</m:t>
+                              </m:r>
+                            </m:sub>
+                            <m:sup>
+                              <m:r>
+                                <a:rPr lang="en-US" b="0" i="1" smtClean="0">
+                                  <a:latin typeface="Cambria Math"/>
+                                </a:rPr>
+                                <m:t>𝑖</m:t>
+                              </m:r>
+                              <m:r>
+                                <a:rPr lang="en-US" b="0" i="1" smtClean="0">
+                                  <a:latin typeface="Cambria Math"/>
+                                </a:rPr>
+                                <m:t>=</m:t>
+                              </m:r>
+                              <m:r>
+                                <a:rPr lang="en-US" b="0" i="1" smtClean="0">
+                                  <a:latin typeface="Cambria Math"/>
+                                </a:rPr>
+                                <m:t>𝑛</m:t>
+                              </m:r>
+                            </m:sup>
+                            <m:e>
+                              <m:d>
+                                <m:dPr>
+                                  <m:begChr m:val="|"/>
+                                  <m:endChr m:val="|"/>
                                   <m:ctrlPr>
                                     <a:rPr lang="en-US" b="0" i="1" smtClean="0">
                                       <a:latin typeface="Cambria Math"/>
                                     </a:rPr>
                                   </m:ctrlPr>
-                                </m:limLowPr>
+                                </m:dPr>
                                 <m:e>
-                                  <m:r>
-                                    <a:rPr lang="en-US" b="0" i="0" smtClean="0">
-                                      <a:latin typeface="Cambria Math"/>
-                                    </a:rPr>
-                                    <m:t>      </m:t>
-                                  </m:r>
-                                  <m:r>
-                                    <m:rPr>
-                                      <m:sty m:val="p"/>
-                                    </m:rPr>
-                                    <a:rPr lang="en-US" b="0" i="0" smtClean="0">
-                                      <a:latin typeface="Cambria Math"/>
-                                    </a:rPr>
-                                    <m:t>min</m:t>
-                                  </m:r>
-                                </m:e>
-                                <m:lim>
-                                  <m:d>
-                                    <m:dPr>
+                                  <m:sSub>
+                                    <m:sSubPr>
                                       <m:ctrlPr>
                                         <a:rPr lang="en-US" b="0" i="1" smtClean="0">
                                           <a:latin typeface="Cambria Math"/>
                                         </a:rPr>
                                       </m:ctrlPr>
-                                    </m:dPr>
+                                    </m:sSubPr>
                                     <m:e>
                                       <m:r>
                                         <a:rPr lang="en-US" b="0" i="1" smtClean="0">
                                           <a:latin typeface="Cambria Math"/>
                                         </a:rPr>
-                                        <m:t>𝑎</m:t>
+                                        <m:t>𝑥</m:t>
                                       </m:r>
+                                    </m:e>
+                                    <m:sub>
                                       <m:r>
                                         <a:rPr lang="en-US" b="0" i="1" smtClean="0">
                                           <a:latin typeface="Cambria Math"/>
                                         </a:rPr>
-                                        <m:t>,</m:t>
+                                        <m:t>𝑖</m:t>
                                       </m:r>
-                                      <m:r>
-                                        <a:rPr lang="en-US" b="0" i="1" smtClean="0">
-                                          <a:latin typeface="Cambria Math"/>
-                                        </a:rPr>
-                                        <m:t>𝑏</m:t>
-                                      </m:r>
-                                    </m:e>
-                                  </m:d>
-                                </m:lim>
-                              </m:limLow>
-                            </m:fName>
-                            <m:e>
-                              <m:nary>
-                                <m:naryPr>
-                                  <m:chr m:val="∑"/>
-                                  <m:limLoc m:val="subSup"/>
-                                  <m:ctrlPr>
-                                    <a:rPr lang="en-US" b="0" i="1" smtClean="0">
-                                      <a:latin typeface="Cambria Math"/>
-                                    </a:rPr>
-                                  </m:ctrlPr>
-                                </m:naryPr>
-                                <m:sub>
-                                  <m:r>
-                                    <m:rPr>
-                                      <m:brk m:alnAt="25"/>
-                                    </m:rPr>
-                                    <a:rPr lang="en-US" b="0" i="1" smtClean="0">
-                                      <a:latin typeface="Cambria Math"/>
-                                    </a:rPr>
-                                    <m:t>𝑖</m:t>
-                                  </m:r>
+                                    </m:sub>
+                                  </m:sSub>
                                   <m:r>
                                     <a:rPr lang="en-US" b="0" i="1" smtClean="0">
                                       <a:latin typeface="Cambria Math"/>
                                     </a:rPr>
-                                    <m:t>=1</m:t>
+                                    <m:t> − </m:t>
                                   </m:r>
-                                </m:sub>
-                                <m:sup>
-                                  <m:r>
-                                    <a:rPr lang="en-US" b="0" i="1" smtClean="0">
-                                      <a:latin typeface="Cambria Math"/>
-                                    </a:rPr>
-                                    <m:t>𝑖</m:t>
-                                  </m:r>
-                                  <m:r>
-                                    <a:rPr lang="en-US" b="0" i="1" smtClean="0">
-                                      <a:latin typeface="Cambria Math"/>
-                                    </a:rPr>
-                                    <m:t>=</m:t>
-                                  </m:r>
-                                  <m:r>
-                                    <a:rPr lang="en-US" b="0" i="1" smtClean="0">
-                                      <a:latin typeface="Cambria Math"/>
-                                    </a:rPr>
-                                    <m:t>𝑛</m:t>
-                                  </m:r>
-                                </m:sup>
-                                <m:e>
-                                  <m:d>
-                                    <m:dPr>
-                                      <m:begChr m:val="|"/>
-                                      <m:endChr m:val="|"/>
+                                  <m:acc>
+                                    <m:accPr>
+                                      <m:chr m:val="̂"/>
                                       <m:ctrlPr>
                                         <a:rPr lang="en-US" b="0" i="1" smtClean="0">
                                           <a:latin typeface="Cambria Math"/>
                                         </a:rPr>
                                       </m:ctrlPr>
-                                    </m:dPr>
+                                    </m:accPr>
                                     <m:e>
                                       <m:sSub>
                                         <m:sSubPr>
@@ -7618,81 +6223,26 @@
                                           </m:r>
                                         </m:sub>
                                       </m:sSub>
-                                      <m:r>
-                                        <a:rPr lang="en-US" b="0" i="1" smtClean="0">
-                                          <a:latin typeface="Cambria Math"/>
-                                        </a:rPr>
-                                        <m:t> − </m:t>
-                                      </m:r>
-                                      <m:acc>
-                                        <m:accPr>
-                                          <m:chr m:val="̂"/>
-                                          <m:ctrlPr>
-                                            <a:rPr lang="en-US" b="0" i="1" smtClean="0">
-                                              <a:latin typeface="Cambria Math"/>
-                                            </a:rPr>
-                                          </m:ctrlPr>
-                                        </m:accPr>
-                                        <m:e>
-                                          <m:sSub>
-                                            <m:sSubPr>
-                                              <m:ctrlPr>
-                                                <a:rPr lang="en-US" b="0" i="1" smtClean="0">
-                                                  <a:latin typeface="Cambria Math"/>
-                                                </a:rPr>
-                                              </m:ctrlPr>
-                                            </m:sSubPr>
-                                            <m:e>
-                                              <m:r>
-                                                <a:rPr lang="en-US" b="0" i="1" smtClean="0">
-                                                  <a:latin typeface="Cambria Math"/>
-                                                </a:rPr>
-                                                <m:t>𝑥</m:t>
-                                              </m:r>
-                                            </m:e>
-                                            <m:sub>
-                                              <m:r>
-                                                <a:rPr lang="en-US" b="0" i="1" smtClean="0">
-                                                  <a:latin typeface="Cambria Math"/>
-                                                </a:rPr>
-                                                <m:t>𝑖</m:t>
-                                              </m:r>
-                                            </m:sub>
-                                          </m:sSub>
-                                        </m:e>
-                                      </m:acc>
                                     </m:e>
-                                  </m:d>
+                                  </m:acc>
                                 </m:e>
-                              </m:nary>
+                              </m:d>
                             </m:e>
-                          </m:func>
+                          </m:nary>
                         </m:e>
-                        <m:sup>
-                          <m:r>
-                            <a:rPr lang="en-US" b="0" i="1" smtClean="0">
-                              <a:latin typeface="Cambria Math" panose="02040503050406030204" pitchFamily="18" charset="0"/>
-                            </a:rPr>
-                            <m:t>2</m:t>
-                          </m:r>
-                        </m:sup>
-                      </m:sSup>
+                      </m:func>
                     </m:oMath>
                   </a14:m>
-                  <a:endParaRPr lang="en-US" dirty="0"/>
+                  <a:endParaRPr lang="en-US" dirty="0" smtClean="0"/>
                 </a:p>
                 <a:p>
                   <a:r>
                     <a:rPr lang="en-US" dirty="0"/>
-                    <a:t>                     </a:t>
+                    <a:t> </a:t>
                   </a:r>
                   <a:r>
                     <a:rPr lang="en-US" dirty="0" smtClean="0"/>
-                    <a:t>-. Quadratic </a:t>
-                  </a:r>
-                  <a:r>
-                    <a:rPr lang="en-US" dirty="0"/>
-                    <a:t>:  </a:t>
+                    <a:t>                    -. </a:t>
                   </a:r>
                   <a14:m>
                     <m:oMath xmlns:m="http://schemas.openxmlformats.org/officeDocument/2006/math">
@@ -7940,25 +6490,57 @@
                               </m:r>
                             </m:sup>
                             <m:e>
-                              <m:sSup>
-                                <m:sSupPr>
+                              <m:d>
+                                <m:dPr>
+                                  <m:begChr m:val="|"/>
+                                  <m:endChr m:val="|"/>
                                   <m:ctrlPr>
-                                    <a:rPr lang="en-US" b="0" i="1" smtClean="0">
+                                    <a:rPr lang="en-US" i="1">
                                       <a:latin typeface="Cambria Math"/>
                                     </a:rPr>
                                   </m:ctrlPr>
-                                </m:sSupPr>
+                                </m:dPr>
                                 <m:e>
-                                  <m:d>
-                                    <m:dPr>
-                                      <m:begChr m:val="|"/>
-                                      <m:endChr m:val="|"/>
+                                  <m:sSub>
+                                    <m:sSubPr>
                                       <m:ctrlPr>
                                         <a:rPr lang="en-US" i="1">
                                           <a:latin typeface="Cambria Math"/>
                                         </a:rPr>
                                       </m:ctrlPr>
-                                    </m:dPr>
+                                    </m:sSubPr>
+                                    <m:e>
+                                      <m:r>
+                                        <a:rPr lang="en-US" i="1">
+                                          <a:latin typeface="Cambria Math"/>
+                                        </a:rPr>
+                                        <m:t>𝑥</m:t>
+                                      </m:r>
+                                    </m:e>
+                                    <m:sub>
+                                      <m:r>
+                                        <a:rPr lang="en-US" i="1">
+                                          <a:latin typeface="Cambria Math"/>
+                                        </a:rPr>
+                                        <m:t>𝑖</m:t>
+                                      </m:r>
+                                    </m:sub>
+                                  </m:sSub>
+                                  <m:r>
+                                    <a:rPr lang="en-US" i="1">
+                                      <a:latin typeface="Cambria Math"/>
+                                    </a:rPr>
+                                    <m:t> − </m:t>
+                                  </m:r>
+                                  <m:acc>
+                                    <m:accPr>
+                                      <m:chr m:val="̂"/>
+                                      <m:ctrlPr>
+                                        <a:rPr lang="en-US" i="1">
+                                          <a:latin typeface="Cambria Math"/>
+                                        </a:rPr>
+                                      </m:ctrlPr>
+                                    </m:accPr>
                                     <m:e>
                                       <m:sSub>
                                         <m:sSubPr>
@@ -7985,61 +6567,10 @@
                                           </m:r>
                                         </m:sub>
                                       </m:sSub>
-                                      <m:r>
-                                        <a:rPr lang="en-US" i="1">
-                                          <a:latin typeface="Cambria Math"/>
-                                        </a:rPr>
-                                        <m:t> − </m:t>
-                                      </m:r>
-                                      <m:acc>
-                                        <m:accPr>
-                                          <m:chr m:val="̂"/>
-                                          <m:ctrlPr>
-                                            <a:rPr lang="en-US" i="1">
-                                              <a:latin typeface="Cambria Math"/>
-                                            </a:rPr>
-                                          </m:ctrlPr>
-                                        </m:accPr>
-                                        <m:e>
-                                          <m:sSub>
-                                            <m:sSubPr>
-                                              <m:ctrlPr>
-                                                <a:rPr lang="en-US" i="1">
-                                                  <a:latin typeface="Cambria Math"/>
-                                                </a:rPr>
-                                              </m:ctrlPr>
-                                            </m:sSubPr>
-                                            <m:e>
-                                              <m:r>
-                                                <a:rPr lang="en-US" i="1">
-                                                  <a:latin typeface="Cambria Math"/>
-                                                </a:rPr>
-                                                <m:t>𝑥</m:t>
-                                              </m:r>
-                                            </m:e>
-                                            <m:sub>
-                                              <m:r>
-                                                <a:rPr lang="en-US" i="1">
-                                                  <a:latin typeface="Cambria Math"/>
-                                                </a:rPr>
-                                                <m:t>𝑖</m:t>
-                                              </m:r>
-                                            </m:sub>
-                                          </m:sSub>
-                                        </m:e>
-                                      </m:acc>
                                     </m:e>
-                                  </m:d>
+                                  </m:acc>
                                 </m:e>
-                                <m:sup>
-                                  <m:r>
-                                    <a:rPr lang="en-US" b="0" i="1" smtClean="0">
-                                      <a:latin typeface="Cambria Math" panose="02040503050406030204" pitchFamily="18" charset="0"/>
-                                    </a:rPr>
-                                    <m:t>2</m:t>
-                                  </m:r>
-                                </m:sup>
-                              </m:sSup>
+                              </m:d>
                             </m:e>
                           </m:nary>
                         </m:e>
@@ -8048,51 +6579,59 @@
                   </a14:m>
                   <a:r>
                     <a:rPr lang="en-US" dirty="0"/>
-                    <a:t>       </a:t>
+                    <a:t> </a:t>
+                  </a:r>
+                  <a:r>
+                    <a:rPr lang="en-US" dirty="0" smtClean="0"/>
+                    <a:t>                   </a:t>
                   </a:r>
                 </a:p>
                 <a:p>
                   <a:r>
                     <a:rPr lang="en-US" dirty="0"/>
-                    <a:t>             </a:t>
+                    <a:t> </a:t>
+                  </a:r>
+                  <a:r>
+                    <a:rPr lang="en-US" dirty="0" smtClean="0"/>
+                    <a:t>2.2 A simple Recursive Estimator</a:t>
                   </a:r>
                 </a:p>
                 <a:p>
                   <a:r>
-                    <a:rPr lang="en-US" dirty="0"/>
-                    <a:t> 2.2 A simple Recursive Estimator</a:t>
-                  </a:r>
-                </a:p>
-                <a:p>
-                  <a:r>
-                    <a:rPr lang="en-US" dirty="0"/>
+                    <a:rPr lang="en-US" dirty="0" smtClean="0"/>
                     <a:t>          1) problem </a:t>
                   </a:r>
                 </a:p>
                 <a:p>
                   <a:r>
                     <a:rPr lang="en-US" dirty="0"/>
-                    <a:t>               </a:t>
+                    <a:t> </a:t>
                   </a:r>
+                  <a:r>
+                    <a:rPr lang="en-US" dirty="0" smtClean="0"/>
+                    <a:t>              </a:t>
+                  </a:r>
+                  <a:endParaRPr lang="en-US" dirty="0"/>
                 </a:p>
                 <a:p>
                   <a:pPr latinLnBrk="1"/>
                   <a:r>
-                    <a:rPr lang="en-US" dirty="0"/>
+                    <a:rPr lang="en-US" dirty="0" smtClean="0"/>
                     <a:t>                                                       </a:t>
                   </a:r>
                 </a:p>
                 <a:p>
                   <a:pPr latinLnBrk="1"/>
                   <a:r>
-                    <a:rPr lang="en-US" dirty="0"/>
+                    <a:rPr lang="en-US" dirty="0" smtClean="0"/>
                     <a:t>          2) Recursive Estimator</a:t>
                   </a:r>
+                  <a:endParaRPr lang="en-US" dirty="0"/>
                 </a:p>
                 <a:p>
                   <a:pPr latinLnBrk="1"/>
                   <a:r>
-                    <a:rPr lang="en-US" dirty="0"/>
+                    <a:rPr lang="en-US" dirty="0" smtClean="0"/>
                     <a:t>                </a:t>
                   </a:r>
                   <a14:m>
@@ -8141,7 +6680,7 @@
                       <m:f>
                         <m:fPr>
                           <m:ctrlPr>
-                            <a:rPr lang="en-US" b="0" i="1" smtClean="0">
+                            <a:rPr lang="en-US" b="0" i="0" smtClean="0">
                               <a:latin typeface="Cambria Math"/>
                             </a:rPr>
                           </m:ctrlPr>
@@ -8329,9 +6868,10 @@
                     </m:oMath>
                   </a14:m>
                   <a:r>
-                    <a:rPr lang="en-US" dirty="0"/>
+                    <a:rPr lang="en-US" dirty="0" smtClean="0"/>
                     <a:t>                                             </a:t>
                   </a:r>
+                  <a:endParaRPr lang="en-US" dirty="0" smtClean="0"/>
                 </a:p>
               </p:txBody>
             </p:sp>
@@ -8347,8 +6887,8 @@
               </p:nvSpPr>
               <p:spPr>
                 <a:xfrm>
-                  <a:off x="431942" y="-7340"/>
-                  <a:ext cx="8001000" cy="6363217"/>
+                  <a:off x="431942" y="-180081"/>
+                  <a:ext cx="8001000" cy="6221640"/>
                 </a:xfrm>
                 <a:prstGeom prst="rect">
                   <a:avLst/>
@@ -8356,7 +6896,7 @@
                 <a:blipFill rotWithShape="1">
                   <a:blip r:embed="rId2"/>
                   <a:stretch>
-                    <a:fillRect l="-686" t="-479" r="-38948"/>
+                    <a:fillRect l="-686" t="-490" r="-38948"/>
                   </a:stretch>
                 </a:blipFill>
               </p:spPr>
@@ -8926,7 +7466,7 @@
             </p:nvSpPr>
             <p:spPr>
               <a:xfrm>
-                <a:off x="1133475" y="5181600"/>
+                <a:off x="1193940" y="4847592"/>
                 <a:ext cx="5670207" cy="369332"/>
               </a:xfrm>
               <a:prstGeom prst="rect">
@@ -9014,7 +7554,7 @@
                   </m:oMath>
                 </a14:m>
                 <a:r>
-                  <a:rPr lang="en-US" dirty="0"/>
+                  <a:rPr lang="en-US" dirty="0" smtClean="0"/>
                   <a:t>,    given </a:t>
                 </a:r>
                 <a14:m>
@@ -9051,7 +7591,7 @@
                   </m:oMath>
                 </a14:m>
                 <a:r>
-                  <a:rPr lang="en-US" dirty="0"/>
+                  <a:rPr lang="en-US" dirty="0" smtClean="0"/>
                   <a:t>  find </a:t>
                 </a:r>
                 <a14:m>
@@ -9134,7 +7674,7 @@
             </p:nvSpPr>
             <p:spPr>
               <a:xfrm>
-                <a:off x="1133475" y="5181600"/>
+                <a:off x="1193940" y="4847592"/>
                 <a:ext cx="5670207" cy="369332"/>
               </a:xfrm>
               <a:prstGeom prst="rect">
@@ -9182,7 +7722,7 @@
 </p:sld>
 </file>
 
-<file path=ppt/slides/slide5.xml><?xml version="1.0" encoding="utf-8"?>
+<file path=ppt/slides/slide4.xml><?xml version="1.0" encoding="utf-8"?>
 <p:sld xmlns:a="http://schemas.openxmlformats.org/drawingml/2006/main" xmlns:r="http://schemas.openxmlformats.org/officeDocument/2006/relationships" xmlns:p="http://schemas.openxmlformats.org/presentationml/2006/main">
   <p:cSld>
     <p:spTree>
@@ -9210,7 +7750,7 @@
             <p:spPr>
               <a:xfrm>
                 <a:off x="457200" y="347430"/>
-                <a:ext cx="8001000" cy="5804474"/>
+                <a:ext cx="8001000" cy="6276975"/>
               </a:xfrm>
               <a:prstGeom prst="rect">
                 <a:avLst/>
@@ -9224,7 +7764,7 @@
               <a:p>
                 <a:r>
                   <a:rPr lang="en-US" dirty="0" smtClean="0"/>
-                  <a:t>Optimal Linear Reconstruction of the State  (textbook. 4.1 ~4.4, Week_8~8_2)</a:t>
+                  <a:t>Optimal Linear Reconstruction of the State  (textbook. 4.1 ~4.3, Week_8~8_2)</a:t>
                 </a:r>
               </a:p>
               <a:p>
@@ -9232,12 +7772,11 @@
                   <a:buAutoNum type="arabicPeriod"/>
                 </a:pPr>
                 <a:r>
-                  <a:rPr lang="en-US" dirty="0"/>
+                  <a:rPr lang="en-US" dirty="0" smtClean="0"/>
                   <a:t>Optimal observer (Definition 4.2)</a:t>
                 </a:r>
               </a:p>
               <a:p>
-                <a:pPr/>
                 <a14:m>
                   <m:oMathPara xmlns:m="http://schemas.openxmlformats.org/officeDocument/2006/math">
                     <m:oMathParaPr>
@@ -9356,7 +7895,19 @@
                         <a:rPr lang="en-US" b="0" i="1" smtClean="0">
                           <a:latin typeface="Cambria Math"/>
                         </a:rPr>
-                        <m:t>                  </m:t>
+                        <m:t> </m:t>
+                      </m:r>
+                      <m:r>
+                        <a:rPr lang="en-US" b="0" i="1" smtClean="0">
+                          <a:latin typeface="Cambria Math"/>
+                        </a:rPr>
+                        <m:t>            </m:t>
+                      </m:r>
+                      <m:r>
+                        <a:rPr lang="en-US" b="0" i="1" smtClean="0">
+                          <a:latin typeface="Cambria Math"/>
+                        </a:rPr>
+                        <m:t>     </m:t>
                       </m:r>
                       <m:d>
                         <m:dPr>
@@ -9371,19 +7922,19 @@
                             <a:rPr lang="en-US" b="0" i="1" smtClean="0">
                               <a:latin typeface="Cambria Math"/>
                             </a:rPr>
-                            <m:t>5</m:t>
+                            <m:t>1</m:t>
                           </m:r>
                         </m:e>
                       </m:d>
                     </m:oMath>
                   </m:oMathPara>
                 </a14:m>
-                <a:endParaRPr lang="en-US" b="0" dirty="0"/>
+                <a:endParaRPr lang="en-US" b="0" dirty="0" smtClean="0"/>
               </a:p>
               <a:p>
                 <a:pPr latinLnBrk="1"/>
                 <a:r>
-                  <a:rPr lang="en-US" b="0" dirty="0"/>
+                  <a:rPr lang="en-US" b="0" dirty="0" smtClean="0"/>
                   <a:t>                                                    </a:t>
                 </a:r>
                 <a14:m>
@@ -9441,30 +7992,19 @@
                       <a:rPr lang="en-US" b="0" i="1" smtClean="0">
                         <a:latin typeface="Cambria Math"/>
                       </a:rPr>
-                      <m:t>                             (</m:t>
-                    </m:r>
-                    <m:r>
-                      <a:rPr lang="en-US" b="0" i="1" smtClean="0">
-                        <a:latin typeface="Cambria Math"/>
-                      </a:rPr>
-                      <m:t>6</m:t>
-                    </m:r>
-                    <m:r>
-                      <a:rPr lang="en-US" b="0" i="1" smtClean="0">
-                        <a:latin typeface="Cambria Math"/>
-                      </a:rPr>
-                      <m:t>)</m:t>
+                      <m:t>                             (2)</m:t>
                     </m:r>
                   </m:oMath>
                 </a14:m>
-                <a:endParaRPr lang="en-US" dirty="0"/>
+                <a:endParaRPr lang="en-US" dirty="0" smtClean="0"/>
               </a:p>
               <a:p>
                 <a:pPr latinLnBrk="1"/>
                 <a:r>
-                  <a:rPr lang="en-US" dirty="0"/>
+                  <a:rPr lang="en-US" dirty="0" smtClean="0"/>
                   <a:t>    where  </a:t>
                 </a:r>
+                <a:endParaRPr lang="en-US" dirty="0" smtClean="0"/>
               </a:p>
               <a:p>
                 <a:pPr latinLnBrk="1"/>
@@ -9478,41 +8018,31 @@
                         <m:rPr>
                           <m:sty m:val="p"/>
                         </m:rPr>
-                        <a:rPr lang="en-US">
-                          <a:latin typeface="Cambria Math"/>
-                        </a:rPr>
+                        <a:rPr lang="en-US"/>
                         <m:t>E</m:t>
                       </m:r>
                       <m:d>
                         <m:dPr>
                           <m:ctrlPr>
-                            <a:rPr lang="en-US" i="1">
-                              <a:latin typeface="Cambria Math"/>
-                            </a:rPr>
+                            <a:rPr lang="en-US" i="1"/>
                           </m:ctrlPr>
                         </m:dPr>
                         <m:e>
                           <m:sSub>
                             <m:sSubPr>
                               <m:ctrlPr>
-                                <a:rPr lang="en-US" i="1">
-                                  <a:latin typeface="Cambria Math"/>
-                                </a:rPr>
+                                <a:rPr lang="en-US" i="1"/>
                               </m:ctrlPr>
                             </m:sSubPr>
                             <m:e>
                               <m:r>
-                                <a:rPr lang="en-US" i="1">
-                                  <a:latin typeface="Cambria Math"/>
-                                </a:rPr>
+                                <a:rPr lang="en-US" i="1"/>
                                 <m:t>𝑤</m:t>
                               </m:r>
                             </m:e>
                             <m:sub>
                               <m:r>
-                                <a:rPr lang="en-US" i="1">
-                                  <a:latin typeface="Cambria Math"/>
-                                </a:rPr>
+                                <a:rPr lang="en-US" i="1"/>
                                 <m:t>1</m:t>
                               </m:r>
                             </m:sub>
@@ -9520,32 +8050,24 @@
                           <m:sSubSup>
                             <m:sSubSupPr>
                               <m:ctrlPr>
-                                <a:rPr lang="en-US" i="1">
-                                  <a:latin typeface="Cambria Math"/>
-                                </a:rPr>
+                                <a:rPr lang="en-US" i="1"/>
                               </m:ctrlPr>
                             </m:sSubSupPr>
                             <m:e>
                               <m:r>
-                                <a:rPr lang="en-US" i="1">
-                                  <a:latin typeface="Cambria Math"/>
-                                </a:rPr>
+                                <a:rPr lang="en-US" i="1"/>
                                 <m:t>𝑤</m:t>
                               </m:r>
                             </m:e>
                             <m:sub>
                               <m:r>
-                                <a:rPr lang="en-US" i="1">
-                                  <a:latin typeface="Cambria Math"/>
-                                </a:rPr>
+                                <a:rPr lang="en-US" i="1"/>
                                 <m:t>2</m:t>
                               </m:r>
                             </m:sub>
                             <m:sup>
                               <m:r>
-                                <a:rPr lang="en-US" i="1">
-                                  <a:latin typeface="Cambria Math"/>
-                                </a:rPr>
+                                <a:rPr lang="en-US" i="1"/>
                                 <m:t>𝑇</m:t>
                               </m:r>
                             </m:sup>
@@ -9553,9 +8075,7 @@
                         </m:e>
                       </m:d>
                       <m:r>
-                        <a:rPr lang="en-US" i="1">
-                          <a:latin typeface="Cambria Math"/>
-                        </a:rPr>
+                        <a:rPr lang="en-US" i="1"/>
                         <m:t> = </m:t>
                       </m:r>
                       <m:d>
@@ -9563,9 +8083,7 @@
                           <m:begChr m:val="["/>
                           <m:endChr m:val="]"/>
                           <m:ctrlPr>
-                            <a:rPr lang="en-US" i="1">
-                              <a:latin typeface="Cambria Math"/>
-                            </a:rPr>
+                            <a:rPr lang="en-US" i="1"/>
                           </m:ctrlPr>
                         </m:dPr>
                         <m:e>
@@ -9580,9 +8098,7 @@
                                 </m:mc>
                               </m:mcs>
                               <m:ctrlPr>
-                                <a:rPr lang="en-US" i="1">
-                                  <a:latin typeface="Cambria Math"/>
-                                </a:rPr>
+                                <a:rPr lang="en-US" i="1"/>
                               </m:ctrlPr>
                             </m:mPr>
                             <m:mr>
@@ -9590,24 +8106,18 @@
                                 <m:sSub>
                                   <m:sSubPr>
                                     <m:ctrlPr>
-                                      <a:rPr lang="en-US" i="1">
-                                        <a:latin typeface="Cambria Math"/>
-                                      </a:rPr>
+                                      <a:rPr lang="en-US" i="1"/>
                                     </m:ctrlPr>
                                   </m:sSubPr>
                                   <m:e>
                                     <m:r>
-                                      <a:rPr lang="en-US" i="1">
-                                        <a:latin typeface="Cambria Math"/>
-                                      </a:rPr>
+                                      <a:rPr lang="en-US" i="1"/>
                                       <m:t>𝑉</m:t>
                                     </m:r>
                                   </m:e>
                                   <m:sub>
                                     <m:r>
-                                      <a:rPr lang="en-US" i="1">
-                                        <a:latin typeface="Cambria Math"/>
-                                      </a:rPr>
+                                      <a:rPr lang="en-US" i="1"/>
                                       <m:t>1</m:t>
                                     </m:r>
                                   </m:sub>
@@ -9617,24 +8127,18 @@
                                 <m:sSub>
                                   <m:sSubPr>
                                     <m:ctrlPr>
-                                      <a:rPr lang="en-US" i="1">
-                                        <a:latin typeface="Cambria Math"/>
-                                      </a:rPr>
+                                      <a:rPr lang="en-US" i="1"/>
                                     </m:ctrlPr>
                                   </m:sSubPr>
                                   <m:e>
                                     <m:r>
-                                      <a:rPr lang="en-US" i="1">
-                                        <a:latin typeface="Cambria Math"/>
-                                      </a:rPr>
+                                      <a:rPr lang="en-US" i="1"/>
                                       <m:t>𝑉</m:t>
                                     </m:r>
                                   </m:e>
                                   <m:sub>
                                     <m:r>
-                                      <a:rPr lang="en-US" i="1">
-                                        <a:latin typeface="Cambria Math"/>
-                                      </a:rPr>
+                                      <a:rPr lang="en-US" i="1"/>
                                       <m:t>12</m:t>
                                     </m:r>
                                   </m:sub>
@@ -9646,32 +8150,24 @@
                                 <m:sSubSup>
                                   <m:sSubSupPr>
                                     <m:ctrlPr>
-                                      <a:rPr lang="en-US" i="1">
-                                        <a:latin typeface="Cambria Math"/>
-                                      </a:rPr>
+                                      <a:rPr lang="en-US" i="1"/>
                                     </m:ctrlPr>
                                   </m:sSubSupPr>
                                   <m:e>
                                     <m:r>
-                                      <a:rPr lang="en-US" i="1">
-                                        <a:latin typeface="Cambria Math"/>
-                                      </a:rPr>
+                                      <a:rPr lang="en-US" i="1"/>
                                       <m:t>𝑉</m:t>
                                     </m:r>
                                   </m:e>
                                   <m:sub>
                                     <m:r>
-                                      <a:rPr lang="en-US" i="1">
-                                        <a:latin typeface="Cambria Math"/>
-                                      </a:rPr>
+                                      <a:rPr lang="en-US" i="1"/>
                                       <m:t>12</m:t>
                                     </m:r>
                                   </m:sub>
                                   <m:sup>
                                     <m:r>
-                                      <a:rPr lang="en-US" i="1">
-                                        <a:latin typeface="Cambria Math"/>
-                                      </a:rPr>
+                                      <a:rPr lang="en-US" i="1"/>
                                       <m:t>𝑇</m:t>
                                     </m:r>
                                   </m:sup>
@@ -9681,24 +8177,18 @@
                                 <m:sSub>
                                   <m:sSubPr>
                                     <m:ctrlPr>
-                                      <a:rPr lang="en-US" i="1">
-                                        <a:latin typeface="Cambria Math"/>
-                                      </a:rPr>
+                                      <a:rPr lang="en-US" i="1"/>
                                     </m:ctrlPr>
                                   </m:sSubPr>
                                   <m:e>
                                     <m:r>
-                                      <a:rPr lang="en-US" i="1">
-                                        <a:latin typeface="Cambria Math"/>
-                                      </a:rPr>
+                                      <a:rPr lang="en-US" i="1"/>
                                       <m:t>𝑉</m:t>
                                     </m:r>
                                   </m:e>
                                   <m:sub>
                                     <m:r>
-                                      <a:rPr lang="en-US" i="1">
-                                        <a:latin typeface="Cambria Math"/>
-                                      </a:rPr>
+                                      <a:rPr lang="en-US" i="1"/>
                                       <m:t>2</m:t>
                                     </m:r>
                                   </m:sub>
@@ -9711,7 +8201,7 @@
                     </m:oMath>
                   </m:oMathPara>
                 </a14:m>
-                <a:endParaRPr lang="en-US" dirty="0"/>
+                <a:endParaRPr lang="en-US" dirty="0" smtClean="0"/>
               </a:p>
               <a:p>
                 <a:pPr latinLnBrk="1"/>
@@ -9720,16 +8210,28 @@
               <a:p>
                 <a:pPr latinLnBrk="1"/>
                 <a:r>
-                  <a:rPr lang="en-US" dirty="0"/>
-                  <a:t>     Design the </a:t>
+                  <a:rPr lang="en-US" dirty="0" smtClean="0"/>
+                  <a:t>     Design </a:t>
                 </a:r>
                 <a:r>
-                  <a:rPr lang="en-US" b="1" dirty="0">
+                  <a:rPr lang="en-US" dirty="0" smtClean="0"/>
+                  <a:t>the </a:t>
+                </a:r>
+                <a:r>
+                  <a:rPr lang="en-US" b="1" dirty="0" smtClean="0">
                     <a:solidFill>
                       <a:srgbClr val="FF0000"/>
                     </a:solidFill>
                   </a:rPr>
-                  <a:t>state estimator </a:t>
+                  <a:t>state </a:t>
+                </a:r>
+                <a:r>
+                  <a:rPr lang="en-US" b="1" dirty="0" smtClean="0">
+                    <a:solidFill>
+                      <a:srgbClr val="FF0000"/>
+                    </a:solidFill>
+                  </a:rPr>
+                  <a:t>estimator </a:t>
                 </a:r>
                 <a14:m>
                   <m:oMath xmlns:m="http://schemas.openxmlformats.org/officeDocument/2006/math">
@@ -9782,7 +8284,7 @@
                   </m:oMath>
                 </a14:m>
                 <a:r>
-                  <a:rPr lang="en-US" dirty="0"/>
+                  <a:rPr lang="en-US" dirty="0" smtClean="0"/>
                   <a:t>given </a:t>
                 </a:r>
                 <a14:m>
@@ -9818,7 +8320,7 @@
                     </m:r>
                   </m:oMath>
                 </a14:m>
-                <a:endParaRPr lang="en-US" b="0" dirty="0"/>
+                <a:endParaRPr lang="en-US" b="0" dirty="0" smtClean="0"/>
               </a:p>
               <a:p>
                 <a:pPr latinLnBrk="1"/>
@@ -9827,7 +8329,7 @@
               <a:p>
                 <a:pPr latinLnBrk="1"/>
                 <a:r>
-                  <a:rPr lang="en-US" b="0" dirty="0"/>
+                  <a:rPr lang="en-US" b="0" dirty="0" smtClean="0"/>
                   <a:t>                                           </a:t>
                 </a:r>
                 <a14:m>
@@ -9836,9 +8338,7 @@
                       <m:accPr>
                         <m:chr m:val="̇"/>
                         <m:ctrlPr>
-                          <a:rPr lang="en-US" i="1">
-                            <a:latin typeface="Cambria Math"/>
-                          </a:rPr>
+                          <a:rPr lang="en-US" i="1"/>
                         </m:ctrlPr>
                       </m:accPr>
                       <m:e>
@@ -9846,16 +8346,12 @@
                           <m:accPr>
                             <m:chr m:val="̂"/>
                             <m:ctrlPr>
-                              <a:rPr lang="en-US" i="1">
-                                <a:latin typeface="Cambria Math"/>
-                              </a:rPr>
+                              <a:rPr lang="en-US" i="1"/>
                             </m:ctrlPr>
                           </m:accPr>
                           <m:e>
                             <m:r>
-                              <a:rPr lang="en-US" i="1">
-                                <a:latin typeface="Cambria Math"/>
-                              </a:rPr>
+                              <a:rPr lang="en-US" i="1"/>
                               <m:t>𝑥</m:t>
                             </m:r>
                           </m:e>
@@ -9865,115 +8361,83 @@
                     <m:d>
                       <m:dPr>
                         <m:ctrlPr>
-                          <a:rPr lang="en-US" i="1">
-                            <a:latin typeface="Cambria Math"/>
-                          </a:rPr>
+                          <a:rPr lang="en-US" i="1"/>
                         </m:ctrlPr>
                       </m:dPr>
                       <m:e>
                         <m:r>
-                          <a:rPr lang="en-US" i="1">
-                            <a:latin typeface="Cambria Math"/>
-                          </a:rPr>
+                          <a:rPr lang="en-US" i="1"/>
                           <m:t>𝑡</m:t>
                         </m:r>
                       </m:e>
                     </m:d>
                     <m:r>
-                      <a:rPr lang="en-US" i="1">
-                        <a:latin typeface="Cambria Math"/>
-                      </a:rPr>
+                      <a:rPr lang="en-US" i="1"/>
                       <m:t>=</m:t>
                     </m:r>
                     <m:r>
-                      <a:rPr lang="en-US" i="1">
-                        <a:latin typeface="Cambria Math"/>
-                      </a:rPr>
+                      <a:rPr lang="en-US" i="1"/>
                       <m:t>𝐴</m:t>
                     </m:r>
                     <m:acc>
                       <m:accPr>
                         <m:chr m:val="̂"/>
                         <m:ctrlPr>
-                          <a:rPr lang="en-US" i="1">
-                            <a:latin typeface="Cambria Math"/>
-                          </a:rPr>
+                          <a:rPr lang="en-US" i="1"/>
                         </m:ctrlPr>
                       </m:accPr>
                       <m:e>
                         <m:r>
-                          <a:rPr lang="en-US" i="1">
-                            <a:latin typeface="Cambria Math"/>
-                          </a:rPr>
+                          <a:rPr lang="en-US" i="1"/>
                           <m:t>𝑥</m:t>
                         </m:r>
                       </m:e>
                     </m:acc>
                     <m:r>
-                      <a:rPr lang="en-US" i="1">
-                        <a:latin typeface="Cambria Math"/>
-                      </a:rPr>
+                      <a:rPr lang="en-US" i="1"/>
                       <m:t>+</m:t>
                     </m:r>
                     <m:r>
-                      <a:rPr lang="en-US" i="1">
-                        <a:latin typeface="Cambria Math"/>
-                      </a:rPr>
+                      <a:rPr lang="en-US" i="1"/>
                       <m:t>𝐵𝑢</m:t>
                     </m:r>
                     <m:r>
-                      <a:rPr lang="en-US" i="1">
-                        <a:latin typeface="Cambria Math"/>
-                      </a:rPr>
+                      <a:rPr lang="en-US" i="1"/>
                       <m:t>+</m:t>
                     </m:r>
                     <m:r>
-                      <a:rPr lang="en-US" i="1">
-                        <a:latin typeface="Cambria Math"/>
-                      </a:rPr>
+                      <a:rPr lang="en-US" i="1"/>
                       <m:t>𝐾</m:t>
                     </m:r>
                     <m:d>
                       <m:dPr>
                         <m:ctrlPr>
-                          <a:rPr lang="en-US" i="1">
-                            <a:latin typeface="Cambria Math"/>
-                          </a:rPr>
+                          <a:rPr lang="en-US" i="1"/>
                         </m:ctrlPr>
                       </m:dPr>
                       <m:e>
                         <m:r>
-                          <a:rPr lang="en-US" i="1">
-                            <a:latin typeface="Cambria Math"/>
-                          </a:rPr>
+                          <a:rPr lang="en-US" i="1"/>
                           <m:t>𝑦</m:t>
                         </m:r>
                         <m:r>
-                          <a:rPr lang="en-US" i="1">
-                            <a:latin typeface="Cambria Math"/>
-                          </a:rPr>
+                          <a:rPr lang="en-US" i="1"/>
                           <m:t>−</m:t>
                         </m:r>
                         <m:r>
-                          <a:rPr lang="en-US" i="1">
-                            <a:latin typeface="Cambria Math"/>
-                          </a:rPr>
+                          <a:rPr lang="en-US" i="1"/>
                           <m:t>𝐶</m:t>
                         </m:r>
                         <m:acc>
                           <m:accPr>
                             <m:chr m:val="̂"/>
                             <m:ctrlPr>
-                              <a:rPr lang="en-US" i="1">
-                                <a:latin typeface="Cambria Math"/>
-                              </a:rPr>
+                              <a:rPr lang="en-US" i="1"/>
                             </m:ctrlPr>
                           </m:accPr>
                           <m:e>
                             <m:r>
-                              <a:rPr lang="en-US" i="1">
-                                <a:latin typeface="Cambria Math"/>
-                              </a:rPr>
+                              <a:rPr lang="en-US" i="1"/>
                               <m:t>𝑥</m:t>
                             </m:r>
                           </m:e>
@@ -9986,14 +8450,15 @@
               </a:p>
               <a:p>
                 <a:pPr latinLnBrk="1"/>
-                <a:endParaRPr lang="en-US" b="0" dirty="0"/>
+                <a:endParaRPr lang="en-US" b="0" dirty="0" smtClean="0"/>
               </a:p>
               <a:p>
                 <a:pPr latinLnBrk="1"/>
                 <a:r>
-                  <a:rPr lang="en-US" dirty="0"/>
+                  <a:rPr lang="en-US" dirty="0" smtClean="0"/>
                   <a:t>    minimize </a:t>
                 </a:r>
+                <a:endParaRPr lang="en-US" dirty="0"/>
               </a:p>
               <a:p>
                 <a:pPr latinLnBrk="1"/>
@@ -10006,18 +8471,14 @@
                       <m:func>
                         <m:funcPr>
                           <m:ctrlPr>
-                            <a:rPr lang="en-US" i="1">
-                              <a:latin typeface="Cambria Math"/>
-                            </a:rPr>
+                            <a:rPr lang="en-US" i="1"/>
                           </m:ctrlPr>
                         </m:funcPr>
                         <m:fName>
                           <m:limLow>
                             <m:limLowPr>
                               <m:ctrlPr>
-                                <a:rPr lang="en-US" i="1">
-                                  <a:latin typeface="Cambria Math"/>
-                                </a:rPr>
+                                <a:rPr lang="en-US" i="1"/>
                               </m:ctrlPr>
                             </m:limLowPr>
                             <m:e>
@@ -10025,17 +8486,13 @@
                                 <m:rPr>
                                   <m:sty m:val="p"/>
                                 </m:rPr>
-                                <a:rPr lang="en-US">
-                                  <a:latin typeface="Cambria Math"/>
-                                </a:rPr>
+                                <a:rPr lang="en-US"/>
                                 <m:t>min</m:t>
                               </m:r>
                             </m:e>
                             <m:lim>
                               <m:r>
-                                <a:rPr lang="en-US" i="1">
-                                  <a:latin typeface="Cambria Math"/>
-                                </a:rPr>
+                                <a:rPr lang="en-US" i="1"/>
                                 <m:t>𝐾</m:t>
                               </m:r>
                             </m:lim>
@@ -10046,26 +8503,20 @@
                             <m:rPr>
                               <m:sty m:val="p"/>
                             </m:rPr>
-                            <a:rPr lang="en-US">
-                              <a:latin typeface="Cambria Math"/>
-                            </a:rPr>
+                            <a:rPr lang="en-US"/>
                             <m:t>E</m:t>
                           </m:r>
                           <m:d>
                             <m:dPr>
                               <m:ctrlPr>
-                                <a:rPr lang="en-US" i="1">
-                                  <a:latin typeface="Cambria Math"/>
-                                </a:rPr>
+                                <a:rPr lang="en-US" i="1"/>
                               </m:ctrlPr>
                             </m:dPr>
                             <m:e>
                               <m:sSup>
                                 <m:sSupPr>
                                   <m:ctrlPr>
-                                    <a:rPr lang="en-US" i="1">
-                                      <a:latin typeface="Cambria Math"/>
-                                    </a:rPr>
+                                    <a:rPr lang="en-US" i="1"/>
                                   </m:ctrlPr>
                                 </m:sSupPr>
                                 <m:e>
@@ -10073,9 +8524,7 @@
                                     <m:rPr>
                                       <m:sty m:val="p"/>
                                     </m:rPr>
-                                    <a:rPr lang="en-US">
-                                      <a:latin typeface="Cambria Math"/>
-                                    </a:rPr>
+                                    <a:rPr lang="en-US"/>
                                     <m:t>e</m:t>
                                   </m:r>
                                 </m:e>
@@ -10084,29 +8533,21 @@
                                     <m:rPr>
                                       <m:sty m:val="p"/>
                                     </m:rPr>
-                                    <a:rPr lang="en-US">
-                                      <a:latin typeface="Cambria Math"/>
-                                    </a:rPr>
+                                    <a:rPr lang="en-US"/>
                                     <m:t>T</m:t>
                                   </m:r>
                                 </m:sup>
                               </m:sSup>
                               <m:r>
-                                <a:rPr lang="en-US" i="1">
-                                  <a:latin typeface="Cambria Math"/>
-                                </a:rPr>
+                                <a:rPr lang="en-US" i="1"/>
                                 <m:t>𝑊</m:t>
                               </m:r>
                               <m:r>
-                                <a:rPr lang="en-US" i="1">
-                                  <a:latin typeface="Cambria Math"/>
-                                </a:rPr>
+                                <a:rPr lang="en-US" i="1"/>
                                 <m:t> </m:t>
                               </m:r>
                               <m:r>
-                                <a:rPr lang="en-US" i="1">
-                                  <a:latin typeface="Cambria Math"/>
-                                </a:rPr>
+                                <a:rPr lang="en-US" i="1"/>
                                 <m:t>𝑒</m:t>
                               </m:r>
                             </m:e>
@@ -10132,61 +8573,45 @@
                         </m:e>
                       </m:func>
                       <m:r>
-                        <a:rPr lang="en-US">
-                          <a:latin typeface="Cambria Math"/>
-                        </a:rPr>
+                        <a:rPr lang="en-US"/>
                         <m:t>, </m:t>
                       </m:r>
                       <m:r>
                         <m:rPr>
                           <m:sty m:val="p"/>
                         </m:rPr>
-                        <a:rPr lang="en-US">
-                          <a:latin typeface="Cambria Math"/>
-                        </a:rPr>
+                        <a:rPr lang="en-US"/>
                         <m:t>e</m:t>
                       </m:r>
                       <m:r>
-                        <a:rPr lang="en-US">
-                          <a:latin typeface="Cambria Math"/>
-                        </a:rPr>
+                        <a:rPr lang="en-US"/>
                         <m:t> =</m:t>
                       </m:r>
                       <m:r>
                         <m:rPr>
                           <m:sty m:val="p"/>
                         </m:rPr>
-                        <a:rPr lang="en-US">
-                          <a:latin typeface="Cambria Math"/>
-                        </a:rPr>
+                        <a:rPr lang="en-US"/>
                         <m:t>x</m:t>
                       </m:r>
                       <m:r>
-                        <a:rPr lang="en-US" i="1">
-                          <a:latin typeface="Cambria Math"/>
-                        </a:rPr>
+                        <a:rPr lang="en-US" i="1"/>
                         <m:t>−</m:t>
                       </m:r>
                       <m:r>
-                        <a:rPr lang="en-US">
-                          <a:latin typeface="Cambria Math"/>
-                        </a:rPr>
+                        <a:rPr lang="en-US"/>
                         <m:t> </m:t>
                       </m:r>
                       <m:acc>
                         <m:accPr>
                           <m:chr m:val="̂"/>
                           <m:ctrlPr>
-                            <a:rPr lang="en-US" i="1">
-                              <a:latin typeface="Cambria Math"/>
-                            </a:rPr>
+                            <a:rPr lang="en-US" i="1"/>
                           </m:ctrlPr>
                         </m:accPr>
                         <m:e>
                           <m:r>
-                            <a:rPr lang="en-US" i="1">
-                              <a:latin typeface="Cambria Math"/>
-                            </a:rPr>
+                            <a:rPr lang="en-US" i="1"/>
                             <m:t>𝑥</m:t>
                           </m:r>
                         </m:e>
@@ -10194,7 +8619,7 @@
                     </m:oMath>
                   </m:oMathPara>
                 </a14:m>
-                <a:endParaRPr lang="en-US" b="0" i="1" dirty="0">
+                <a:endParaRPr lang="en-US" b="0" i="1" dirty="0" smtClean="0">
                   <a:latin typeface="Cambria Math"/>
                 </a:endParaRPr>
               </a:p>
@@ -10313,7 +8738,11 @@
                     </m:oMath>
                   </m:oMathPara>
                 </a14:m>
-                <a:endParaRPr lang="en-US" dirty="0"/>
+                <a:endParaRPr lang="en-US" dirty="0" smtClean="0"/>
+              </a:p>
+              <a:p>
+                <a:pPr latinLnBrk="1"/>
+                <a:endParaRPr lang="en-US" dirty="0" smtClean="0"/>
               </a:p>
               <a:p>
                 <a:r>
@@ -10321,12 +8750,11 @@
                   <a:t> </a:t>
                 </a:r>
                 <a:r>
-                  <a:rPr lang="en-US" dirty="0"/>
+                  <a:rPr lang="en-US" dirty="0" smtClean="0"/>
                   <a:t>2. Solution(Theorem 4.5)</a:t>
                 </a:r>
               </a:p>
               <a:p>
-                <a:pPr/>
                 <a14:m>
                   <m:oMathPara xmlns:m="http://schemas.openxmlformats.org/officeDocument/2006/math">
                     <m:oMathParaPr>
@@ -10337,23 +8765,17 @@
                         <m:rPr>
                           <m:sty m:val="p"/>
                         </m:rPr>
-                        <a:rPr lang="en-US">
-                          <a:latin typeface="Cambria Math"/>
-                        </a:rPr>
+                        <a:rPr lang="en-US"/>
                         <m:t>K</m:t>
                       </m:r>
                       <m:r>
-                        <a:rPr lang="en-US">
-                          <a:latin typeface="Cambria Math"/>
-                        </a:rPr>
+                        <a:rPr lang="en-US"/>
                         <m:t>= </m:t>
                       </m:r>
                       <m:sSup>
                         <m:sSupPr>
                           <m:ctrlPr>
-                            <a:rPr lang="en-US" i="1">
-                              <a:latin typeface="Cambria Math"/>
-                            </a:rPr>
+                            <a:rPr lang="en-US" i="1"/>
                           </m:ctrlPr>
                         </m:sSupPr>
                         <m:e>
@@ -10361,9 +8783,7 @@
                             <m:rPr>
                               <m:sty m:val="p"/>
                             </m:rPr>
-                            <a:rPr lang="en-US">
-                              <a:latin typeface="Cambria Math"/>
-                            </a:rPr>
+                            <a:rPr lang="en-US"/>
                             <m:t>QC</m:t>
                           </m:r>
                         </m:e>
@@ -10372,9 +8792,7 @@
                             <m:rPr>
                               <m:sty m:val="p"/>
                             </m:rPr>
-                            <a:rPr lang="en-US">
-                              <a:latin typeface="Cambria Math"/>
-                            </a:rPr>
+                            <a:rPr lang="en-US"/>
                             <m:t>T</m:t>
                           </m:r>
                         </m:sup>
@@ -10382,32 +8800,24 @@
                       <m:sSubSup>
                         <m:sSubSupPr>
                           <m:ctrlPr>
-                            <a:rPr lang="en-US" i="1">
-                              <a:latin typeface="Cambria Math"/>
-                            </a:rPr>
+                            <a:rPr lang="en-US" i="1"/>
                           </m:ctrlPr>
                         </m:sSubSupPr>
                         <m:e>
                           <m:r>
-                            <a:rPr lang="en-US" i="1">
-                              <a:latin typeface="Cambria Math"/>
-                            </a:rPr>
+                            <a:rPr lang="en-US" i="1"/>
                             <m:t>𝑉</m:t>
                           </m:r>
                         </m:e>
                         <m:sub>
                           <m:r>
-                            <a:rPr lang="en-US" i="1">
-                              <a:latin typeface="Cambria Math"/>
-                            </a:rPr>
+                            <a:rPr lang="en-US" i="1"/>
                             <m:t>2</m:t>
                           </m:r>
                         </m:sub>
                         <m:sup>
                           <m:r>
-                            <a:rPr lang="en-US" i="1">
-                              <a:latin typeface="Cambria Math"/>
-                            </a:rPr>
+                            <a:rPr lang="en-US" i="1"/>
                             <m:t>−1</m:t>
                           </m:r>
                         </m:sup>
@@ -10418,11 +8828,9 @@
                 <a:endParaRPr lang="en-US" dirty="0" smtClean="0"/>
               </a:p>
               <a:p>
-                <a:pPr/>
                 <a:endParaRPr lang="en-US" dirty="0"/>
               </a:p>
               <a:p>
-                <a:pPr/>
                 <a14:m>
                   <m:oMathPara xmlns:m="http://schemas.openxmlformats.org/officeDocument/2006/math">
                     <m:oMathParaPr>
@@ -10433,133 +8841,97 @@
                         <m:accPr>
                           <m:chr m:val="̇"/>
                           <m:ctrlPr>
-                            <a:rPr lang="en-US" i="1">
-                              <a:latin typeface="Cambria Math"/>
-                            </a:rPr>
+                            <a:rPr lang="en-US" i="1"/>
                           </m:ctrlPr>
                         </m:accPr>
                         <m:e>
                           <m:r>
-                            <a:rPr lang="en-US" i="1">
-                              <a:latin typeface="Cambria Math"/>
-                            </a:rPr>
+                            <a:rPr lang="en-US" i="1"/>
                             <m:t>𝑄</m:t>
                           </m:r>
                         </m:e>
                       </m:acc>
                       <m:r>
-                        <a:rPr lang="en-US" i="1">
-                          <a:latin typeface="Cambria Math"/>
-                        </a:rPr>
+                        <a:rPr lang="en-US" i="1"/>
                         <m:t>=</m:t>
                       </m:r>
                       <m:r>
-                        <a:rPr lang="en-US" i="1">
-                          <a:latin typeface="Cambria Math"/>
-                        </a:rPr>
+                        <a:rPr lang="en-US" i="1"/>
                         <m:t>𝐴𝑄</m:t>
                       </m:r>
                       <m:r>
-                        <a:rPr lang="en-US" i="1">
-                          <a:latin typeface="Cambria Math"/>
-                        </a:rPr>
+                        <a:rPr lang="en-US" i="1"/>
                         <m:t>+</m:t>
                       </m:r>
                       <m:r>
-                        <a:rPr lang="en-US" i="1">
-                          <a:latin typeface="Cambria Math"/>
-                        </a:rPr>
+                        <a:rPr lang="en-US" i="1"/>
                         <m:t>𝑄</m:t>
                       </m:r>
                       <m:sSup>
                         <m:sSupPr>
                           <m:ctrlPr>
-                            <a:rPr lang="en-US" i="1">
-                              <a:latin typeface="Cambria Math"/>
-                            </a:rPr>
+                            <a:rPr lang="en-US" i="1"/>
                           </m:ctrlPr>
                         </m:sSupPr>
                         <m:e>
                           <m:r>
-                            <a:rPr lang="en-US" i="1">
-                              <a:latin typeface="Cambria Math"/>
-                            </a:rPr>
+                            <a:rPr lang="en-US" i="1"/>
                             <m:t>𝐴</m:t>
                           </m:r>
                         </m:e>
                         <m:sup>
                           <m:r>
-                            <a:rPr lang="en-US" i="1">
-                              <a:latin typeface="Cambria Math"/>
-                            </a:rPr>
+                            <a:rPr lang="en-US" i="1"/>
                             <m:t>𝑇</m:t>
                           </m:r>
                         </m:sup>
                       </m:sSup>
                       <m:r>
-                        <a:rPr lang="en-US" i="1">
-                          <a:latin typeface="Cambria Math"/>
-                        </a:rPr>
+                        <a:rPr lang="en-US" i="1"/>
                         <m:t>+</m:t>
                       </m:r>
                       <m:sSub>
                         <m:sSubPr>
                           <m:ctrlPr>
-                            <a:rPr lang="en-US" i="1">
-                              <a:latin typeface="Cambria Math"/>
-                            </a:rPr>
+                            <a:rPr lang="en-US" i="1"/>
                           </m:ctrlPr>
                         </m:sSubPr>
                         <m:e>
                           <m:r>
-                            <a:rPr lang="en-US" i="1">
-                              <a:latin typeface="Cambria Math"/>
-                            </a:rPr>
+                            <a:rPr lang="en-US" i="1"/>
                             <m:t>𝑉</m:t>
                           </m:r>
                         </m:e>
                         <m:sub>
                           <m:r>
-                            <a:rPr lang="en-US" i="1">
-                              <a:latin typeface="Cambria Math"/>
-                            </a:rPr>
+                            <a:rPr lang="en-US" i="1"/>
                             <m:t>1</m:t>
                           </m:r>
                         </m:sub>
                       </m:sSub>
                       <m:r>
-                        <a:rPr lang="en-US" i="1">
-                          <a:latin typeface="Cambria Math"/>
-                        </a:rPr>
+                        <a:rPr lang="en-US" i="1"/>
                         <m:t>−</m:t>
                       </m:r>
                       <m:r>
-                        <a:rPr lang="en-US" i="1">
-                          <a:latin typeface="Cambria Math"/>
-                        </a:rPr>
+                        <a:rPr lang="en-US" i="1"/>
                         <m:t>𝑄</m:t>
                       </m:r>
                       <m:sSup>
                         <m:sSupPr>
                           <m:ctrlPr>
-                            <a:rPr lang="en-US" i="1">
-                              <a:latin typeface="Cambria Math"/>
-                            </a:rPr>
+                            <a:rPr lang="en-US" i="1"/>
                           </m:ctrlPr>
                         </m:sSupPr>
                         <m:e>
                           <m:r>
-                            <a:rPr lang="en-US" i="1">
-                              <a:latin typeface="Cambria Math"/>
-                            </a:rPr>
+                            <a:rPr lang="en-US" i="1"/>
                             <m:t>𝐶</m:t>
                           </m:r>
                         </m:e>
                         <m:sup>
                           <m:r>
-                            <a:rPr lang="en-US" i="1">
-                              <a:latin typeface="Cambria Math"/>
-                            </a:rPr>
+                            <a:rPr lang="en-US" i="1"/>
                             <m:t>𝑇</m:t>
                           </m:r>
                         </m:sup>
@@ -10567,67 +8939,50 @@
                       <m:sSubSup>
                         <m:sSubSupPr>
                           <m:ctrlPr>
-                            <a:rPr lang="en-US" i="1">
-                              <a:latin typeface="Cambria Math"/>
-                            </a:rPr>
+                            <a:rPr lang="en-US" i="1"/>
                           </m:ctrlPr>
                         </m:sSubSupPr>
                         <m:e>
                           <m:r>
-                            <a:rPr lang="en-US" i="1">
-                              <a:latin typeface="Cambria Math"/>
-                            </a:rPr>
+                            <a:rPr lang="en-US" i="1"/>
                             <m:t>𝑉</m:t>
                           </m:r>
                         </m:e>
                         <m:sub>
                           <m:r>
-                            <a:rPr lang="en-US" i="1">
-                              <a:latin typeface="Cambria Math"/>
-                            </a:rPr>
+                            <a:rPr lang="en-US" i="1"/>
                             <m:t>2</m:t>
                           </m:r>
                         </m:sub>
                         <m:sup>
                           <m:r>
-                            <a:rPr lang="en-US" i="1">
-                              <a:latin typeface="Cambria Math"/>
-                            </a:rPr>
+                            <a:rPr lang="en-US" i="1"/>
                             <m:t>−1</m:t>
                           </m:r>
                         </m:sup>
                       </m:sSubSup>
                       <m:r>
-                        <a:rPr lang="en-US" i="1">
-                          <a:latin typeface="Cambria Math"/>
-                        </a:rPr>
+                        <a:rPr lang="en-US" i="1"/>
                         <m:t>𝐶𝑄</m:t>
                       </m:r>
                       <m:r>
-                        <a:rPr lang="en-US" i="1">
-                          <a:latin typeface="Cambria Math"/>
-                        </a:rPr>
+                        <a:rPr lang="en-US" i="1"/>
                         <m:t>,   </m:t>
                       </m:r>
                       <m:r>
-                        <a:rPr lang="en-US" i="1">
-                          <a:latin typeface="Cambria Math"/>
-                        </a:rPr>
+                        <a:rPr lang="en-US" i="1"/>
                         <m:t>𝑡</m:t>
                       </m:r>
                       <m:r>
-                        <a:rPr lang="en-US" i="1">
-                          <a:latin typeface="Cambria Math"/>
-                        </a:rPr>
+                        <a:rPr lang="en-US" i="1"/>
                         <m:t>≥0,</m:t>
                       </m:r>
                     </m:oMath>
                   </m:oMathPara>
                 </a14:m>
-                <a:endParaRPr lang="en-US" i="1" dirty="0"/>
+                <a:endParaRPr lang="en-US" i="1" dirty="0" smtClean="0"/>
               </a:p>
               <a:p>
-                <a:pPr/>
                 <a14:m>
                   <m:oMathPara xmlns:m="http://schemas.openxmlformats.org/officeDocument/2006/math">
                     <m:oMathParaPr>
@@ -10635,47 +8990,35 @@
                     </m:oMathParaPr>
                     <m:oMath xmlns:m="http://schemas.openxmlformats.org/officeDocument/2006/math">
                       <m:r>
-                        <a:rPr lang="en-US" i="1">
-                          <a:latin typeface="Cambria Math"/>
-                        </a:rPr>
+                        <a:rPr lang="en-US" i="1"/>
                         <m:t>   </m:t>
                       </m:r>
                       <m:r>
-                        <a:rPr lang="en-US" i="1">
-                          <a:latin typeface="Cambria Math"/>
-                        </a:rPr>
+                        <a:rPr lang="en-US" i="1"/>
                         <m:t>𝑄</m:t>
                       </m:r>
                       <m:d>
                         <m:dPr>
                           <m:ctrlPr>
-                            <a:rPr lang="en-US" i="1">
-                              <a:latin typeface="Cambria Math"/>
-                            </a:rPr>
+                            <a:rPr lang="en-US" i="1"/>
                           </m:ctrlPr>
                         </m:dPr>
                         <m:e>
                           <m:sSub>
                             <m:sSubPr>
                               <m:ctrlPr>
-                                <a:rPr lang="en-US" i="1">
-                                  <a:latin typeface="Cambria Math"/>
-                                </a:rPr>
+                                <a:rPr lang="en-US" i="1"/>
                               </m:ctrlPr>
                             </m:sSubPr>
                             <m:e>
                               <m:r>
-                                <a:rPr lang="en-US" i="1">
-                                  <a:latin typeface="Cambria Math"/>
-                                </a:rPr>
+                                <a:rPr lang="en-US" i="1"/>
                                 <m:t>𝑡</m:t>
                               </m:r>
                             </m:e>
                             <m:sub>
                               <m:r>
-                                <a:rPr lang="en-US" i="1">
-                                  <a:latin typeface="Cambria Math"/>
-                                </a:rPr>
+                                <a:rPr lang="en-US" i="1"/>
                                 <m:t>0</m:t>
                               </m:r>
                             </m:sub>
@@ -10683,99 +9026,73 @@
                         </m:e>
                       </m:d>
                       <m:r>
-                        <a:rPr lang="en-US" i="1">
-                          <a:latin typeface="Cambria Math"/>
-                        </a:rPr>
+                        <a:rPr lang="en-US" i="1"/>
                         <m:t>=</m:t>
                       </m:r>
                       <m:r>
-                        <a:rPr lang="en-US" i="1">
-                          <a:latin typeface="Cambria Math"/>
-                        </a:rPr>
+                        <a:rPr lang="en-US" i="1"/>
                         <m:t>𝐸</m:t>
                       </m:r>
                       <m:d>
                         <m:dPr>
                           <m:ctrlPr>
-                            <a:rPr lang="en-US" i="1">
-                              <a:latin typeface="Cambria Math"/>
-                            </a:rPr>
+                            <a:rPr lang="en-US" i="1"/>
                           </m:ctrlPr>
                         </m:dPr>
                         <m:e>
                           <m:d>
                             <m:dPr>
                               <m:ctrlPr>
-                                <a:rPr lang="en-US" i="1">
-                                  <a:latin typeface="Cambria Math"/>
-                                </a:rPr>
+                                <a:rPr lang="en-US" i="1"/>
                               </m:ctrlPr>
                             </m:dPr>
                             <m:e>
                               <m:sSub>
                                 <m:sSubPr>
                                   <m:ctrlPr>
-                                    <a:rPr lang="en-US" i="1">
-                                      <a:latin typeface="Cambria Math"/>
-                                    </a:rPr>
+                                    <a:rPr lang="en-US" i="1"/>
                                   </m:ctrlPr>
                                 </m:sSubPr>
                                 <m:e>
                                   <m:r>
-                                    <a:rPr lang="en-US" i="1">
-                                      <a:latin typeface="Cambria Math"/>
-                                    </a:rPr>
+                                    <a:rPr lang="en-US" i="1"/>
                                     <m:t>𝑥</m:t>
                                   </m:r>
                                 </m:e>
                                 <m:sub>
                                   <m:r>
-                                    <a:rPr lang="en-US" i="1">
-                                      <a:latin typeface="Cambria Math"/>
-                                    </a:rPr>
+                                    <a:rPr lang="en-US" i="1"/>
                                     <m:t>0</m:t>
                                   </m:r>
                                 </m:sub>
                               </m:sSub>
                               <m:r>
-                                <a:rPr lang="en-US" i="1">
-                                  <a:latin typeface="Cambria Math"/>
-                                </a:rPr>
+                                <a:rPr lang="en-US" i="1"/>
                                 <m:t>−</m:t>
                               </m:r>
                               <m:r>
-                                <a:rPr lang="en-US" i="1">
-                                  <a:latin typeface="Cambria Math"/>
-                                </a:rPr>
+                                <a:rPr lang="en-US" i="1"/>
                                 <m:t>𝐸</m:t>
                               </m:r>
                               <m:r>
-                                <a:rPr lang="en-US" i="1">
-                                  <a:latin typeface="Cambria Math"/>
-                                </a:rPr>
+                                <a:rPr lang="en-US" i="1"/>
                                 <m:t>(</m:t>
                               </m:r>
                               <m:sSub>
                                 <m:sSubPr>
                                   <m:ctrlPr>
-                                    <a:rPr lang="en-US" i="1">
-                                      <a:latin typeface="Cambria Math"/>
-                                    </a:rPr>
+                                    <a:rPr lang="en-US" i="1"/>
                                   </m:ctrlPr>
                                 </m:sSubPr>
                                 <m:e>
                                   <m:r>
-                                    <a:rPr lang="en-US" i="1">
-                                      <a:latin typeface="Cambria Math"/>
-                                    </a:rPr>
+                                    <a:rPr lang="en-US" i="1"/>
                                     <m:t>𝑥</m:t>
                                   </m:r>
                                 </m:e>
                                 <m:sub>
                                   <m:r>
-                                    <a:rPr lang="en-US" i="1">
-                                      <a:latin typeface="Cambria Math"/>
-                                    </a:rPr>
+                                    <a:rPr lang="en-US" i="1"/>
                                     <m:t>0</m:t>
                                   </m:r>
                                 </m:sub>
@@ -10783,87 +9100,65 @@
                             </m:e>
                           </m:d>
                           <m:r>
-                            <a:rPr lang="en-US" i="1">
-                              <a:latin typeface="Cambria Math"/>
-                            </a:rPr>
+                            <a:rPr lang="en-US" i="1"/>
                             <m:t>(</m:t>
                           </m:r>
                           <m:sSub>
                             <m:sSubPr>
                               <m:ctrlPr>
-                                <a:rPr lang="en-US" i="1">
-                                  <a:latin typeface="Cambria Math"/>
-                                </a:rPr>
+                                <a:rPr lang="en-US" i="1"/>
                               </m:ctrlPr>
                             </m:sSubPr>
                             <m:e>
                               <m:r>
-                                <a:rPr lang="en-US" i="1">
-                                  <a:latin typeface="Cambria Math"/>
-                                </a:rPr>
+                                <a:rPr lang="en-US" i="1"/>
                                 <m:t>𝑥</m:t>
                               </m:r>
                             </m:e>
                             <m:sub>
                               <m:r>
-                                <a:rPr lang="en-US" i="1">
-                                  <a:latin typeface="Cambria Math"/>
-                                </a:rPr>
+                                <a:rPr lang="en-US" i="1"/>
                                 <m:t>0</m:t>
                               </m:r>
                             </m:sub>
                           </m:sSub>
                           <m:r>
-                            <a:rPr lang="en-US" i="1">
-                              <a:latin typeface="Cambria Math"/>
-                            </a:rPr>
+                            <a:rPr lang="en-US" i="1"/>
                             <m:t>− </m:t>
                           </m:r>
                           <m:r>
-                            <a:rPr lang="en-US" i="1">
-                              <a:latin typeface="Cambria Math"/>
-                            </a:rPr>
+                            <a:rPr lang="en-US" i="1"/>
                             <m:t>𝐸</m:t>
                           </m:r>
                           <m:sSup>
                             <m:sSupPr>
                               <m:ctrlPr>
-                                <a:rPr lang="en-US" i="1">
-                                  <a:latin typeface="Cambria Math"/>
-                                </a:rPr>
+                                <a:rPr lang="en-US" i="1"/>
                               </m:ctrlPr>
                             </m:sSupPr>
                             <m:e>
                               <m:d>
                                 <m:dPr>
                                   <m:ctrlPr>
-                                    <a:rPr lang="en-US" i="1">
-                                      <a:latin typeface="Cambria Math"/>
-                                    </a:rPr>
+                                    <a:rPr lang="en-US" i="1"/>
                                   </m:ctrlPr>
                                 </m:dPr>
                                 <m:e>
                                   <m:sSub>
                                     <m:sSubPr>
                                       <m:ctrlPr>
-                                        <a:rPr lang="en-US" i="1">
-                                          <a:latin typeface="Cambria Math"/>
-                                        </a:rPr>
+                                        <a:rPr lang="en-US" i="1"/>
                                       </m:ctrlPr>
                                     </m:sSubPr>
                                     <m:e>
                                       <m:r>
-                                        <a:rPr lang="en-US" i="1">
-                                          <a:latin typeface="Cambria Math"/>
-                                        </a:rPr>
+                                        <a:rPr lang="en-US" i="1"/>
                                         <m:t>𝑥</m:t>
                                       </m:r>
                                     </m:e>
                                     <m:sub>
                                       <m:r>
-                                        <a:rPr lang="en-US" i="1">
-                                          <a:latin typeface="Cambria Math"/>
-                                        </a:rPr>
+                                        <a:rPr lang="en-US" i="1"/>
                                         <m:t>0</m:t>
                                       </m:r>
                                     </m:sub>
@@ -10873,9 +9168,7 @@
                             </m:e>
                             <m:sup>
                               <m:r>
-                                <a:rPr lang="en-US" i="1">
-                                  <a:latin typeface="Cambria Math"/>
-                                </a:rPr>
+                                <a:rPr lang="en-US" i="1"/>
                                 <m:t>𝑇</m:t>
                               </m:r>
                             </m:sup>
@@ -10885,7 +9178,7 @@
                     </m:oMath>
                   </m:oMathPara>
                 </a14:m>
-                <a:endParaRPr lang="en-US" dirty="0"/>
+                <a:endParaRPr lang="en-US" dirty="0" smtClean="0"/>
               </a:p>
             </p:txBody>
           </p:sp>
@@ -10902,7 +9195,7 @@
             <p:spPr>
               <a:xfrm>
                 <a:off x="457200" y="347430"/>
-                <a:ext cx="8001000" cy="5804474"/>
+                <a:ext cx="8001000" cy="6276975"/>
               </a:xfrm>
               <a:prstGeom prst="rect">
                 <a:avLst/>
@@ -10910,7 +9203,7 @@
               <a:blipFill rotWithShape="1">
                 <a:blip r:embed="rId2"/>
                 <a:stretch>
-                  <a:fillRect l="-609" t="-525"/>
+                  <a:fillRect l="-609" t="-485"/>
                 </a:stretch>
               </a:blipFill>
             </p:spPr>
@@ -10949,7 +9242,7 @@
 </p:sld>
 </file>
 
-<file path=ppt/slides/slide6.xml><?xml version="1.0" encoding="utf-8"?>
+<file path=ppt/slides/slide5.xml><?xml version="1.0" encoding="utf-8"?>
 <p:sld xmlns:a="http://schemas.openxmlformats.org/drawingml/2006/main" xmlns:r="http://schemas.openxmlformats.org/officeDocument/2006/relationships" xmlns:p="http://schemas.openxmlformats.org/presentationml/2006/main">
   <p:cSld>
     <p:spTree>
@@ -10977,7 +9270,7 @@
             <p:spPr>
               <a:xfrm>
                 <a:off x="457200" y="347430"/>
-                <a:ext cx="8001000" cy="5834995"/>
+                <a:ext cx="8001000" cy="5579091"/>
               </a:xfrm>
               <a:prstGeom prst="rect">
                 <a:avLst/>
@@ -10999,7 +9292,7 @@
               </a:p>
               <a:p>
                 <a:r>
-                  <a:rPr lang="en-US" dirty="0"/>
+                  <a:rPr lang="en-US" dirty="0" smtClean="0"/>
                   <a:t>                                                   </a:t>
                 </a:r>
                 <a14:m>
@@ -11110,19 +9403,19 @@
                       <a:rPr lang="en-US" b="0" i="1" smtClean="0">
                         <a:latin typeface="Cambria Math"/>
                       </a:rPr>
-                      <m:t>                </m:t>
+                      <m:t> </m:t>
                     </m:r>
                     <m:r>
                       <a:rPr lang="en-US" b="0" i="1" smtClean="0">
                         <a:latin typeface="Cambria Math"/>
                       </a:rPr>
-                      <m:t>  </m:t>
+                      <m:t>            </m:t>
                     </m:r>
                     <m:r>
                       <a:rPr lang="en-US" b="0" i="1" smtClean="0">
                         <a:latin typeface="Cambria Math"/>
                       </a:rPr>
-                      <m:t> </m:t>
+                      <m:t>     </m:t>
                     </m:r>
                     <m:d>
                       <m:dPr>
@@ -11137,18 +9430,18 @@
                           <a:rPr lang="en-US" b="0" i="1" smtClean="0">
                             <a:latin typeface="Cambria Math"/>
                           </a:rPr>
-                          <m:t>7</m:t>
+                          <m:t>1</m:t>
                         </m:r>
                       </m:e>
                     </m:d>
                   </m:oMath>
                 </a14:m>
-                <a:endParaRPr lang="en-US" b="0" dirty="0"/>
+                <a:endParaRPr lang="en-US" b="0" dirty="0" smtClean="0"/>
               </a:p>
               <a:p>
                 <a:pPr latinLnBrk="1"/>
                 <a:r>
-                  <a:rPr lang="en-US" b="0" dirty="0"/>
+                  <a:rPr lang="en-US" b="0" dirty="0" smtClean="0"/>
                   <a:t>                                                    </a:t>
                 </a:r>
                 <a14:m>
@@ -11206,24 +9499,24 @@
                       <a:rPr lang="en-US" b="0" i="1" smtClean="0">
                         <a:latin typeface="Cambria Math"/>
                       </a:rPr>
-                      <m:t>                                        (</m:t>
+                      <m:t>                        </m:t>
                     </m:r>
                     <m:r>
                       <a:rPr lang="en-US" b="0" i="1" smtClean="0">
                         <a:latin typeface="Cambria Math"/>
                       </a:rPr>
-                      <m:t>8</m:t>
+                      <m:t>              </m:t>
                     </m:r>
                     <m:r>
                       <a:rPr lang="en-US" b="0" i="1" smtClean="0">
                         <a:latin typeface="Cambria Math"/>
                       </a:rPr>
-                      <m:t>)</m:t>
+                      <m:t>  (2)</m:t>
                     </m:r>
                   </m:oMath>
                 </a14:m>
                 <a:r>
-                  <a:rPr lang="en-US" dirty="0"/>
+                  <a:rPr lang="en-US" dirty="0" smtClean="0"/>
                   <a:t>  </a:t>
                 </a:r>
               </a:p>
@@ -11477,14 +9770,18 @@
               <a:p>
                 <a:pPr latinLnBrk="1"/>
                 <a:r>
-                  <a:rPr lang="en-US" dirty="0"/>
-                  <a:t>   1. Optimal Regulator Solution</a:t>
+                  <a:rPr lang="en-US" dirty="0" smtClean="0"/>
+                  <a:t>   1</a:t>
+                </a:r>
+                <a:r>
+                  <a:rPr lang="en-US" dirty="0" smtClean="0"/>
+                  <a:t>. Optimal Regulator Solution</a:t>
                 </a:r>
               </a:p>
               <a:p>
                 <a:pPr latinLnBrk="1"/>
                 <a:r>
-                  <a:rPr lang="en-US" dirty="0"/>
+                  <a:rPr lang="en-US" dirty="0" smtClean="0"/>
                   <a:t>                                              </a:t>
                 </a:r>
                 <a14:m>
@@ -11664,12 +9961,12 @@
                     </m:d>
                   </m:oMath>
                 </a14:m>
-                <a:endParaRPr lang="en-US" dirty="0"/>
+                <a:endParaRPr lang="en-US" dirty="0" smtClean="0"/>
               </a:p>
               <a:p>
                 <a:pPr latinLnBrk="1"/>
                 <a:r>
-                  <a:rPr lang="en-US" dirty="0"/>
+                  <a:rPr lang="en-US" dirty="0" smtClean="0"/>
                   <a:t>                                                      </a:t>
                 </a:r>
                 <a14:m>
@@ -11765,7 +10062,13 @@
                       <a:rPr lang="en-US" i="1">
                         <a:latin typeface="Cambria Math"/>
                       </a:rPr>
-                      <m:t>                              (3)</m:t>
+                      <m:t>              </m:t>
+                    </m:r>
+                    <m:r>
+                      <a:rPr lang="en-US" b="0" i="1" smtClean="0">
+                        <a:latin typeface="Cambria Math"/>
+                      </a:rPr>
+                      <m:t>                (3)</m:t>
                     </m:r>
                   </m:oMath>
                 </a14:m>
@@ -11775,8 +10078,13 @@
                 <a:pPr latinLnBrk="1"/>
                 <a:r>
                   <a:rPr lang="en-US" dirty="0"/>
-                  <a:t>      where</a:t>
+                  <a:t>  </a:t>
                 </a:r>
+                <a:r>
+                  <a:rPr lang="en-US" dirty="0" smtClean="0"/>
+                  <a:t>    where</a:t>
+                </a:r>
+                <a:endParaRPr lang="en-US" dirty="0"/>
               </a:p>
               <a:p>
                 <a:pPr latinLnBrk="1"/>
@@ -11924,9 +10232,10 @@
                   </m:oMath>
                 </a14:m>
                 <a:r>
-                  <a:rPr lang="en-US" dirty="0"/>
+                  <a:rPr lang="en-US" dirty="0" smtClean="0"/>
                   <a:t> </a:t>
                 </a:r>
+                <a:endParaRPr lang="en-US" dirty="0"/>
               </a:p>
               <a:p>
                 <a:pPr latinLnBrk="1"/>
@@ -11935,7 +10244,7 @@
               <a:p>
                 <a:pPr latinLnBrk="1"/>
                 <a:r>
-                  <a:rPr lang="en-US" dirty="0"/>
+                  <a:rPr lang="en-US" dirty="0" smtClean="0"/>
                   <a:t> 2. Optimal Observer Solution </a:t>
                 </a:r>
               </a:p>
@@ -11943,7 +10252,11 @@
                 <a:pPr latinLnBrk="1"/>
                 <a:r>
                   <a:rPr lang="en-US" dirty="0"/>
-                  <a:t>                                         </a:t>
+                  <a:t> </a:t>
+                </a:r>
+                <a:r>
+                  <a:rPr lang="en-US" dirty="0" smtClean="0"/>
+                  <a:t>                                        </a:t>
                 </a:r>
                 <a14:m>
                   <m:oMath xmlns:m="http://schemas.openxmlformats.org/officeDocument/2006/math">
@@ -12097,7 +10410,7 @@
                     </m:d>
                   </m:oMath>
                 </a14:m>
-                <a:endParaRPr lang="en-US" dirty="0"/>
+                <a:endParaRPr lang="en-US" dirty="0" smtClean="0"/>
               </a:p>
               <a:p>
                 <a:pPr latinLnBrk="1"/>
@@ -12302,7 +10615,7 @@
                     </m:oMath>
                   </m:oMathPara>
                 </a14:m>
-                <a:endParaRPr lang="en-US" i="1" dirty="0">
+                <a:endParaRPr lang="en-US" i="1" dirty="0" smtClean="0">
                   <a:latin typeface="Cambria Math"/>
                 </a:endParaRPr>
               </a:p>
@@ -12314,17 +10627,42 @@
                       <m:jc m:val="centerGroup"/>
                     </m:oMathParaPr>
                     <m:oMath xmlns:m="http://schemas.openxmlformats.org/officeDocument/2006/math">
-                      <m:r>
-                        <a:rPr lang="en-US" b="0" i="1" smtClean="0">
-                          <a:latin typeface="Cambria Math"/>
-                        </a:rPr>
-                        <m:t>𝐾</m:t>
-                      </m:r>
+                      <m:sSup>
+                        <m:sSupPr>
+                          <m:ctrlPr>
+                            <a:rPr lang="en-US" i="1">
+                              <a:latin typeface="Cambria Math"/>
+                            </a:rPr>
+                          </m:ctrlPr>
+                        </m:sSupPr>
+                        <m:e>
+                          <m:r>
+                            <a:rPr lang="en-US" i="1">
+                              <a:latin typeface="Cambria Math"/>
+                            </a:rPr>
+                            <m:t>𝑢</m:t>
+                          </m:r>
+                        </m:e>
+                        <m:sup>
+                          <m:r>
+                            <a:rPr lang="en-US" i="1">
+                              <a:latin typeface="Cambria Math"/>
+                            </a:rPr>
+                            <m:t>∗</m:t>
+                          </m:r>
+                        </m:sup>
+                      </m:sSup>
                       <m:r>
                         <a:rPr lang="en-US" i="1">
                           <a:latin typeface="Cambria Math"/>
                         </a:rPr>
                         <m:t>=</m:t>
+                      </m:r>
+                      <m:r>
+                        <a:rPr lang="en-US" b="0" i="1" smtClean="0">
+                          <a:latin typeface="Cambria Math"/>
+                        </a:rPr>
+                        <m:t>−</m:t>
                       </m:r>
                       <m:r>
                         <a:rPr lang="en-US" b="0" i="1" smtClean="0">
@@ -12390,21 +10728,157 @@
                           </m:r>
                         </m:sup>
                       </m:sSubSup>
+                      <m:r>
+                        <a:rPr lang="en-US" i="1">
+                          <a:latin typeface="Cambria Math"/>
+                        </a:rPr>
+                        <m:t>𝑥</m:t>
+                      </m:r>
                     </m:oMath>
                   </m:oMathPara>
                 </a14:m>
-                <a:endParaRPr lang="en-US" b="0" i="1" dirty="0" smtClean="0">
+                <a:endParaRPr lang="en-US" i="1" dirty="0">
                   <a:latin typeface="Cambria Math"/>
                 </a:endParaRPr>
               </a:p>
               <a:p>
-                <a:pPr latinLnBrk="1"/>
-                <a:endParaRPr lang="en-US" b="0" i="1" dirty="0" smtClean="0">
-                  <a:latin typeface="Cambria Math"/>
-                </a:endParaRPr>
+                <a:r>
+                  <a:rPr lang="en-US" dirty="0" smtClean="0"/>
+                  <a:t>                                     </a:t>
+                </a:r>
+                <a14:m>
+                  <m:oMath xmlns:m="http://schemas.openxmlformats.org/officeDocument/2006/math">
+                    <m:r>
+                      <a:rPr lang="en-US" b="0" i="0" smtClean="0">
+                        <a:latin typeface="Cambria Math"/>
+                      </a:rPr>
+                      <m:t>      </m:t>
+                    </m:r>
+                    <m:r>
+                      <a:rPr lang="en-US" i="1"/>
+                      <m:t>𝐴𝑄</m:t>
+                    </m:r>
+                    <m:r>
+                      <a:rPr lang="en-US" i="1"/>
+                      <m:t>+</m:t>
+                    </m:r>
+                    <m:r>
+                      <a:rPr lang="en-US" i="1"/>
+                      <m:t>𝑄</m:t>
+                    </m:r>
+                    <m:sSup>
+                      <m:sSupPr>
+                        <m:ctrlPr>
+                          <a:rPr lang="en-US" i="1"/>
+                        </m:ctrlPr>
+                      </m:sSupPr>
+                      <m:e>
+                        <m:r>
+                          <a:rPr lang="en-US" i="1"/>
+                          <m:t>𝐴</m:t>
+                        </m:r>
+                      </m:e>
+                      <m:sup>
+                        <m:r>
+                          <a:rPr lang="en-US" i="1"/>
+                          <m:t>𝑇</m:t>
+                        </m:r>
+                      </m:sup>
+                    </m:sSup>
+                    <m:r>
+                      <a:rPr lang="en-US" i="1"/>
+                      <m:t>+</m:t>
+                    </m:r>
+                    <m:sSub>
+                      <m:sSubPr>
+                        <m:ctrlPr>
+                          <a:rPr lang="en-US" i="1"/>
+                        </m:ctrlPr>
+                      </m:sSubPr>
+                      <m:e>
+                        <m:r>
+                          <a:rPr lang="en-US" i="1"/>
+                          <m:t>𝑉</m:t>
+                        </m:r>
+                      </m:e>
+                      <m:sub>
+                        <m:r>
+                          <a:rPr lang="en-US" i="1"/>
+                          <m:t>1</m:t>
+                        </m:r>
+                      </m:sub>
+                    </m:sSub>
+                    <m:r>
+                      <a:rPr lang="en-US" i="1"/>
+                      <m:t>−</m:t>
+                    </m:r>
+                    <m:r>
+                      <a:rPr lang="en-US" i="1"/>
+                      <m:t>𝑄</m:t>
+                    </m:r>
+                    <m:sSup>
+                      <m:sSupPr>
+                        <m:ctrlPr>
+                          <a:rPr lang="en-US" i="1"/>
+                        </m:ctrlPr>
+                      </m:sSupPr>
+                      <m:e>
+                        <m:r>
+                          <a:rPr lang="en-US" i="1"/>
+                          <m:t>𝐶</m:t>
+                        </m:r>
+                      </m:e>
+                      <m:sup>
+                        <m:r>
+                          <a:rPr lang="en-US" i="1"/>
+                          <m:t>𝑇</m:t>
+                        </m:r>
+                      </m:sup>
+                    </m:sSup>
+                    <m:sSubSup>
+                      <m:sSubSupPr>
+                        <m:ctrlPr>
+                          <a:rPr lang="en-US" i="1"/>
+                        </m:ctrlPr>
+                      </m:sSubSupPr>
+                      <m:e>
+                        <m:r>
+                          <a:rPr lang="en-US" i="1"/>
+                          <m:t>𝑉</m:t>
+                        </m:r>
+                      </m:e>
+                      <m:sub>
+                        <m:r>
+                          <a:rPr lang="en-US" i="1"/>
+                          <m:t>2</m:t>
+                        </m:r>
+                      </m:sub>
+                      <m:sup>
+                        <m:r>
+                          <a:rPr lang="en-US" i="1"/>
+                          <m:t>−1</m:t>
+                        </m:r>
+                      </m:sup>
+                    </m:sSubSup>
+                    <m:r>
+                      <a:rPr lang="en-US" i="1"/>
+                      <m:t>𝐶𝑄</m:t>
+                    </m:r>
+                    <m:r>
+                      <a:rPr lang="en-US" b="0" i="1" smtClean="0">
+                        <a:latin typeface="Cambria Math"/>
+                      </a:rPr>
+                      <m:t>=0</m:t>
+                    </m:r>
+                    <m:r>
+                      <a:rPr lang="en-US" i="1"/>
+                      <m:t>  </m:t>
+                    </m:r>
+                  </m:oMath>
+                </a14:m>
+                <a:endParaRPr lang="en-US" i="1" dirty="0" smtClean="0"/>
               </a:p>
               <a:p>
-                <a:pPr latinLnBrk="1"/>
                 <a14:m>
                   <m:oMathPara xmlns:m="http://schemas.openxmlformats.org/officeDocument/2006/math">
                     <m:oMathParaPr>
@@ -12412,190 +10886,13 @@
                     </m:oMathParaPr>
                     <m:oMath xmlns:m="http://schemas.openxmlformats.org/officeDocument/2006/math">
                       <m:r>
-                        <a:rPr lang="en-US" i="1">
-                          <a:latin typeface="Cambria Math"/>
-                        </a:rPr>
-                        <m:t>𝐴𝑄</m:t>
-                      </m:r>
-                      <m:r>
-                        <a:rPr lang="en-US" i="1">
-                          <a:latin typeface="Cambria Math"/>
-                        </a:rPr>
-                        <m:t>+</m:t>
-                      </m:r>
-                      <m:r>
-                        <a:rPr lang="en-US" i="1">
-                          <a:latin typeface="Cambria Math"/>
-                        </a:rPr>
-                        <m:t>𝑄</m:t>
-                      </m:r>
-                      <m:sSup>
-                        <m:sSupPr>
-                          <m:ctrlPr>
-                            <a:rPr lang="en-US" i="1">
-                              <a:latin typeface="Cambria Math"/>
-                            </a:rPr>
-                          </m:ctrlPr>
-                        </m:sSupPr>
-                        <m:e>
-                          <m:r>
-                            <a:rPr lang="en-US" i="1">
-                              <a:latin typeface="Cambria Math"/>
-                            </a:rPr>
-                            <m:t>𝐴</m:t>
-                          </m:r>
-                        </m:e>
-                        <m:sup>
-                          <m:r>
-                            <a:rPr lang="en-US" i="1">
-                              <a:latin typeface="Cambria Math"/>
-                            </a:rPr>
-                            <m:t>𝑇</m:t>
-                          </m:r>
-                        </m:sup>
-                      </m:sSup>
-                      <m:r>
-                        <a:rPr lang="en-US" i="1">
-                          <a:latin typeface="Cambria Math"/>
-                        </a:rPr>
-                        <m:t>+</m:t>
-                      </m:r>
-                      <m:sSub>
-                        <m:sSubPr>
-                          <m:ctrlPr>
-                            <a:rPr lang="en-US" i="1">
-                              <a:latin typeface="Cambria Math"/>
-                            </a:rPr>
-                          </m:ctrlPr>
-                        </m:sSubPr>
-                        <m:e>
-                          <m:r>
-                            <a:rPr lang="en-US" i="1">
-                              <a:latin typeface="Cambria Math"/>
-                            </a:rPr>
-                            <m:t>𝑉</m:t>
-                          </m:r>
-                        </m:e>
-                        <m:sub>
-                          <m:r>
-                            <a:rPr lang="en-US" i="1">
-                              <a:latin typeface="Cambria Math"/>
-                            </a:rPr>
-                            <m:t>1</m:t>
-                          </m:r>
-                        </m:sub>
-                      </m:sSub>
-                      <m:r>
-                        <a:rPr lang="en-US" i="1">
-                          <a:latin typeface="Cambria Math"/>
-                        </a:rPr>
-                        <m:t>−</m:t>
-                      </m:r>
-                      <m:r>
-                        <a:rPr lang="en-US" i="1">
-                          <a:latin typeface="Cambria Math"/>
-                        </a:rPr>
-                        <m:t>𝑄</m:t>
-                      </m:r>
-                      <m:sSup>
-                        <m:sSupPr>
-                          <m:ctrlPr>
-                            <a:rPr lang="en-US" i="1">
-                              <a:latin typeface="Cambria Math"/>
-                            </a:rPr>
-                          </m:ctrlPr>
-                        </m:sSupPr>
-                        <m:e>
-                          <m:r>
-                            <a:rPr lang="en-US" i="1">
-                              <a:latin typeface="Cambria Math"/>
-                            </a:rPr>
-                            <m:t>𝐶</m:t>
-                          </m:r>
-                        </m:e>
-                        <m:sup>
-                          <m:r>
-                            <a:rPr lang="en-US" i="1">
-                              <a:latin typeface="Cambria Math"/>
-                            </a:rPr>
-                            <m:t>𝑇</m:t>
-                          </m:r>
-                        </m:sup>
-                      </m:sSup>
-                      <m:sSubSup>
-                        <m:sSubSupPr>
-                          <m:ctrlPr>
-                            <a:rPr lang="en-US" i="1">
-                              <a:latin typeface="Cambria Math"/>
-                            </a:rPr>
-                          </m:ctrlPr>
-                        </m:sSubSupPr>
-                        <m:e>
-                          <m:r>
-                            <a:rPr lang="en-US" i="1">
-                              <a:latin typeface="Cambria Math"/>
-                            </a:rPr>
-                            <m:t>𝑉</m:t>
-                          </m:r>
-                        </m:e>
-                        <m:sub>
-                          <m:r>
-                            <a:rPr lang="en-US" i="1">
-                              <a:latin typeface="Cambria Math"/>
-                            </a:rPr>
-                            <m:t>2</m:t>
-                          </m:r>
-                        </m:sub>
-                        <m:sup>
-                          <m:r>
-                            <a:rPr lang="en-US" i="1">
-                              <a:latin typeface="Cambria Math"/>
-                            </a:rPr>
-                            <m:t>−1</m:t>
-                          </m:r>
-                        </m:sup>
-                      </m:sSubSup>
-                      <m:r>
-                        <a:rPr lang="en-US" i="1">
-                          <a:latin typeface="Cambria Math"/>
-                        </a:rPr>
-                        <m:t>𝐶𝑄</m:t>
-                      </m:r>
-                      <m:r>
-                        <a:rPr lang="en-US" b="0" i="1" smtClean="0">
-                          <a:latin typeface="Cambria Math"/>
-                        </a:rPr>
-                        <m:t>=0</m:t>
-                      </m:r>
-                      <m:r>
-                        <a:rPr lang="en-US" i="1">
-                          <a:latin typeface="Cambria Math"/>
-                        </a:rPr>
-                        <m:t>  </m:t>
+                        <a:rPr lang="en-US" i="1"/>
+                        <m:t>   </m:t>
                       </m:r>
                     </m:oMath>
                   </m:oMathPara>
                 </a14:m>
-                <a:endParaRPr lang="en-US" i="1" dirty="0"/>
-              </a:p>
-              <a:p>
-                <a:pPr/>
-                <a14:m>
-                  <m:oMathPara xmlns:m="http://schemas.openxmlformats.org/officeDocument/2006/math">
-                    <m:oMathParaPr>
-                      <m:jc m:val="centerGroup"/>
-                    </m:oMathParaPr>
-                    <m:oMath xmlns:m="http://schemas.openxmlformats.org/officeDocument/2006/math">
-                      <m:r>
-                        <a:rPr lang="en-US" i="1">
-                          <a:latin typeface="Cambria Math"/>
-                        </a:rPr>
-                        <m:t>   </m:t>
-                      </m:r>
-                    </m:oMath>
-                  </m:oMathPara>
-                </a14:m>
-                <a:endParaRPr lang="en-US" dirty="0"/>
+                <a:endParaRPr lang="en-US" dirty="0" smtClean="0"/>
               </a:p>
             </p:txBody>
           </p:sp>
@@ -12612,7 +10909,7 @@
             <p:spPr>
               <a:xfrm>
                 <a:off x="457200" y="347430"/>
-                <a:ext cx="8001000" cy="5834995"/>
+                <a:ext cx="8001000" cy="5579091"/>
               </a:xfrm>
               <a:prstGeom prst="rect">
                 <a:avLst/>
@@ -12620,7 +10917,7 @@
               <a:blipFill rotWithShape="1">
                 <a:blip r:embed="rId2"/>
                 <a:stretch>
-                  <a:fillRect l="-609" t="-522"/>
+                  <a:fillRect l="-609" t="-546"/>
                 </a:stretch>
               </a:blipFill>
             </p:spPr>
